--- a/G2에서.pptx
+++ b/G2에서.pptx
@@ -5,7 +5,7 @@
     <p:sldMasterId id="2147483800" r:id="rId1"/>
   </p:sldMasterIdLst>
   <p:notesMasterIdLst>
-    <p:notesMasterId r:id="rId11"/>
+    <p:notesMasterId r:id="rId16"/>
   </p:notesMasterIdLst>
   <p:sldIdLst>
     <p:sldId id="257" r:id="rId2"/>
@@ -16,15 +16,24 @@
     <p:sldId id="965" r:id="rId7"/>
     <p:sldId id="960" r:id="rId8"/>
     <p:sldId id="968" r:id="rId9"/>
-    <p:sldId id="259" r:id="rId10"/>
+    <p:sldId id="969" r:id="rId10"/>
+    <p:sldId id="970" r:id="rId11"/>
+    <p:sldId id="973" r:id="rId12"/>
+    <p:sldId id="971" r:id="rId13"/>
+    <p:sldId id="972" r:id="rId14"/>
+    <p:sldId id="259" r:id="rId15"/>
   </p:sldIdLst>
   <p:sldSz cx="9906000" cy="6858000" type="A4"/>
   <p:notesSz cx="6797675" cy="9926638"/>
   <p:embeddedFontLst>
     <p:embeddedFont>
+      <p:font typeface="Arial Unicode MS" panose="020B0604020202020204" pitchFamily="50" charset="-127"/>
+      <p:regular r:id="rId17"/>
+    </p:embeddedFont>
+    <p:embeddedFont>
       <p:font typeface="맑은 고딕" panose="020B0503020000020004" pitchFamily="50" charset="-127"/>
-      <p:regular r:id="rId12"/>
-      <p:bold r:id="rId13"/>
+      <p:regular r:id="rId18"/>
+      <p:bold r:id="rId19"/>
     </p:embeddedFont>
   </p:embeddedFontLst>
   <p:defaultTextStyle>
@@ -124,7 +133,7 @@
   </p:defaultTextStyle>
   <p:extLst>
     <p:ext uri="{EFAFB233-063F-42B5-8137-9DF3F51BA10A}">
-      <p15:sldGuideLst xmlns:p15="http://schemas.microsoft.com/office/powerpoint/2012/main" xmlns="">
+      <p15:sldGuideLst xmlns="" xmlns:p15="http://schemas.microsoft.com/office/powerpoint/2012/main">
         <p15:guide id="1" orient="horz" pos="3997">
           <p15:clr>
             <a:srgbClr val="A4A3A4"/>
@@ -188,7 +197,7 @@
       </p15:sldGuideLst>
     </p:ext>
     <p:ext uri="{2D200454-40CA-4A62-9FC3-DE9A4176ACB9}">
-      <p15:notesGuideLst xmlns:p15="http://schemas.microsoft.com/office/powerpoint/2012/main" xmlns="">
+      <p15:notesGuideLst xmlns="" xmlns:p15="http://schemas.microsoft.com/office/powerpoint/2012/main">
         <p15:guide id="1" orient="horz" pos="3126">
           <p15:clr>
             <a:srgbClr val="A4A3A4"/>
@@ -288,7 +297,7 @@
             <a:fld id="{E65F436B-4CED-4CDD-A807-F5F3F2E408D1}" type="datetimeFigureOut">
               <a:rPr lang="ko-KR" altLang="en-US" smtClean="0"/>
               <a:pPr/>
-              <a:t>2017-04-24</a:t>
+              <a:t>2017-04-25</a:t>
             </a:fld>
             <a:endParaRPr lang="ko-KR" altLang="en-US" dirty="0"/>
           </a:p>
@@ -26013,28 +26022,6 @@
                 </a:rPr>
                 <a:t>G2  (2/13~</a:t>
               </a:r>
-              <a:endParaRPr lang="en-US" altLang="ko-KR" sz="4000" b="1" spc="-28" dirty="0" smtClean="0">
-                <a:gradFill flip="none" rotWithShape="1">
-                  <a:gsLst>
-                    <a:gs pos="0">
-                      <a:srgbClr val="F58025"/>
-                    </a:gs>
-                    <a:gs pos="45000">
-                      <a:srgbClr val="F58025"/>
-                    </a:gs>
-                    <a:gs pos="71000">
-                      <a:srgbClr val="E62B34"/>
-                    </a:gs>
-                    <a:gs pos="100000">
-                      <a:srgbClr val="E31837"/>
-                    </a:gs>
-                  </a:gsLst>
-                  <a:lin ang="0" scaled="1"/>
-                  <a:tileRect/>
-                </a:gradFill>
-                <a:latin typeface="맑은 고딕" pitchFamily="50" charset="-127"/>
-                <a:ea typeface="맑은 고딕" pitchFamily="50" charset="-127"/>
-              </a:endParaRPr>
             </a:p>
           </p:txBody>
         </p:sp>
@@ -28647,6 +28634,2018 @@
 </p:sld>
 </file>
 
+<file path=ppt/slides/slide10.xml><?xml version="1.0" encoding="utf-8"?>
+<p:sld xmlns:a="http://schemas.openxmlformats.org/drawingml/2006/main" xmlns:r="http://schemas.openxmlformats.org/officeDocument/2006/relationships" xmlns:p="http://schemas.openxmlformats.org/presentationml/2006/main">
+  <p:cSld>
+    <p:spTree>
+      <p:nvGrpSpPr>
+        <p:cNvPr id="1" name=""/>
+        <p:cNvGrpSpPr/>
+        <p:nvPr/>
+      </p:nvGrpSpPr>
+      <p:grpSpPr>
+        <a:xfrm>
+          <a:off x="0" y="0"/>
+          <a:ext cx="0" cy="0"/>
+          <a:chOff x="0" y="0"/>
+          <a:chExt cx="0" cy="0"/>
+        </a:xfrm>
+      </p:grpSpPr>
+      <p:sp>
+        <p:nvSpPr>
+          <p:cNvPr id="2" name="제목 1"/>
+          <p:cNvSpPr>
+            <a:spLocks noGrp="1"/>
+          </p:cNvSpPr>
+          <p:nvPr>
+            <p:ph type="title"/>
+          </p:nvPr>
+        </p:nvSpPr>
+        <p:spPr/>
+        <p:txBody>
+          <a:bodyPr/>
+          <a:lstStyle/>
+          <a:p>
+            <a:r>
+              <a:rPr lang="en-US" altLang="ko-KR" dirty="0"/>
+              <a:t>ELK </a:t>
+            </a:r>
+            <a:r>
+              <a:rPr lang="ko-KR" altLang="en-US" dirty="0"/>
+              <a:t>실습</a:t>
+            </a:r>
+          </a:p>
+        </p:txBody>
+      </p:sp>
+      <p:sp>
+        <p:nvSpPr>
+          <p:cNvPr id="3" name="내용 개체 틀 2"/>
+          <p:cNvSpPr>
+            <a:spLocks noGrp="1"/>
+          </p:cNvSpPr>
+          <p:nvPr>
+            <p:ph idx="1"/>
+          </p:nvPr>
+        </p:nvSpPr>
+        <p:spPr>
+          <a:xfrm>
+            <a:off x="273050" y="1520825"/>
+            <a:ext cx="4679950" cy="468015"/>
+          </a:xfrm>
+        </p:spPr>
+        <p:txBody>
+          <a:bodyPr/>
+          <a:lstStyle/>
+          <a:p>
+            <a:r>
+              <a:rPr lang="en-US" altLang="ko-KR" dirty="0" err="1" smtClean="0"/>
+              <a:t>Kibana</a:t>
+            </a:r>
+            <a:r>
+              <a:rPr lang="en-US" altLang="ko-KR" dirty="0" smtClean="0"/>
+              <a:t> </a:t>
+            </a:r>
+            <a:r>
+              <a:rPr lang="en-US" altLang="ko-KR" dirty="0" err="1" smtClean="0"/>
+              <a:t>DashBoard</a:t>
+            </a:r>
+            <a:r>
+              <a:rPr lang="en-US" altLang="ko-KR" dirty="0" smtClean="0"/>
+              <a:t> WEB </a:t>
+            </a:r>
+            <a:r>
+              <a:rPr lang="ko-KR" altLang="en-US" dirty="0" smtClean="0"/>
+              <a:t>에서 확인 가능</a:t>
+            </a:r>
+            <a:endParaRPr lang="ko-KR" altLang="en-US" dirty="0"/>
+          </a:p>
+        </p:txBody>
+      </p:sp>
+      <p:sp>
+        <p:nvSpPr>
+          <p:cNvPr id="5" name="내용 개체 틀 4"/>
+          <p:cNvSpPr>
+            <a:spLocks noGrp="1"/>
+          </p:cNvSpPr>
+          <p:nvPr>
+            <p:ph idx="14"/>
+          </p:nvPr>
+        </p:nvSpPr>
+        <p:spPr/>
+        <p:txBody>
+          <a:bodyPr/>
+          <a:lstStyle/>
+          <a:p>
+            <a:r>
+              <a:rPr lang="ko-KR" altLang="en-US" dirty="0"/>
+              <a:t>간단하게 실습을 하면서 </a:t>
+            </a:r>
+            <a:r>
+              <a:rPr lang="en-US" altLang="ko-KR" dirty="0"/>
+              <a:t>ELK</a:t>
+            </a:r>
+            <a:r>
+              <a:rPr lang="ko-KR" altLang="en-US" dirty="0"/>
+              <a:t> 활용 및 가능성을 파악</a:t>
+            </a:r>
+          </a:p>
+          <a:p>
+            <a:endParaRPr lang="ko-KR" altLang="en-US" dirty="0"/>
+          </a:p>
+        </p:txBody>
+      </p:sp>
+      <p:sp>
+        <p:nvSpPr>
+          <p:cNvPr id="7" name="내용 개체 틀 2"/>
+          <p:cNvSpPr txBox="1">
+            <a:spLocks/>
+          </p:cNvSpPr>
+          <p:nvPr/>
+        </p:nvSpPr>
+        <p:spPr>
+          <a:xfrm>
+            <a:off x="273050" y="3176972"/>
+            <a:ext cx="4679950" cy="468015"/>
+          </a:xfrm>
+          <a:prstGeom prst="rect">
+            <a:avLst/>
+          </a:prstGeom>
+        </p:spPr>
+        <p:txBody>
+          <a:bodyPr/>
+          <a:lstStyle>
+            <a:lvl1pPr marL="342900" indent="-342900" algn="l" defTabSz="914400" rtl="0" eaLnBrk="1" latinLnBrk="1" hangingPunct="1">
+              <a:lnSpc>
+                <a:spcPct val="150000"/>
+              </a:lnSpc>
+              <a:spcBef>
+                <a:spcPct val="20000"/>
+              </a:spcBef>
+              <a:buFont typeface="맑은 고딕" panose="020B0503020000020004" pitchFamily="50" charset="-127"/>
+              <a:buChar char="■"/>
+              <a:defRPr sz="1500" b="1" kern="1200">
+                <a:solidFill>
+                  <a:schemeClr val="tx1"/>
+                </a:solidFill>
+                <a:latin typeface="+mn-lt"/>
+                <a:ea typeface="+mn-ea"/>
+                <a:cs typeface="+mn-cs"/>
+              </a:defRPr>
+            </a:lvl1pPr>
+            <a:lvl2pPr marL="742950" indent="-285750" algn="l" defTabSz="914400" rtl="0" eaLnBrk="1" latinLnBrk="1" hangingPunct="1">
+              <a:lnSpc>
+                <a:spcPct val="150000"/>
+              </a:lnSpc>
+              <a:spcBef>
+                <a:spcPct val="20000"/>
+              </a:spcBef>
+              <a:buFont typeface="Wingdings" panose="05000000000000000000" pitchFamily="2" charset="2"/>
+              <a:buChar char="l"/>
+              <a:defRPr sz="1300" b="1" kern="1200">
+                <a:solidFill>
+                  <a:schemeClr val="tx1"/>
+                </a:solidFill>
+                <a:latin typeface="+mn-lt"/>
+                <a:ea typeface="+mn-ea"/>
+                <a:cs typeface="+mn-cs"/>
+              </a:defRPr>
+            </a:lvl2pPr>
+            <a:lvl3pPr marL="1143000" indent="-228600" algn="l" defTabSz="914400" rtl="0" eaLnBrk="1" latinLnBrk="1" hangingPunct="1">
+              <a:lnSpc>
+                <a:spcPct val="150000"/>
+              </a:lnSpc>
+              <a:spcBef>
+                <a:spcPct val="20000"/>
+              </a:spcBef>
+              <a:buFont typeface="맑은 고딕" panose="020B0503020000020004" pitchFamily="50" charset="-127"/>
+              <a:buChar char="–"/>
+              <a:defRPr sz="1300" b="1" kern="1200">
+                <a:solidFill>
+                  <a:schemeClr val="tx1"/>
+                </a:solidFill>
+                <a:latin typeface="+mn-lt"/>
+                <a:ea typeface="+mn-ea"/>
+                <a:cs typeface="+mn-cs"/>
+              </a:defRPr>
+            </a:lvl3pPr>
+            <a:lvl4pPr marL="1600200" indent="-228600" algn="l" defTabSz="914400" rtl="0" eaLnBrk="1" latinLnBrk="1" hangingPunct="1">
+              <a:spcBef>
+                <a:spcPct val="20000"/>
+              </a:spcBef>
+              <a:buFont typeface="Arial" pitchFamily="34" charset="0"/>
+              <a:buChar char="–"/>
+              <a:defRPr sz="1500" b="1" kern="1200">
+                <a:solidFill>
+                  <a:schemeClr val="tx1"/>
+                </a:solidFill>
+                <a:latin typeface="+mn-lt"/>
+                <a:ea typeface="+mn-ea"/>
+                <a:cs typeface="+mn-cs"/>
+              </a:defRPr>
+            </a:lvl4pPr>
+            <a:lvl5pPr marL="2057400" indent="-228600" algn="l" defTabSz="914400" rtl="0" eaLnBrk="1" latinLnBrk="1" hangingPunct="1">
+              <a:spcBef>
+                <a:spcPct val="20000"/>
+              </a:spcBef>
+              <a:buFont typeface="Arial" pitchFamily="34" charset="0"/>
+              <a:buChar char="»"/>
+              <a:defRPr sz="1500" b="1" kern="1200">
+                <a:solidFill>
+                  <a:schemeClr val="tx1"/>
+                </a:solidFill>
+                <a:latin typeface="+mn-lt"/>
+                <a:ea typeface="+mn-ea"/>
+                <a:cs typeface="+mn-cs"/>
+              </a:defRPr>
+            </a:lvl5pPr>
+            <a:lvl6pPr marL="2514600" indent="-228600" algn="l" defTabSz="914400" rtl="0" eaLnBrk="1" latinLnBrk="1" hangingPunct="1">
+              <a:spcBef>
+                <a:spcPct val="20000"/>
+              </a:spcBef>
+              <a:buFont typeface="Arial" pitchFamily="34" charset="0"/>
+              <a:buChar char="•"/>
+              <a:defRPr sz="2000" kern="1200">
+                <a:solidFill>
+                  <a:schemeClr val="tx1"/>
+                </a:solidFill>
+                <a:latin typeface="+mn-lt"/>
+                <a:ea typeface="+mn-ea"/>
+                <a:cs typeface="+mn-cs"/>
+              </a:defRPr>
+            </a:lvl6pPr>
+            <a:lvl7pPr marL="2971800" indent="-228600" algn="l" defTabSz="914400" rtl="0" eaLnBrk="1" latinLnBrk="1" hangingPunct="1">
+              <a:spcBef>
+                <a:spcPct val="20000"/>
+              </a:spcBef>
+              <a:buFont typeface="Arial" pitchFamily="34" charset="0"/>
+              <a:buChar char="•"/>
+              <a:defRPr sz="2000" kern="1200">
+                <a:solidFill>
+                  <a:schemeClr val="tx1"/>
+                </a:solidFill>
+                <a:latin typeface="+mn-lt"/>
+                <a:ea typeface="+mn-ea"/>
+                <a:cs typeface="+mn-cs"/>
+              </a:defRPr>
+            </a:lvl7pPr>
+            <a:lvl8pPr marL="3429000" indent="-228600" algn="l" defTabSz="914400" rtl="0" eaLnBrk="1" latinLnBrk="1" hangingPunct="1">
+              <a:spcBef>
+                <a:spcPct val="20000"/>
+              </a:spcBef>
+              <a:buFont typeface="Arial" pitchFamily="34" charset="0"/>
+              <a:buChar char="•"/>
+              <a:defRPr sz="2000" kern="1200">
+                <a:solidFill>
+                  <a:schemeClr val="tx1"/>
+                </a:solidFill>
+                <a:latin typeface="+mn-lt"/>
+                <a:ea typeface="+mn-ea"/>
+                <a:cs typeface="+mn-cs"/>
+              </a:defRPr>
+            </a:lvl8pPr>
+            <a:lvl9pPr marL="3886200" indent="-228600" algn="l" defTabSz="914400" rtl="0" eaLnBrk="1" latinLnBrk="1" hangingPunct="1">
+              <a:spcBef>
+                <a:spcPct val="20000"/>
+              </a:spcBef>
+              <a:buFont typeface="Arial" pitchFamily="34" charset="0"/>
+              <a:buChar char="•"/>
+              <a:defRPr sz="2000" kern="1200">
+                <a:solidFill>
+                  <a:schemeClr val="tx1"/>
+                </a:solidFill>
+                <a:latin typeface="+mn-lt"/>
+                <a:ea typeface="+mn-ea"/>
+                <a:cs typeface="+mn-cs"/>
+              </a:defRPr>
+            </a:lvl9pPr>
+          </a:lstStyle>
+          <a:p>
+            <a:endParaRPr lang="ko-KR" altLang="en-US" dirty="0"/>
+          </a:p>
+        </p:txBody>
+      </p:sp>
+      <p:pic>
+        <p:nvPicPr>
+          <p:cNvPr id="4098" name="Picture 2"/>
+          <p:cNvPicPr>
+            <a:picLocks noChangeAspect="1" noChangeArrowheads="1"/>
+          </p:cNvPicPr>
+          <p:nvPr/>
+        </p:nvPicPr>
+        <p:blipFill>
+          <a:blip r:embed="rId2">
+            <a:extLst>
+              <a:ext uri="{28A0092B-C50C-407E-A947-70E740481C1C}">
+                <a14:useLocalDpi xmlns:a14="http://schemas.microsoft.com/office/drawing/2010/main" val="0"/>
+              </a:ext>
+            </a:extLst>
+          </a:blip>
+          <a:srcRect/>
+          <a:stretch>
+            <a:fillRect/>
+          </a:stretch>
+        </p:blipFill>
+        <p:spPr bwMode="auto">
+          <a:xfrm>
+            <a:off x="353006" y="2060849"/>
+            <a:ext cx="4520038" cy="3168352"/>
+          </a:xfrm>
+          <a:prstGeom prst="rect">
+            <a:avLst/>
+          </a:prstGeom>
+          <a:noFill/>
+          <a:ln>
+            <a:noFill/>
+          </a:ln>
+          <a:extLst>
+            <a:ext uri="{909E8E84-426E-40DD-AFC4-6F175D3DCCD1}">
+              <a14:hiddenFill xmlns:a14="http://schemas.microsoft.com/office/drawing/2010/main">
+                <a:solidFill>
+                  <a:schemeClr val="accent1"/>
+                </a:solidFill>
+              </a14:hiddenFill>
+            </a:ext>
+            <a:ext uri="{91240B29-F687-4F45-9708-019B960494DF}">
+              <a14:hiddenLine xmlns:a14="http://schemas.microsoft.com/office/drawing/2010/main" w="9525">
+                <a:solidFill>
+                  <a:schemeClr val="tx1"/>
+                </a:solidFill>
+                <a:miter lim="800000"/>
+                <a:headEnd/>
+                <a:tailEnd/>
+              </a14:hiddenLine>
+            </a:ext>
+          </a:extLst>
+        </p:spPr>
+      </p:pic>
+      <p:sp>
+        <p:nvSpPr>
+          <p:cNvPr id="8" name="내용 개체 틀 7"/>
+          <p:cNvSpPr>
+            <a:spLocks noGrp="1"/>
+          </p:cNvSpPr>
+          <p:nvPr>
+            <p:ph idx="13"/>
+          </p:nvPr>
+        </p:nvSpPr>
+        <p:spPr>
+          <a:xfrm>
+            <a:off x="2360712" y="5589240"/>
+            <a:ext cx="4679950" cy="827372"/>
+          </a:xfrm>
+        </p:spPr>
+        <p:txBody>
+          <a:bodyPr/>
+          <a:lstStyle/>
+          <a:p>
+            <a:r>
+              <a:rPr lang="ko-KR" altLang="en-US" sz="900" dirty="0" smtClean="0"/>
+              <a:t>참고 자료</a:t>
+            </a:r>
+            <a:endParaRPr lang="en-US" altLang="ko-KR" sz="900" dirty="0" smtClean="0"/>
+          </a:p>
+          <a:p>
+            <a:pPr lvl="1"/>
+            <a:r>
+              <a:rPr lang="en-US" altLang="ko-KR" sz="800" dirty="0" smtClean="0">
+                <a:hlinkClick r:id="rId3"/>
+              </a:rPr>
+              <a:t>https</a:t>
+            </a:r>
+            <a:r>
+              <a:rPr lang="en-US" altLang="ko-KR" sz="800" dirty="0">
+                <a:hlinkClick r:id="rId3"/>
+              </a:rPr>
+              <a:t>://</a:t>
+            </a:r>
+            <a:r>
+              <a:rPr lang="en-US" altLang="ko-KR" sz="800" dirty="0" smtClean="0">
+                <a:hlinkClick r:id="rId3"/>
+              </a:rPr>
+              <a:t>okdevtv.com/mib/elk/elk5</a:t>
+            </a:r>
+            <a:endParaRPr lang="en-US" altLang="ko-KR" sz="800" dirty="0" smtClean="0"/>
+          </a:p>
+          <a:p>
+            <a:pPr lvl="1"/>
+            <a:r>
+              <a:rPr lang="en-US" altLang="ko-KR" sz="800" dirty="0">
+                <a:hlinkClick r:id="rId4"/>
+              </a:rPr>
+              <a:t>https://</a:t>
+            </a:r>
+            <a:r>
+              <a:rPr lang="en-US" altLang="ko-KR" sz="800" dirty="0" smtClean="0">
+                <a:hlinkClick r:id="rId4"/>
+              </a:rPr>
+              <a:t>www.youtube.com/watch?v=Njh5TH6cXTE&amp;list=PLDMPhWe3CfpZqZ91BUo5udpdgXB2MWxy7</a:t>
+            </a:r>
+            <a:endParaRPr lang="en-US" altLang="ko-KR" sz="800" dirty="0" smtClean="0"/>
+          </a:p>
+          <a:p>
+            <a:pPr lvl="1"/>
+            <a:endParaRPr lang="ko-KR" altLang="en-US" dirty="0"/>
+          </a:p>
+        </p:txBody>
+      </p:sp>
+      <p:sp>
+        <p:nvSpPr>
+          <p:cNvPr id="11" name="내용 개체 틀 2"/>
+          <p:cNvSpPr txBox="1">
+            <a:spLocks/>
+          </p:cNvSpPr>
+          <p:nvPr/>
+        </p:nvSpPr>
+        <p:spPr>
+          <a:xfrm>
+            <a:off x="4953000" y="1520825"/>
+            <a:ext cx="4679950" cy="1152091"/>
+          </a:xfrm>
+          <a:prstGeom prst="rect">
+            <a:avLst/>
+          </a:prstGeom>
+        </p:spPr>
+        <p:txBody>
+          <a:bodyPr/>
+          <a:lstStyle>
+            <a:lvl1pPr marL="342900" indent="-342900" algn="l" defTabSz="914400" rtl="0" eaLnBrk="1" latinLnBrk="1" hangingPunct="1">
+              <a:lnSpc>
+                <a:spcPct val="150000"/>
+              </a:lnSpc>
+              <a:spcBef>
+                <a:spcPct val="20000"/>
+              </a:spcBef>
+              <a:buFont typeface="맑은 고딕" panose="020B0503020000020004" pitchFamily="50" charset="-127"/>
+              <a:buChar char="■"/>
+              <a:defRPr sz="1500" b="1" kern="1200">
+                <a:solidFill>
+                  <a:schemeClr val="tx1"/>
+                </a:solidFill>
+                <a:latin typeface="+mn-lt"/>
+                <a:ea typeface="+mn-ea"/>
+                <a:cs typeface="+mn-cs"/>
+              </a:defRPr>
+            </a:lvl1pPr>
+            <a:lvl2pPr marL="742950" indent="-285750" algn="l" defTabSz="914400" rtl="0" eaLnBrk="1" latinLnBrk="1" hangingPunct="1">
+              <a:lnSpc>
+                <a:spcPct val="150000"/>
+              </a:lnSpc>
+              <a:spcBef>
+                <a:spcPct val="20000"/>
+              </a:spcBef>
+              <a:buFont typeface="Wingdings" panose="05000000000000000000" pitchFamily="2" charset="2"/>
+              <a:buChar char="l"/>
+              <a:defRPr sz="1300" b="1" kern="1200">
+                <a:solidFill>
+                  <a:schemeClr val="tx1"/>
+                </a:solidFill>
+                <a:latin typeface="+mn-lt"/>
+                <a:ea typeface="+mn-ea"/>
+                <a:cs typeface="+mn-cs"/>
+              </a:defRPr>
+            </a:lvl2pPr>
+            <a:lvl3pPr marL="1143000" indent="-228600" algn="l" defTabSz="914400" rtl="0" eaLnBrk="1" latinLnBrk="1" hangingPunct="1">
+              <a:lnSpc>
+                <a:spcPct val="150000"/>
+              </a:lnSpc>
+              <a:spcBef>
+                <a:spcPct val="20000"/>
+              </a:spcBef>
+              <a:buFont typeface="맑은 고딕" panose="020B0503020000020004" pitchFamily="50" charset="-127"/>
+              <a:buChar char="–"/>
+              <a:defRPr sz="1300" b="1" kern="1200">
+                <a:solidFill>
+                  <a:schemeClr val="tx1"/>
+                </a:solidFill>
+                <a:latin typeface="+mn-lt"/>
+                <a:ea typeface="+mn-ea"/>
+                <a:cs typeface="+mn-cs"/>
+              </a:defRPr>
+            </a:lvl3pPr>
+            <a:lvl4pPr marL="1600200" indent="-228600" algn="l" defTabSz="914400" rtl="0" eaLnBrk="1" latinLnBrk="1" hangingPunct="1">
+              <a:spcBef>
+                <a:spcPct val="20000"/>
+              </a:spcBef>
+              <a:buFont typeface="Arial" pitchFamily="34" charset="0"/>
+              <a:buChar char="–"/>
+              <a:defRPr sz="1500" b="1" kern="1200">
+                <a:solidFill>
+                  <a:schemeClr val="tx1"/>
+                </a:solidFill>
+                <a:latin typeface="+mn-lt"/>
+                <a:ea typeface="+mn-ea"/>
+                <a:cs typeface="+mn-cs"/>
+              </a:defRPr>
+            </a:lvl4pPr>
+            <a:lvl5pPr marL="2057400" indent="-228600" algn="l" defTabSz="914400" rtl="0" eaLnBrk="1" latinLnBrk="1" hangingPunct="1">
+              <a:spcBef>
+                <a:spcPct val="20000"/>
+              </a:spcBef>
+              <a:buFont typeface="Arial" pitchFamily="34" charset="0"/>
+              <a:buChar char="»"/>
+              <a:defRPr sz="1500" b="1" kern="1200">
+                <a:solidFill>
+                  <a:schemeClr val="tx1"/>
+                </a:solidFill>
+                <a:latin typeface="+mn-lt"/>
+                <a:ea typeface="+mn-ea"/>
+                <a:cs typeface="+mn-cs"/>
+              </a:defRPr>
+            </a:lvl5pPr>
+            <a:lvl6pPr marL="2514600" indent="-228600" algn="l" defTabSz="914400" rtl="0" eaLnBrk="1" latinLnBrk="1" hangingPunct="1">
+              <a:spcBef>
+                <a:spcPct val="20000"/>
+              </a:spcBef>
+              <a:buFont typeface="Arial" pitchFamily="34" charset="0"/>
+              <a:buChar char="•"/>
+              <a:defRPr sz="2000" kern="1200">
+                <a:solidFill>
+                  <a:schemeClr val="tx1"/>
+                </a:solidFill>
+                <a:latin typeface="+mn-lt"/>
+                <a:ea typeface="+mn-ea"/>
+                <a:cs typeface="+mn-cs"/>
+              </a:defRPr>
+            </a:lvl6pPr>
+            <a:lvl7pPr marL="2971800" indent="-228600" algn="l" defTabSz="914400" rtl="0" eaLnBrk="1" latinLnBrk="1" hangingPunct="1">
+              <a:spcBef>
+                <a:spcPct val="20000"/>
+              </a:spcBef>
+              <a:buFont typeface="Arial" pitchFamily="34" charset="0"/>
+              <a:buChar char="•"/>
+              <a:defRPr sz="2000" kern="1200">
+                <a:solidFill>
+                  <a:schemeClr val="tx1"/>
+                </a:solidFill>
+                <a:latin typeface="+mn-lt"/>
+                <a:ea typeface="+mn-ea"/>
+                <a:cs typeface="+mn-cs"/>
+              </a:defRPr>
+            </a:lvl7pPr>
+            <a:lvl8pPr marL="3429000" indent="-228600" algn="l" defTabSz="914400" rtl="0" eaLnBrk="1" latinLnBrk="1" hangingPunct="1">
+              <a:spcBef>
+                <a:spcPct val="20000"/>
+              </a:spcBef>
+              <a:buFont typeface="Arial" pitchFamily="34" charset="0"/>
+              <a:buChar char="•"/>
+              <a:defRPr sz="2000" kern="1200">
+                <a:solidFill>
+                  <a:schemeClr val="tx1"/>
+                </a:solidFill>
+                <a:latin typeface="+mn-lt"/>
+                <a:ea typeface="+mn-ea"/>
+                <a:cs typeface="+mn-cs"/>
+              </a:defRPr>
+            </a:lvl8pPr>
+            <a:lvl9pPr marL="3886200" indent="-228600" algn="l" defTabSz="914400" rtl="0" eaLnBrk="1" latinLnBrk="1" hangingPunct="1">
+              <a:spcBef>
+                <a:spcPct val="20000"/>
+              </a:spcBef>
+              <a:buFont typeface="Arial" pitchFamily="34" charset="0"/>
+              <a:buChar char="•"/>
+              <a:defRPr sz="2000" kern="1200">
+                <a:solidFill>
+                  <a:schemeClr val="tx1"/>
+                </a:solidFill>
+                <a:latin typeface="+mn-lt"/>
+                <a:ea typeface="+mn-ea"/>
+                <a:cs typeface="+mn-cs"/>
+              </a:defRPr>
+            </a:lvl9pPr>
+          </a:lstStyle>
+          <a:p>
+            <a:r>
+              <a:rPr lang="ko-KR" altLang="en-US" dirty="0" smtClean="0"/>
+              <a:t>활용 가능성</a:t>
+            </a:r>
+            <a:endParaRPr lang="en-US" altLang="ko-KR" dirty="0" smtClean="0"/>
+          </a:p>
+          <a:p>
+            <a:pPr lvl="1"/>
+            <a:r>
+              <a:rPr lang="ko-KR" altLang="en-US" dirty="0" smtClean="0"/>
+              <a:t>운영관리 </a:t>
+            </a:r>
+            <a:r>
+              <a:rPr lang="en-US" altLang="ko-KR" dirty="0" smtClean="0"/>
+              <a:t>Page </a:t>
+            </a:r>
+            <a:r>
+              <a:rPr lang="ko-KR" altLang="en-US" dirty="0" smtClean="0"/>
+              <a:t>에서 </a:t>
+            </a:r>
+            <a:r>
+              <a:rPr lang="en-US" altLang="ko-KR" dirty="0" smtClean="0"/>
+              <a:t>ELK </a:t>
+            </a:r>
+            <a:r>
+              <a:rPr lang="ko-KR" altLang="en-US" dirty="0" smtClean="0"/>
+              <a:t>를 활용 하면 쉽게 운영관리 </a:t>
+            </a:r>
+            <a:r>
+              <a:rPr lang="en-US" altLang="ko-KR" dirty="0" err="1" smtClean="0"/>
+              <a:t>DashBoard</a:t>
+            </a:r>
+            <a:r>
+              <a:rPr lang="en-US" altLang="ko-KR" dirty="0" smtClean="0"/>
+              <a:t> </a:t>
+            </a:r>
+            <a:r>
+              <a:rPr lang="ko-KR" altLang="en-US" dirty="0" smtClean="0"/>
+              <a:t>제작 가능</a:t>
+            </a:r>
+            <a:endParaRPr lang="en-US" altLang="ko-KR" dirty="0" smtClean="0"/>
+          </a:p>
+          <a:p>
+            <a:pPr lvl="1"/>
+            <a:endParaRPr lang="ko-KR" altLang="en-US" dirty="0"/>
+          </a:p>
+        </p:txBody>
+      </p:sp>
+      <p:sp>
+        <p:nvSpPr>
+          <p:cNvPr id="12" name="내용 개체 틀 2"/>
+          <p:cNvSpPr txBox="1">
+            <a:spLocks/>
+          </p:cNvSpPr>
+          <p:nvPr/>
+        </p:nvSpPr>
+        <p:spPr>
+          <a:xfrm>
+            <a:off x="4953000" y="3068941"/>
+            <a:ext cx="4679950" cy="1152091"/>
+          </a:xfrm>
+          <a:prstGeom prst="rect">
+            <a:avLst/>
+          </a:prstGeom>
+        </p:spPr>
+        <p:txBody>
+          <a:bodyPr/>
+          <a:lstStyle>
+            <a:lvl1pPr marL="342900" indent="-342900" algn="l" defTabSz="914400" rtl="0" eaLnBrk="1" latinLnBrk="1" hangingPunct="1">
+              <a:lnSpc>
+                <a:spcPct val="150000"/>
+              </a:lnSpc>
+              <a:spcBef>
+                <a:spcPct val="20000"/>
+              </a:spcBef>
+              <a:buFont typeface="맑은 고딕" panose="020B0503020000020004" pitchFamily="50" charset="-127"/>
+              <a:buChar char="■"/>
+              <a:defRPr sz="1500" b="1" kern="1200">
+                <a:solidFill>
+                  <a:schemeClr val="tx1"/>
+                </a:solidFill>
+                <a:latin typeface="+mn-lt"/>
+                <a:ea typeface="+mn-ea"/>
+                <a:cs typeface="+mn-cs"/>
+              </a:defRPr>
+            </a:lvl1pPr>
+            <a:lvl2pPr marL="742950" indent="-285750" algn="l" defTabSz="914400" rtl="0" eaLnBrk="1" latinLnBrk="1" hangingPunct="1">
+              <a:lnSpc>
+                <a:spcPct val="150000"/>
+              </a:lnSpc>
+              <a:spcBef>
+                <a:spcPct val="20000"/>
+              </a:spcBef>
+              <a:buFont typeface="Wingdings" panose="05000000000000000000" pitchFamily="2" charset="2"/>
+              <a:buChar char="l"/>
+              <a:defRPr sz="1300" b="1" kern="1200">
+                <a:solidFill>
+                  <a:schemeClr val="tx1"/>
+                </a:solidFill>
+                <a:latin typeface="+mn-lt"/>
+                <a:ea typeface="+mn-ea"/>
+                <a:cs typeface="+mn-cs"/>
+              </a:defRPr>
+            </a:lvl2pPr>
+            <a:lvl3pPr marL="1143000" indent="-228600" algn="l" defTabSz="914400" rtl="0" eaLnBrk="1" latinLnBrk="1" hangingPunct="1">
+              <a:lnSpc>
+                <a:spcPct val="150000"/>
+              </a:lnSpc>
+              <a:spcBef>
+                <a:spcPct val="20000"/>
+              </a:spcBef>
+              <a:buFont typeface="맑은 고딕" panose="020B0503020000020004" pitchFamily="50" charset="-127"/>
+              <a:buChar char="–"/>
+              <a:defRPr sz="1300" b="1" kern="1200">
+                <a:solidFill>
+                  <a:schemeClr val="tx1"/>
+                </a:solidFill>
+                <a:latin typeface="+mn-lt"/>
+                <a:ea typeface="+mn-ea"/>
+                <a:cs typeface="+mn-cs"/>
+              </a:defRPr>
+            </a:lvl3pPr>
+            <a:lvl4pPr marL="1600200" indent="-228600" algn="l" defTabSz="914400" rtl="0" eaLnBrk="1" latinLnBrk="1" hangingPunct="1">
+              <a:spcBef>
+                <a:spcPct val="20000"/>
+              </a:spcBef>
+              <a:buFont typeface="Arial" pitchFamily="34" charset="0"/>
+              <a:buChar char="–"/>
+              <a:defRPr sz="1500" b="1" kern="1200">
+                <a:solidFill>
+                  <a:schemeClr val="tx1"/>
+                </a:solidFill>
+                <a:latin typeface="+mn-lt"/>
+                <a:ea typeface="+mn-ea"/>
+                <a:cs typeface="+mn-cs"/>
+              </a:defRPr>
+            </a:lvl4pPr>
+            <a:lvl5pPr marL="2057400" indent="-228600" algn="l" defTabSz="914400" rtl="0" eaLnBrk="1" latinLnBrk="1" hangingPunct="1">
+              <a:spcBef>
+                <a:spcPct val="20000"/>
+              </a:spcBef>
+              <a:buFont typeface="Arial" pitchFamily="34" charset="0"/>
+              <a:buChar char="»"/>
+              <a:defRPr sz="1500" b="1" kern="1200">
+                <a:solidFill>
+                  <a:schemeClr val="tx1"/>
+                </a:solidFill>
+                <a:latin typeface="+mn-lt"/>
+                <a:ea typeface="+mn-ea"/>
+                <a:cs typeface="+mn-cs"/>
+              </a:defRPr>
+            </a:lvl5pPr>
+            <a:lvl6pPr marL="2514600" indent="-228600" algn="l" defTabSz="914400" rtl="0" eaLnBrk="1" latinLnBrk="1" hangingPunct="1">
+              <a:spcBef>
+                <a:spcPct val="20000"/>
+              </a:spcBef>
+              <a:buFont typeface="Arial" pitchFamily="34" charset="0"/>
+              <a:buChar char="•"/>
+              <a:defRPr sz="2000" kern="1200">
+                <a:solidFill>
+                  <a:schemeClr val="tx1"/>
+                </a:solidFill>
+                <a:latin typeface="+mn-lt"/>
+                <a:ea typeface="+mn-ea"/>
+                <a:cs typeface="+mn-cs"/>
+              </a:defRPr>
+            </a:lvl6pPr>
+            <a:lvl7pPr marL="2971800" indent="-228600" algn="l" defTabSz="914400" rtl="0" eaLnBrk="1" latinLnBrk="1" hangingPunct="1">
+              <a:spcBef>
+                <a:spcPct val="20000"/>
+              </a:spcBef>
+              <a:buFont typeface="Arial" pitchFamily="34" charset="0"/>
+              <a:buChar char="•"/>
+              <a:defRPr sz="2000" kern="1200">
+                <a:solidFill>
+                  <a:schemeClr val="tx1"/>
+                </a:solidFill>
+                <a:latin typeface="+mn-lt"/>
+                <a:ea typeface="+mn-ea"/>
+                <a:cs typeface="+mn-cs"/>
+              </a:defRPr>
+            </a:lvl7pPr>
+            <a:lvl8pPr marL="3429000" indent="-228600" algn="l" defTabSz="914400" rtl="0" eaLnBrk="1" latinLnBrk="1" hangingPunct="1">
+              <a:spcBef>
+                <a:spcPct val="20000"/>
+              </a:spcBef>
+              <a:buFont typeface="Arial" pitchFamily="34" charset="0"/>
+              <a:buChar char="•"/>
+              <a:defRPr sz="2000" kern="1200">
+                <a:solidFill>
+                  <a:schemeClr val="tx1"/>
+                </a:solidFill>
+                <a:latin typeface="+mn-lt"/>
+                <a:ea typeface="+mn-ea"/>
+                <a:cs typeface="+mn-cs"/>
+              </a:defRPr>
+            </a:lvl8pPr>
+            <a:lvl9pPr marL="3886200" indent="-228600" algn="l" defTabSz="914400" rtl="0" eaLnBrk="1" latinLnBrk="1" hangingPunct="1">
+              <a:spcBef>
+                <a:spcPct val="20000"/>
+              </a:spcBef>
+              <a:buFont typeface="Arial" pitchFamily="34" charset="0"/>
+              <a:buChar char="•"/>
+              <a:defRPr sz="2000" kern="1200">
+                <a:solidFill>
+                  <a:schemeClr val="tx1"/>
+                </a:solidFill>
+                <a:latin typeface="+mn-lt"/>
+                <a:ea typeface="+mn-ea"/>
+                <a:cs typeface="+mn-cs"/>
+              </a:defRPr>
+            </a:lvl9pPr>
+          </a:lstStyle>
+          <a:p>
+            <a:r>
+              <a:rPr lang="ko-KR" altLang="en-US" dirty="0" smtClean="0"/>
+              <a:t>고</a:t>
+            </a:r>
+            <a:r>
+              <a:rPr lang="ko-KR" altLang="en-US" dirty="0"/>
+              <a:t>려</a:t>
+            </a:r>
+            <a:r>
+              <a:rPr lang="ko-KR" altLang="en-US" dirty="0" smtClean="0"/>
+              <a:t> 사항</a:t>
+            </a:r>
+            <a:endParaRPr lang="en-US" altLang="ko-KR" dirty="0" smtClean="0"/>
+          </a:p>
+          <a:p>
+            <a:pPr lvl="1"/>
+            <a:r>
+              <a:rPr lang="en-US" altLang="ko-KR" dirty="0" err="1" smtClean="0"/>
+              <a:t>Kibana</a:t>
+            </a:r>
+            <a:r>
+              <a:rPr lang="en-US" altLang="ko-KR" dirty="0" smtClean="0"/>
+              <a:t> Dashboard </a:t>
+            </a:r>
+            <a:r>
+              <a:rPr lang="ko-KR" altLang="en-US" dirty="0" smtClean="0"/>
+              <a:t>참조하여 자체 제작 고려</a:t>
+            </a:r>
+            <a:endParaRPr lang="en-US" altLang="ko-KR" dirty="0" smtClean="0"/>
+          </a:p>
+          <a:p>
+            <a:pPr lvl="1"/>
+            <a:r>
+              <a:rPr lang="en-US" altLang="ko-KR" dirty="0" err="1" smtClean="0"/>
+              <a:t>Filebeat</a:t>
+            </a:r>
+            <a:r>
+              <a:rPr lang="en-US" altLang="ko-KR" dirty="0" smtClean="0"/>
+              <a:t> </a:t>
+            </a:r>
+            <a:r>
+              <a:rPr lang="ko-KR" altLang="en-US" dirty="0" smtClean="0"/>
+              <a:t>또는 </a:t>
+            </a:r>
+            <a:r>
+              <a:rPr lang="en-US" altLang="ko-KR" dirty="0" smtClean="0"/>
+              <a:t>Kafka </a:t>
+            </a:r>
+            <a:r>
+              <a:rPr lang="ko-KR" altLang="en-US" dirty="0" smtClean="0"/>
+              <a:t>를 활용한 </a:t>
+            </a:r>
+            <a:r>
+              <a:rPr lang="en-US" altLang="ko-KR" dirty="0" smtClean="0"/>
+              <a:t>log </a:t>
+            </a:r>
+            <a:r>
+              <a:rPr lang="ko-KR" altLang="en-US" dirty="0" err="1" smtClean="0"/>
+              <a:t>적제</a:t>
+            </a:r>
+            <a:endParaRPr lang="ko-KR" altLang="en-US" dirty="0"/>
+          </a:p>
+        </p:txBody>
+      </p:sp>
+      <p:pic>
+        <p:nvPicPr>
+          <p:cNvPr id="4099" name="Picture 3"/>
+          <p:cNvPicPr>
+            <a:picLocks noChangeAspect="1" noChangeArrowheads="1"/>
+          </p:cNvPicPr>
+          <p:nvPr/>
+        </p:nvPicPr>
+        <p:blipFill>
+          <a:blip r:embed="rId5" cstate="print">
+            <a:extLst>
+              <a:ext uri="{28A0092B-C50C-407E-A947-70E740481C1C}">
+                <a14:useLocalDpi xmlns:a14="http://schemas.microsoft.com/office/drawing/2010/main" val="0"/>
+              </a:ext>
+            </a:extLst>
+          </a:blip>
+          <a:srcRect/>
+          <a:stretch>
+            <a:fillRect/>
+          </a:stretch>
+        </p:blipFill>
+        <p:spPr bwMode="auto">
+          <a:xfrm>
+            <a:off x="5277036" y="4401108"/>
+            <a:ext cx="2081795" cy="882463"/>
+          </a:xfrm>
+          <a:prstGeom prst="rect">
+            <a:avLst/>
+          </a:prstGeom>
+          <a:noFill/>
+          <a:ln>
+            <a:noFill/>
+          </a:ln>
+          <a:extLst>
+            <a:ext uri="{909E8E84-426E-40DD-AFC4-6F175D3DCCD1}">
+              <a14:hiddenFill xmlns:a14="http://schemas.microsoft.com/office/drawing/2010/main">
+                <a:solidFill>
+                  <a:schemeClr val="accent1"/>
+                </a:solidFill>
+              </a14:hiddenFill>
+            </a:ext>
+            <a:ext uri="{91240B29-F687-4F45-9708-019B960494DF}">
+              <a14:hiddenLine xmlns:a14="http://schemas.microsoft.com/office/drawing/2010/main" w="9525">
+                <a:solidFill>
+                  <a:schemeClr val="tx1"/>
+                </a:solidFill>
+                <a:miter lim="800000"/>
+                <a:headEnd/>
+                <a:tailEnd/>
+              </a14:hiddenLine>
+            </a:ext>
+          </a:extLst>
+        </p:spPr>
+      </p:pic>
+      <p:pic>
+        <p:nvPicPr>
+          <p:cNvPr id="4100" name="Picture 4"/>
+          <p:cNvPicPr>
+            <a:picLocks noChangeAspect="1" noChangeArrowheads="1"/>
+          </p:cNvPicPr>
+          <p:nvPr/>
+        </p:nvPicPr>
+        <p:blipFill>
+          <a:blip r:embed="rId6" cstate="print">
+            <a:extLst>
+              <a:ext uri="{28A0092B-C50C-407E-A947-70E740481C1C}">
+                <a14:useLocalDpi xmlns:a14="http://schemas.microsoft.com/office/drawing/2010/main" val="0"/>
+              </a:ext>
+            </a:extLst>
+          </a:blip>
+          <a:srcRect/>
+          <a:stretch>
+            <a:fillRect/>
+          </a:stretch>
+        </p:blipFill>
+        <p:spPr bwMode="auto">
+          <a:xfrm>
+            <a:off x="7545288" y="4221032"/>
+            <a:ext cx="2022661" cy="1109485"/>
+          </a:xfrm>
+          <a:prstGeom prst="rect">
+            <a:avLst/>
+          </a:prstGeom>
+          <a:noFill/>
+          <a:ln>
+            <a:noFill/>
+          </a:ln>
+          <a:extLst>
+            <a:ext uri="{909E8E84-426E-40DD-AFC4-6F175D3DCCD1}">
+              <a14:hiddenFill xmlns:a14="http://schemas.microsoft.com/office/drawing/2010/main">
+                <a:solidFill>
+                  <a:schemeClr val="accent1"/>
+                </a:solidFill>
+              </a14:hiddenFill>
+            </a:ext>
+            <a:ext uri="{91240B29-F687-4F45-9708-019B960494DF}">
+              <a14:hiddenLine xmlns:a14="http://schemas.microsoft.com/office/drawing/2010/main" w="9525">
+                <a:solidFill>
+                  <a:schemeClr val="tx1"/>
+                </a:solidFill>
+                <a:miter lim="800000"/>
+                <a:headEnd/>
+                <a:tailEnd/>
+              </a14:hiddenLine>
+            </a:ext>
+          </a:extLst>
+        </p:spPr>
+      </p:pic>
+    </p:spTree>
+    <p:extLst>
+      <p:ext uri="{BB962C8B-B14F-4D97-AF65-F5344CB8AC3E}">
+        <p14:creationId xmlns:p14="http://schemas.microsoft.com/office/powerpoint/2010/main" val="4175969232"/>
+      </p:ext>
+    </p:extLst>
+  </p:cSld>
+  <p:clrMapOvr>
+    <a:masterClrMapping/>
+  </p:clrMapOvr>
+</p:sld>
+</file>
+
+<file path=ppt/slides/slide11.xml><?xml version="1.0" encoding="utf-8"?>
+<p:sld xmlns:a="http://schemas.openxmlformats.org/drawingml/2006/main" xmlns:r="http://schemas.openxmlformats.org/officeDocument/2006/relationships" xmlns:p="http://schemas.openxmlformats.org/presentationml/2006/main">
+  <p:cSld>
+    <p:spTree>
+      <p:nvGrpSpPr>
+        <p:cNvPr id="1" name=""/>
+        <p:cNvGrpSpPr/>
+        <p:nvPr/>
+      </p:nvGrpSpPr>
+      <p:grpSpPr>
+        <a:xfrm>
+          <a:off x="0" y="0"/>
+          <a:ext cx="0" cy="0"/>
+          <a:chOff x="0" y="0"/>
+          <a:chExt cx="0" cy="0"/>
+        </a:xfrm>
+      </p:grpSpPr>
+      <p:sp>
+        <p:nvSpPr>
+          <p:cNvPr id="14" name="Rectangle 5"/>
+          <p:cNvSpPr txBox="1">
+            <a:spLocks noChangeArrowheads="1"/>
+          </p:cNvSpPr>
+          <p:nvPr/>
+        </p:nvSpPr>
+        <p:spPr>
+          <a:xfrm>
+            <a:off x="511247" y="1210750"/>
+            <a:ext cx="2497537" cy="516131"/>
+          </a:xfrm>
+          <a:prstGeom prst="rect">
+            <a:avLst/>
+          </a:prstGeom>
+          <a:noFill/>
+          <a:ln w="9525">
+            <a:noFill/>
+            <a:miter lim="800000"/>
+            <a:headEnd/>
+            <a:tailEnd/>
+          </a:ln>
+        </p:spPr>
+        <p:txBody>
+          <a:bodyPr lIns="0" tIns="0" rIns="0" bIns="0" anchor="ctr" anchorCtr="0">
+            <a:scene3d>
+              <a:camera prst="orthographicFront"/>
+              <a:lightRig rig="brightRoom" dir="tl"/>
+            </a:scene3d>
+            <a:sp3d prstMaterial="flat">
+              <a:bevelT w="0" h="0" prst="artDeco"/>
+              <a:extrusionClr>
+                <a:schemeClr val="bg1"/>
+              </a:extrusionClr>
+              <a:contourClr>
+                <a:schemeClr val="bg1"/>
+              </a:contourClr>
+            </a:sp3d>
+          </a:bodyPr>
+          <a:lstStyle/>
+          <a:p>
+            <a:pPr defTabSz="839573">
+              <a:tabLst>
+                <a:tab pos="2666831" algn="l"/>
+              </a:tabLst>
+              <a:defRPr/>
+            </a:pPr>
+            <a:r>
+              <a:rPr lang="en-US" altLang="ko-KR" sz="3200" b="1" spc="-28" dirty="0" smtClean="0">
+                <a:solidFill>
+                  <a:srgbClr val="E31837"/>
+                </a:solidFill>
+                <a:latin typeface="맑은 고딕" pitchFamily="50" charset="-127"/>
+                <a:ea typeface="맑은 고딕" pitchFamily="50" charset="-127"/>
+              </a:rPr>
+              <a:t>Spring Boot</a:t>
+            </a:r>
+            <a:endParaRPr lang="en-US" altLang="ko-KR" sz="800" dirty="0">
+              <a:latin typeface="+mn-ea"/>
+              <a:cs typeface="Times New Roman" panose="02020603050405020304" pitchFamily="18" charset="0"/>
+            </a:endParaRPr>
+          </a:p>
+        </p:txBody>
+      </p:sp>
+      <p:grpSp>
+        <p:nvGrpSpPr>
+          <p:cNvPr id="22" name="그룹 45"/>
+          <p:cNvGrpSpPr/>
+          <p:nvPr/>
+        </p:nvGrpSpPr>
+        <p:grpSpPr>
+          <a:xfrm>
+            <a:off x="344488" y="944724"/>
+            <a:ext cx="4435440" cy="49761"/>
+            <a:chOff x="5166680" y="1836415"/>
+            <a:chExt cx="4788000" cy="54864"/>
+          </a:xfrm>
+        </p:grpSpPr>
+        <p:sp>
+          <p:nvSpPr>
+            <p:cNvPr id="23" name="직사각형 22"/>
+            <p:cNvSpPr/>
+            <p:nvPr/>
+          </p:nvSpPr>
+          <p:spPr>
+            <a:xfrm>
+              <a:off x="5166680" y="1871433"/>
+              <a:ext cx="4788000" cy="19846"/>
+            </a:xfrm>
+            <a:prstGeom prst="rect">
+              <a:avLst/>
+            </a:prstGeom>
+            <a:solidFill>
+              <a:srgbClr val="F68938"/>
+            </a:solidFill>
+            <a:ln>
+              <a:noFill/>
+            </a:ln>
+          </p:spPr>
+          <p:style>
+            <a:lnRef idx="2">
+              <a:schemeClr val="accent1">
+                <a:shade val="50000"/>
+              </a:schemeClr>
+            </a:lnRef>
+            <a:fillRef idx="1">
+              <a:schemeClr val="accent1"/>
+            </a:fillRef>
+            <a:effectRef idx="0">
+              <a:schemeClr val="accent1"/>
+            </a:effectRef>
+            <a:fontRef idx="minor">
+              <a:schemeClr val="lt1"/>
+            </a:fontRef>
+          </p:style>
+          <p:txBody>
+            <a:bodyPr rtlCol="0" anchor="ctr"/>
+            <a:lstStyle/>
+            <a:p>
+              <a:pPr algn="ctr" defTabSz="839480"/>
+              <a:endParaRPr lang="ko-KR" altLang="en-US" dirty="0"/>
+            </a:p>
+          </p:txBody>
+        </p:sp>
+        <p:sp>
+          <p:nvSpPr>
+            <p:cNvPr id="24" name="직사각형 23"/>
+            <p:cNvSpPr/>
+            <p:nvPr/>
+          </p:nvSpPr>
+          <p:spPr>
+            <a:xfrm>
+              <a:off x="5166680" y="1836415"/>
+              <a:ext cx="1321292" cy="45819"/>
+            </a:xfrm>
+            <a:prstGeom prst="rect">
+              <a:avLst/>
+            </a:prstGeom>
+            <a:solidFill>
+              <a:srgbClr val="DE0000"/>
+            </a:solidFill>
+            <a:ln>
+              <a:noFill/>
+            </a:ln>
+          </p:spPr>
+          <p:style>
+            <a:lnRef idx="2">
+              <a:schemeClr val="accent1">
+                <a:shade val="50000"/>
+              </a:schemeClr>
+            </a:lnRef>
+            <a:fillRef idx="1">
+              <a:schemeClr val="accent1"/>
+            </a:fillRef>
+            <a:effectRef idx="0">
+              <a:schemeClr val="accent1"/>
+            </a:effectRef>
+            <a:fontRef idx="minor">
+              <a:schemeClr val="lt1"/>
+            </a:fontRef>
+          </p:style>
+          <p:txBody>
+            <a:bodyPr rtlCol="0" anchor="ctr"/>
+            <a:lstStyle/>
+            <a:p>
+              <a:pPr algn="ctr" defTabSz="839480"/>
+              <a:endParaRPr lang="ko-KR" altLang="en-US" sz="1700" dirty="0"/>
+            </a:p>
+          </p:txBody>
+        </p:sp>
+      </p:grpSp>
+    </p:spTree>
+    <p:extLst>
+      <p:ext uri="{BB962C8B-B14F-4D97-AF65-F5344CB8AC3E}">
+        <p14:creationId xmlns:p14="http://schemas.microsoft.com/office/powerpoint/2010/main" val="172004322"/>
+      </p:ext>
+    </p:extLst>
+  </p:cSld>
+  <p:clrMapOvr>
+    <a:masterClrMapping/>
+  </p:clrMapOvr>
+  <p:timing>
+    <p:tnLst>
+      <p:par>
+        <p:cTn id="1" dur="indefinite" restart="never" nodeType="tmRoot"/>
+      </p:par>
+    </p:tnLst>
+  </p:timing>
+</p:sld>
+</file>
+
+<file path=ppt/slides/slide12.xml><?xml version="1.0" encoding="utf-8"?>
+<p:sld xmlns:a="http://schemas.openxmlformats.org/drawingml/2006/main" xmlns:r="http://schemas.openxmlformats.org/officeDocument/2006/relationships" xmlns:p="http://schemas.openxmlformats.org/presentationml/2006/main">
+  <p:cSld>
+    <p:spTree>
+      <p:nvGrpSpPr>
+        <p:cNvPr id="1" name=""/>
+        <p:cNvGrpSpPr/>
+        <p:nvPr/>
+      </p:nvGrpSpPr>
+      <p:grpSpPr>
+        <a:xfrm>
+          <a:off x="0" y="0"/>
+          <a:ext cx="0" cy="0"/>
+          <a:chOff x="0" y="0"/>
+          <a:chExt cx="0" cy="0"/>
+        </a:xfrm>
+      </p:grpSpPr>
+      <p:sp>
+        <p:nvSpPr>
+          <p:cNvPr id="2" name="제목 1"/>
+          <p:cNvSpPr>
+            <a:spLocks noGrp="1"/>
+          </p:cNvSpPr>
+          <p:nvPr>
+            <p:ph type="title"/>
+          </p:nvPr>
+        </p:nvSpPr>
+        <p:spPr/>
+        <p:txBody>
+          <a:bodyPr/>
+          <a:lstStyle/>
+          <a:p>
+            <a:r>
+              <a:rPr lang="en-US" altLang="ko-KR" smtClean="0"/>
+              <a:t>Spring Boot </a:t>
+            </a:r>
+            <a:r>
+              <a:rPr lang="ko-KR" altLang="en-US" dirty="0" smtClean="0"/>
+              <a:t>개발</a:t>
+            </a:r>
+            <a:endParaRPr lang="ko-KR" altLang="en-US" dirty="0"/>
+          </a:p>
+        </p:txBody>
+      </p:sp>
+      <p:sp>
+        <p:nvSpPr>
+          <p:cNvPr id="3" name="내용 개체 틀 2"/>
+          <p:cNvSpPr>
+            <a:spLocks noGrp="1"/>
+          </p:cNvSpPr>
+          <p:nvPr>
+            <p:ph idx="1"/>
+          </p:nvPr>
+        </p:nvSpPr>
+        <p:spPr>
+          <a:xfrm>
+            <a:off x="668524" y="3177692"/>
+            <a:ext cx="6912198" cy="1259420"/>
+          </a:xfrm>
+        </p:spPr>
+        <p:txBody>
+          <a:bodyPr/>
+          <a:lstStyle/>
+          <a:p>
+            <a:r>
+              <a:rPr lang="en-US" altLang="ko-KR" dirty="0" err="1" smtClean="0"/>
+              <a:t>PoC</a:t>
+            </a:r>
+            <a:r>
+              <a:rPr lang="en-US" altLang="ko-KR" dirty="0" smtClean="0"/>
+              <a:t> UI BFF </a:t>
+            </a:r>
+            <a:r>
+              <a:rPr lang="ko-KR" altLang="en-US" dirty="0" smtClean="0"/>
+              <a:t>코드리뷰</a:t>
+            </a:r>
+            <a:endParaRPr lang="en-US" altLang="ko-KR" dirty="0" smtClean="0"/>
+          </a:p>
+          <a:p>
+            <a:pPr lvl="1"/>
+            <a:r>
+              <a:rPr lang="ko-KR" altLang="en-US" dirty="0" err="1" smtClean="0">
+                <a:solidFill>
+                  <a:srgbClr val="FF0000"/>
+                </a:solidFill>
+              </a:rPr>
+              <a:t>리펙토링</a:t>
+            </a:r>
+            <a:r>
+              <a:rPr lang="ko-KR" altLang="en-US" dirty="0" smtClean="0">
+                <a:solidFill>
+                  <a:srgbClr val="FF0000"/>
+                </a:solidFill>
+              </a:rPr>
+              <a:t> 필요</a:t>
+            </a:r>
+          </a:p>
+          <a:p>
+            <a:pPr marL="914400" lvl="2" indent="0">
+              <a:buNone/>
+            </a:pPr>
+            <a:endParaRPr lang="en-US" altLang="ko-KR" dirty="0" smtClean="0">
+              <a:solidFill>
+                <a:srgbClr val="FF0000"/>
+              </a:solidFill>
+            </a:endParaRPr>
+          </a:p>
+        </p:txBody>
+      </p:sp>
+      <p:pic>
+        <p:nvPicPr>
+          <p:cNvPr id="5123" name="Picture 3"/>
+          <p:cNvPicPr>
+            <a:picLocks noChangeAspect="1" noChangeArrowheads="1"/>
+          </p:cNvPicPr>
+          <p:nvPr/>
+        </p:nvPicPr>
+        <p:blipFill>
+          <a:blip r:embed="rId2">
+            <a:extLst>
+              <a:ext uri="{28A0092B-C50C-407E-A947-70E740481C1C}">
+                <a14:useLocalDpi xmlns:a14="http://schemas.microsoft.com/office/drawing/2010/main" val="0"/>
+              </a:ext>
+            </a:extLst>
+          </a:blip>
+          <a:srcRect/>
+          <a:stretch>
+            <a:fillRect/>
+          </a:stretch>
+        </p:blipFill>
+        <p:spPr bwMode="auto">
+          <a:xfrm>
+            <a:off x="488504" y="1232756"/>
+            <a:ext cx="4251114" cy="1620180"/>
+          </a:xfrm>
+          <a:prstGeom prst="rect">
+            <a:avLst/>
+          </a:prstGeom>
+          <a:noFill/>
+          <a:ln>
+            <a:noFill/>
+          </a:ln>
+          <a:extLst>
+            <a:ext uri="{909E8E84-426E-40DD-AFC4-6F175D3DCCD1}">
+              <a14:hiddenFill xmlns:a14="http://schemas.microsoft.com/office/drawing/2010/main">
+                <a:solidFill>
+                  <a:schemeClr val="accent1"/>
+                </a:solidFill>
+              </a14:hiddenFill>
+            </a:ext>
+            <a:ext uri="{91240B29-F687-4F45-9708-019B960494DF}">
+              <a14:hiddenLine xmlns:a14="http://schemas.microsoft.com/office/drawing/2010/main" w="9525">
+                <a:solidFill>
+                  <a:schemeClr val="tx1"/>
+                </a:solidFill>
+                <a:miter lim="800000"/>
+                <a:headEnd/>
+                <a:tailEnd/>
+              </a14:hiddenLine>
+            </a:ext>
+          </a:extLst>
+        </p:spPr>
+      </p:pic>
+      <p:pic>
+        <p:nvPicPr>
+          <p:cNvPr id="5124" name="Picture 4"/>
+          <p:cNvPicPr>
+            <a:picLocks noChangeAspect="1" noChangeArrowheads="1"/>
+          </p:cNvPicPr>
+          <p:nvPr/>
+        </p:nvPicPr>
+        <p:blipFill>
+          <a:blip r:embed="rId3">
+            <a:extLst>
+              <a:ext uri="{28A0092B-C50C-407E-A947-70E740481C1C}">
+                <a14:useLocalDpi xmlns:a14="http://schemas.microsoft.com/office/drawing/2010/main" val="0"/>
+              </a:ext>
+            </a:extLst>
+          </a:blip>
+          <a:srcRect/>
+          <a:stretch>
+            <a:fillRect/>
+          </a:stretch>
+        </p:blipFill>
+        <p:spPr bwMode="auto">
+          <a:xfrm>
+            <a:off x="5529064" y="1216575"/>
+            <a:ext cx="2872479" cy="1888389"/>
+          </a:xfrm>
+          <a:prstGeom prst="rect">
+            <a:avLst/>
+          </a:prstGeom>
+          <a:noFill/>
+          <a:ln>
+            <a:noFill/>
+          </a:ln>
+          <a:extLst>
+            <a:ext uri="{909E8E84-426E-40DD-AFC4-6F175D3DCCD1}">
+              <a14:hiddenFill xmlns:a14="http://schemas.microsoft.com/office/drawing/2010/main">
+                <a:solidFill>
+                  <a:schemeClr val="accent1"/>
+                </a:solidFill>
+              </a14:hiddenFill>
+            </a:ext>
+            <a:ext uri="{91240B29-F687-4F45-9708-019B960494DF}">
+              <a14:hiddenLine xmlns:a14="http://schemas.microsoft.com/office/drawing/2010/main" w="9525">
+                <a:solidFill>
+                  <a:schemeClr val="tx1"/>
+                </a:solidFill>
+                <a:miter lim="800000"/>
+                <a:headEnd/>
+                <a:tailEnd/>
+              </a14:hiddenLine>
+            </a:ext>
+          </a:extLst>
+        </p:spPr>
+      </p:pic>
+    </p:spTree>
+    <p:extLst>
+      <p:ext uri="{BB962C8B-B14F-4D97-AF65-F5344CB8AC3E}">
+        <p14:creationId xmlns:p14="http://schemas.microsoft.com/office/powerpoint/2010/main" val="1278103582"/>
+      </p:ext>
+    </p:extLst>
+  </p:cSld>
+  <p:clrMapOvr>
+    <a:masterClrMapping/>
+  </p:clrMapOvr>
+</p:sld>
+</file>
+
+<file path=ppt/slides/slide13.xml><?xml version="1.0" encoding="utf-8"?>
+<p:sld xmlns:a="http://schemas.openxmlformats.org/drawingml/2006/main" xmlns:r="http://schemas.openxmlformats.org/officeDocument/2006/relationships" xmlns:p="http://schemas.openxmlformats.org/presentationml/2006/main">
+  <p:cSld>
+    <p:spTree>
+      <p:nvGrpSpPr>
+        <p:cNvPr id="1" name=""/>
+        <p:cNvGrpSpPr/>
+        <p:nvPr/>
+      </p:nvGrpSpPr>
+      <p:grpSpPr>
+        <a:xfrm>
+          <a:off x="0" y="0"/>
+          <a:ext cx="0" cy="0"/>
+          <a:chOff x="0" y="0"/>
+          <a:chExt cx="0" cy="0"/>
+        </a:xfrm>
+      </p:grpSpPr>
+      <p:sp>
+        <p:nvSpPr>
+          <p:cNvPr id="2" name="제목 1"/>
+          <p:cNvSpPr>
+            <a:spLocks noGrp="1"/>
+          </p:cNvSpPr>
+          <p:nvPr>
+            <p:ph type="title"/>
+          </p:nvPr>
+        </p:nvSpPr>
+        <p:spPr/>
+        <p:txBody>
+          <a:bodyPr/>
+          <a:lstStyle/>
+          <a:p>
+            <a:endParaRPr lang="ko-KR" altLang="en-US"/>
+          </a:p>
+        </p:txBody>
+      </p:sp>
+      <p:sp>
+        <p:nvSpPr>
+          <p:cNvPr id="4" name="내용 개체 틀 2"/>
+          <p:cNvSpPr txBox="1">
+            <a:spLocks/>
+          </p:cNvSpPr>
+          <p:nvPr/>
+        </p:nvSpPr>
+        <p:spPr>
+          <a:xfrm>
+            <a:off x="668524" y="4473116"/>
+            <a:ext cx="6912198" cy="1692188"/>
+          </a:xfrm>
+          <a:prstGeom prst="rect">
+            <a:avLst/>
+          </a:prstGeom>
+        </p:spPr>
+        <p:txBody>
+          <a:bodyPr/>
+          <a:lstStyle>
+            <a:lvl1pPr marL="342900" indent="-342900" algn="l" defTabSz="914400" rtl="0" eaLnBrk="1" latinLnBrk="1" hangingPunct="1">
+              <a:lnSpc>
+                <a:spcPct val="150000"/>
+              </a:lnSpc>
+              <a:spcBef>
+                <a:spcPct val="20000"/>
+              </a:spcBef>
+              <a:buFont typeface="맑은 고딕" panose="020B0503020000020004" pitchFamily="50" charset="-127"/>
+              <a:buChar char="■"/>
+              <a:defRPr sz="1500" b="1" kern="1200">
+                <a:solidFill>
+                  <a:schemeClr val="tx1"/>
+                </a:solidFill>
+                <a:latin typeface="+mn-lt"/>
+                <a:ea typeface="+mn-ea"/>
+                <a:cs typeface="+mn-cs"/>
+              </a:defRPr>
+            </a:lvl1pPr>
+            <a:lvl2pPr marL="742950" indent="-285750" algn="l" defTabSz="914400" rtl="0" eaLnBrk="1" latinLnBrk="1" hangingPunct="1">
+              <a:lnSpc>
+                <a:spcPct val="150000"/>
+              </a:lnSpc>
+              <a:spcBef>
+                <a:spcPct val="20000"/>
+              </a:spcBef>
+              <a:buFont typeface="Wingdings" panose="05000000000000000000" pitchFamily="2" charset="2"/>
+              <a:buChar char="l"/>
+              <a:defRPr sz="1300" b="1" kern="1200">
+                <a:solidFill>
+                  <a:schemeClr val="tx1"/>
+                </a:solidFill>
+                <a:latin typeface="+mn-lt"/>
+                <a:ea typeface="+mn-ea"/>
+                <a:cs typeface="+mn-cs"/>
+              </a:defRPr>
+            </a:lvl2pPr>
+            <a:lvl3pPr marL="1143000" indent="-228600" algn="l" defTabSz="914400" rtl="0" eaLnBrk="1" latinLnBrk="1" hangingPunct="1">
+              <a:lnSpc>
+                <a:spcPct val="150000"/>
+              </a:lnSpc>
+              <a:spcBef>
+                <a:spcPct val="20000"/>
+              </a:spcBef>
+              <a:buFont typeface="맑은 고딕" panose="020B0503020000020004" pitchFamily="50" charset="-127"/>
+              <a:buChar char="–"/>
+              <a:defRPr sz="1300" b="1" kern="1200">
+                <a:solidFill>
+                  <a:schemeClr val="tx1"/>
+                </a:solidFill>
+                <a:latin typeface="+mn-lt"/>
+                <a:ea typeface="+mn-ea"/>
+                <a:cs typeface="+mn-cs"/>
+              </a:defRPr>
+            </a:lvl3pPr>
+            <a:lvl4pPr marL="1600200" indent="-228600" algn="l" defTabSz="914400" rtl="0" eaLnBrk="1" latinLnBrk="1" hangingPunct="1">
+              <a:spcBef>
+                <a:spcPct val="20000"/>
+              </a:spcBef>
+              <a:buFont typeface="Arial" pitchFamily="34" charset="0"/>
+              <a:buChar char="–"/>
+              <a:defRPr sz="1500" b="1" kern="1200">
+                <a:solidFill>
+                  <a:schemeClr val="tx1"/>
+                </a:solidFill>
+                <a:latin typeface="+mn-lt"/>
+                <a:ea typeface="+mn-ea"/>
+                <a:cs typeface="+mn-cs"/>
+              </a:defRPr>
+            </a:lvl4pPr>
+            <a:lvl5pPr marL="2057400" indent="-228600" algn="l" defTabSz="914400" rtl="0" eaLnBrk="1" latinLnBrk="1" hangingPunct="1">
+              <a:spcBef>
+                <a:spcPct val="20000"/>
+              </a:spcBef>
+              <a:buFont typeface="Arial" pitchFamily="34" charset="0"/>
+              <a:buChar char="»"/>
+              <a:defRPr sz="1500" b="1" kern="1200">
+                <a:solidFill>
+                  <a:schemeClr val="tx1"/>
+                </a:solidFill>
+                <a:latin typeface="+mn-lt"/>
+                <a:ea typeface="+mn-ea"/>
+                <a:cs typeface="+mn-cs"/>
+              </a:defRPr>
+            </a:lvl5pPr>
+            <a:lvl6pPr marL="2514600" indent="-228600" algn="l" defTabSz="914400" rtl="0" eaLnBrk="1" latinLnBrk="1" hangingPunct="1">
+              <a:spcBef>
+                <a:spcPct val="20000"/>
+              </a:spcBef>
+              <a:buFont typeface="Arial" pitchFamily="34" charset="0"/>
+              <a:buChar char="•"/>
+              <a:defRPr sz="2000" kern="1200">
+                <a:solidFill>
+                  <a:schemeClr val="tx1"/>
+                </a:solidFill>
+                <a:latin typeface="+mn-lt"/>
+                <a:ea typeface="+mn-ea"/>
+                <a:cs typeface="+mn-cs"/>
+              </a:defRPr>
+            </a:lvl6pPr>
+            <a:lvl7pPr marL="2971800" indent="-228600" algn="l" defTabSz="914400" rtl="0" eaLnBrk="1" latinLnBrk="1" hangingPunct="1">
+              <a:spcBef>
+                <a:spcPct val="20000"/>
+              </a:spcBef>
+              <a:buFont typeface="Arial" pitchFamily="34" charset="0"/>
+              <a:buChar char="•"/>
+              <a:defRPr sz="2000" kern="1200">
+                <a:solidFill>
+                  <a:schemeClr val="tx1"/>
+                </a:solidFill>
+                <a:latin typeface="+mn-lt"/>
+                <a:ea typeface="+mn-ea"/>
+                <a:cs typeface="+mn-cs"/>
+              </a:defRPr>
+            </a:lvl7pPr>
+            <a:lvl8pPr marL="3429000" indent="-228600" algn="l" defTabSz="914400" rtl="0" eaLnBrk="1" latinLnBrk="1" hangingPunct="1">
+              <a:spcBef>
+                <a:spcPct val="20000"/>
+              </a:spcBef>
+              <a:buFont typeface="Arial" pitchFamily="34" charset="0"/>
+              <a:buChar char="•"/>
+              <a:defRPr sz="2000" kern="1200">
+                <a:solidFill>
+                  <a:schemeClr val="tx1"/>
+                </a:solidFill>
+                <a:latin typeface="+mn-lt"/>
+                <a:ea typeface="+mn-ea"/>
+                <a:cs typeface="+mn-cs"/>
+              </a:defRPr>
+            </a:lvl8pPr>
+            <a:lvl9pPr marL="3886200" indent="-228600" algn="l" defTabSz="914400" rtl="0" eaLnBrk="1" latinLnBrk="1" hangingPunct="1">
+              <a:spcBef>
+                <a:spcPct val="20000"/>
+              </a:spcBef>
+              <a:buFont typeface="Arial" pitchFamily="34" charset="0"/>
+              <a:buChar char="•"/>
+              <a:defRPr sz="2000" kern="1200">
+                <a:solidFill>
+                  <a:schemeClr val="tx1"/>
+                </a:solidFill>
+                <a:latin typeface="+mn-lt"/>
+                <a:ea typeface="+mn-ea"/>
+                <a:cs typeface="+mn-cs"/>
+              </a:defRPr>
+            </a:lvl9pPr>
+          </a:lstStyle>
+          <a:p>
+            <a:r>
+              <a:rPr lang="ko-KR" altLang="en-US" dirty="0" smtClean="0"/>
+              <a:t>교육을 들은 후 </a:t>
+            </a:r>
+            <a:r>
+              <a:rPr lang="ko-KR" altLang="en-US" dirty="0" err="1" smtClean="0"/>
+              <a:t>느낀점</a:t>
+            </a:r>
+            <a:endParaRPr lang="en-US" altLang="ko-KR" dirty="0" smtClean="0"/>
+          </a:p>
+          <a:p>
+            <a:pPr lvl="1"/>
+            <a:r>
+              <a:rPr lang="en-US" altLang="ko-KR" dirty="0" smtClean="0"/>
+              <a:t>Spring boot </a:t>
+            </a:r>
+            <a:r>
+              <a:rPr lang="ko-KR" altLang="en-US" dirty="0" smtClean="0"/>
+              <a:t>로 개발 </a:t>
+            </a:r>
+            <a:r>
+              <a:rPr lang="en-US" altLang="ko-KR" dirty="0" smtClean="0"/>
+              <a:t>(</a:t>
+            </a:r>
+            <a:r>
+              <a:rPr lang="ko-KR" altLang="en-US" dirty="0" smtClean="0"/>
+              <a:t>설정 하는 부분이 많이 사라짐</a:t>
+            </a:r>
+            <a:r>
+              <a:rPr lang="en-US" altLang="ko-KR" dirty="0" smtClean="0"/>
+              <a:t>)</a:t>
+            </a:r>
+          </a:p>
+          <a:p>
+            <a:pPr lvl="1"/>
+            <a:r>
+              <a:rPr lang="en-US" altLang="ko-KR" dirty="0" smtClean="0"/>
+              <a:t>JPA </a:t>
+            </a:r>
+            <a:r>
+              <a:rPr lang="ko-KR" altLang="en-US" dirty="0" smtClean="0"/>
+              <a:t>로 개발 </a:t>
+            </a:r>
+            <a:r>
+              <a:rPr lang="en-US" altLang="ko-KR" dirty="0" smtClean="0"/>
+              <a:t>(</a:t>
+            </a:r>
+            <a:r>
+              <a:rPr lang="ko-KR" altLang="en-US" dirty="0" smtClean="0"/>
+              <a:t>통합 </a:t>
+            </a:r>
+            <a:r>
+              <a:rPr lang="en-US" altLang="ko-KR" dirty="0" smtClean="0"/>
+              <a:t>DB </a:t>
+            </a:r>
+            <a:r>
+              <a:rPr lang="ko-KR" altLang="en-US" dirty="0" smtClean="0"/>
+              <a:t>보다는 </a:t>
+            </a:r>
+            <a:r>
+              <a:rPr lang="ko-KR" altLang="en-US" dirty="0" err="1" smtClean="0"/>
+              <a:t>여러개의</a:t>
+            </a:r>
+            <a:r>
+              <a:rPr lang="ko-KR" altLang="en-US" dirty="0" smtClean="0"/>
+              <a:t> </a:t>
+            </a:r>
+            <a:r>
+              <a:rPr lang="en-US" altLang="ko-KR" dirty="0" smtClean="0"/>
+              <a:t>DB</a:t>
+            </a:r>
+            <a:r>
+              <a:rPr lang="ko-KR" altLang="en-US" dirty="0" smtClean="0"/>
+              <a:t>로의 개발</a:t>
+            </a:r>
+            <a:r>
+              <a:rPr lang="en-US" altLang="ko-KR" dirty="0" smtClean="0"/>
+              <a:t>)</a:t>
+            </a:r>
+          </a:p>
+          <a:p>
+            <a:pPr lvl="1"/>
+            <a:r>
+              <a:rPr lang="en-US" altLang="ko-KR" dirty="0" err="1" smtClean="0"/>
+              <a:t>Angularjs</a:t>
+            </a:r>
+            <a:r>
+              <a:rPr lang="en-US" altLang="ko-KR" dirty="0" smtClean="0"/>
+              <a:t> or </a:t>
+            </a:r>
+            <a:r>
+              <a:rPr lang="en-US" altLang="ko-KR" dirty="0" err="1" smtClean="0"/>
+              <a:t>Reactjs</a:t>
+            </a:r>
+            <a:r>
+              <a:rPr lang="en-US" altLang="ko-KR" dirty="0" smtClean="0"/>
+              <a:t> </a:t>
+            </a:r>
+            <a:r>
+              <a:rPr lang="ko-KR" altLang="en-US" dirty="0" smtClean="0"/>
+              <a:t>로 개발 </a:t>
+            </a:r>
+            <a:r>
+              <a:rPr lang="en-US" altLang="ko-KR" dirty="0" smtClean="0"/>
+              <a:t>(</a:t>
+            </a:r>
+            <a:r>
+              <a:rPr lang="en-US" altLang="ko-KR" dirty="0" err="1" smtClean="0"/>
+              <a:t>javascript</a:t>
+            </a:r>
+            <a:r>
+              <a:rPr lang="en-US" altLang="ko-KR" dirty="0" smtClean="0"/>
+              <a:t> framework </a:t>
+            </a:r>
+            <a:r>
+              <a:rPr lang="ko-KR" altLang="en-US" dirty="0" smtClean="0"/>
+              <a:t>사용</a:t>
+            </a:r>
+            <a:r>
+              <a:rPr lang="en-US" altLang="ko-KR" dirty="0" smtClean="0"/>
+              <a:t>)</a:t>
+            </a:r>
+          </a:p>
+        </p:txBody>
+      </p:sp>
+    </p:spTree>
+    <p:extLst>
+      <p:ext uri="{BB962C8B-B14F-4D97-AF65-F5344CB8AC3E}">
+        <p14:creationId xmlns:p14="http://schemas.microsoft.com/office/powerpoint/2010/main" val="743762332"/>
+      </p:ext>
+    </p:extLst>
+  </p:cSld>
+  <p:clrMapOvr>
+    <a:masterClrMapping/>
+  </p:clrMapOvr>
+</p:sld>
+</file>
+
+<file path=ppt/slides/slide14.xml><?xml version="1.0" encoding="utf-8"?>
+<p:sld xmlns:a="http://schemas.openxmlformats.org/drawingml/2006/main" xmlns:r="http://schemas.openxmlformats.org/officeDocument/2006/relationships" xmlns:p="http://schemas.openxmlformats.org/presentationml/2006/main">
+  <p:cSld>
+    <p:spTree>
+      <p:nvGrpSpPr>
+        <p:cNvPr id="1" name=""/>
+        <p:cNvGrpSpPr/>
+        <p:nvPr/>
+      </p:nvGrpSpPr>
+      <p:grpSpPr>
+        <a:xfrm>
+          <a:off x="0" y="0"/>
+          <a:ext cx="0" cy="0"/>
+          <a:chOff x="0" y="0"/>
+          <a:chExt cx="0" cy="0"/>
+        </a:xfrm>
+      </p:grpSpPr>
+      <p:pic>
+        <p:nvPicPr>
+          <p:cNvPr id="46" name="Picture 3" descr="C:\Users\Administrator\Desktop\1324324-01.png"/>
+          <p:cNvPicPr>
+            <a:picLocks noChangeAspect="1" noChangeArrowheads="1"/>
+          </p:cNvPicPr>
+          <p:nvPr/>
+        </p:nvPicPr>
+        <p:blipFill>
+          <a:blip r:embed="rId2" cstate="print">
+            <a:lum bright="48000" contrast="-69000"/>
+          </a:blip>
+          <a:srcRect/>
+          <a:stretch>
+            <a:fillRect/>
+          </a:stretch>
+        </p:blipFill>
+        <p:spPr bwMode="auto">
+          <a:xfrm>
+            <a:off x="3020220" y="3584552"/>
+            <a:ext cx="3865562" cy="2807883"/>
+          </a:xfrm>
+          <a:prstGeom prst="rect">
+            <a:avLst/>
+          </a:prstGeom>
+          <a:noFill/>
+        </p:spPr>
+      </p:pic>
+      <p:sp>
+        <p:nvSpPr>
+          <p:cNvPr id="47" name="TextBox 46"/>
+          <p:cNvSpPr txBox="1"/>
+          <p:nvPr/>
+        </p:nvSpPr>
+        <p:spPr>
+          <a:xfrm>
+            <a:off x="2273300" y="1350009"/>
+            <a:ext cx="5359400" cy="1177292"/>
+          </a:xfrm>
+          <a:prstGeom prst="rect">
+            <a:avLst/>
+          </a:prstGeom>
+          <a:noFill/>
+          <a:ln w="9525">
+            <a:noFill/>
+            <a:miter lim="800000"/>
+            <a:headEnd/>
+            <a:tailEnd/>
+          </a:ln>
+        </p:spPr>
+        <p:txBody>
+          <a:bodyPr lIns="0" tIns="0" rIns="0" bIns="0" anchor="ctr" anchorCtr="0">
+            <a:scene3d>
+              <a:camera prst="orthographicFront"/>
+              <a:lightRig rig="brightRoom" dir="tl"/>
+            </a:scene3d>
+            <a:sp3d prstMaterial="flat">
+              <a:bevelT w="0" h="0" prst="artDeco"/>
+              <a:extrusionClr>
+                <a:schemeClr val="bg1"/>
+              </a:extrusionClr>
+              <a:contourClr>
+                <a:schemeClr val="bg1"/>
+              </a:contourClr>
+            </a:sp3d>
+          </a:bodyPr>
+          <a:lstStyle>
+            <a:defPPr>
+              <a:defRPr lang="ko-KR"/>
+            </a:defPPr>
+            <a:lvl1pPr defTabSz="914269">
+              <a:tabLst>
+                <a:tab pos="2904096" algn="l"/>
+              </a:tabLst>
+              <a:defRPr sz="5200" spc="-30">
+                <a:gradFill flip="none" rotWithShape="1">
+                  <a:gsLst>
+                    <a:gs pos="0">
+                      <a:srgbClr val="F58025"/>
+                    </a:gs>
+                    <a:gs pos="45000">
+                      <a:srgbClr val="F58025"/>
+                    </a:gs>
+                    <a:gs pos="71000">
+                      <a:srgbClr val="E62B34"/>
+                    </a:gs>
+                    <a:gs pos="100000">
+                      <a:srgbClr val="E31837"/>
+                    </a:gs>
+                  </a:gsLst>
+                  <a:lin ang="0" scaled="1"/>
+                  <a:tileRect/>
+                </a:gradFill>
+                <a:latin typeface="나눔고딕 ExtraBold" panose="020D0904000000000000" pitchFamily="50" charset="-127"/>
+                <a:ea typeface="나눔고딕 ExtraBold" panose="020D0904000000000000" pitchFamily="50" charset="-127"/>
+              </a:defRPr>
+            </a:lvl1pPr>
+          </a:lstStyle>
+          <a:p>
+            <a:pPr algn="ctr"/>
+            <a:r>
+              <a:rPr lang="ko-KR" altLang="en-US" sz="5800" b="1" dirty="0" smtClean="0">
+                <a:solidFill>
+                  <a:srgbClr val="F68938"/>
+                </a:solidFill>
+                <a:latin typeface="맑은 고딕" panose="020B0503020000020004" pitchFamily="50" charset="-127"/>
+                <a:ea typeface="맑은 고딕" panose="020B0503020000020004" pitchFamily="50" charset="-127"/>
+              </a:rPr>
+              <a:t>감사합니다</a:t>
+            </a:r>
+          </a:p>
+        </p:txBody>
+      </p:sp>
+      <p:sp>
+        <p:nvSpPr>
+          <p:cNvPr id="48" name="직사각형 47"/>
+          <p:cNvSpPr/>
+          <p:nvPr/>
+        </p:nvSpPr>
+        <p:spPr>
+          <a:xfrm>
+            <a:off x="1713000" y="2817819"/>
+            <a:ext cx="6480000" cy="18000"/>
+          </a:xfrm>
+          <a:prstGeom prst="rect">
+            <a:avLst/>
+          </a:prstGeom>
+          <a:solidFill>
+            <a:srgbClr val="F68938"/>
+          </a:solidFill>
+          <a:ln>
+            <a:noFill/>
+          </a:ln>
+        </p:spPr>
+        <p:style>
+          <a:lnRef idx="2">
+            <a:schemeClr val="accent1">
+              <a:shade val="50000"/>
+            </a:schemeClr>
+          </a:lnRef>
+          <a:fillRef idx="1">
+            <a:schemeClr val="accent1"/>
+          </a:fillRef>
+          <a:effectRef idx="0">
+            <a:schemeClr val="accent1"/>
+          </a:effectRef>
+          <a:fontRef idx="minor">
+            <a:schemeClr val="lt1"/>
+          </a:fontRef>
+        </p:style>
+        <p:txBody>
+          <a:bodyPr rtlCol="0" anchor="ctr"/>
+          <a:lstStyle/>
+          <a:p>
+            <a:pPr algn="ctr" defTabSz="839480"/>
+            <a:endParaRPr lang="ko-KR" altLang="en-US" sz="1700" dirty="0">
+              <a:solidFill>
+                <a:prstClr val="white"/>
+              </a:solidFill>
+              <a:latin typeface="맑은 고딕" panose="020B0503020000020004" pitchFamily="50" charset="-127"/>
+              <a:ea typeface="맑은 고딕" panose="020B0503020000020004" pitchFamily="50" charset="-127"/>
+            </a:endParaRPr>
+          </a:p>
+        </p:txBody>
+      </p:sp>
+      <p:sp>
+        <p:nvSpPr>
+          <p:cNvPr id="49" name="직사각형 48"/>
+          <p:cNvSpPr/>
+          <p:nvPr/>
+        </p:nvSpPr>
+        <p:spPr>
+          <a:xfrm>
+            <a:off x="3153001" y="2786058"/>
+            <a:ext cx="3600000" cy="41556"/>
+          </a:xfrm>
+          <a:prstGeom prst="rect">
+            <a:avLst/>
+          </a:prstGeom>
+          <a:solidFill>
+            <a:srgbClr val="DE0000"/>
+          </a:solidFill>
+          <a:ln>
+            <a:noFill/>
+          </a:ln>
+        </p:spPr>
+        <p:style>
+          <a:lnRef idx="2">
+            <a:schemeClr val="accent1">
+              <a:shade val="50000"/>
+            </a:schemeClr>
+          </a:lnRef>
+          <a:fillRef idx="1">
+            <a:schemeClr val="accent1"/>
+          </a:fillRef>
+          <a:effectRef idx="0">
+            <a:schemeClr val="accent1"/>
+          </a:effectRef>
+          <a:fontRef idx="minor">
+            <a:schemeClr val="lt1"/>
+          </a:fontRef>
+        </p:style>
+        <p:txBody>
+          <a:bodyPr rtlCol="0" anchor="ctr"/>
+          <a:lstStyle/>
+          <a:p>
+            <a:pPr algn="ctr" defTabSz="839480"/>
+            <a:endParaRPr lang="ko-KR" altLang="en-US" sz="1700" dirty="0">
+              <a:solidFill>
+                <a:prstClr val="white"/>
+              </a:solidFill>
+              <a:latin typeface="맑은 고딕" panose="020B0503020000020004" pitchFamily="50" charset="-127"/>
+              <a:ea typeface="맑은 고딕" panose="020B0503020000020004" pitchFamily="50" charset="-127"/>
+            </a:endParaRPr>
+          </a:p>
+        </p:txBody>
+      </p:sp>
+    </p:spTree>
+    <p:extLst>
+      <p:ext uri="{BB962C8B-B14F-4D97-AF65-F5344CB8AC3E}">
+        <p14:creationId xmlns:p14="http://schemas.microsoft.com/office/powerpoint/2010/main" val="2825291949"/>
+      </p:ext>
+    </p:extLst>
+  </p:cSld>
+  <p:clrMapOvr>
+    <a:masterClrMapping/>
+  </p:clrMapOvr>
+  <p:timing>
+    <p:tnLst>
+      <p:par>
+        <p:cTn id="1" dur="indefinite" restart="never" nodeType="tmRoot"/>
+      </p:par>
+    </p:tnLst>
+  </p:timing>
+</p:sld>
+</file>
+
 <file path=ppt/slides/slide2.xml><?xml version="1.0" encoding="utf-8"?>
 <p:sld xmlns:a="http://schemas.openxmlformats.org/drawingml/2006/main" xmlns:r="http://schemas.openxmlformats.org/officeDocument/2006/relationships" xmlns:p="http://schemas.openxmlformats.org/presentationml/2006/main">
   <p:cSld>
@@ -28738,9 +30737,9 @@
         <p:grpSpPr>
           <a:xfrm>
             <a:off x="920552" y="2312876"/>
-            <a:ext cx="6687682" cy="441140"/>
+            <a:ext cx="2088232" cy="441140"/>
             <a:chOff x="2618243" y="3483160"/>
-            <a:chExt cx="6687682" cy="441140"/>
+            <a:chExt cx="2088232" cy="441140"/>
           </a:xfrm>
         </p:grpSpPr>
         <p:sp>
@@ -28752,7 +30751,7 @@
           <p:spPr bwMode="auto">
             <a:xfrm>
               <a:off x="3052323" y="3562672"/>
-              <a:ext cx="6253602" cy="361628"/>
+              <a:ext cx="1654152" cy="361628"/>
             </a:xfrm>
             <a:prstGeom prst="rect">
               <a:avLst/>
@@ -30257,9 +32256,9 @@
         <p:grpSpPr>
           <a:xfrm>
             <a:off x="5817096" y="2312876"/>
-            <a:ext cx="6687682" cy="441140"/>
+            <a:ext cx="3168352" cy="441140"/>
             <a:chOff x="2618243" y="3483160"/>
-            <a:chExt cx="6687682" cy="441140"/>
+            <a:chExt cx="3168352" cy="441140"/>
           </a:xfrm>
         </p:grpSpPr>
         <p:sp>
@@ -30271,7 +32270,7 @@
           <p:spPr bwMode="auto">
             <a:xfrm>
               <a:off x="3052323" y="3562672"/>
-              <a:ext cx="6253602" cy="361628"/>
+              <a:ext cx="2734272" cy="361628"/>
             </a:xfrm>
             <a:prstGeom prst="rect">
               <a:avLst/>
@@ -30555,9 +32554,9 @@
         <p:grpSpPr>
           <a:xfrm>
             <a:off x="5817096" y="2879848"/>
-            <a:ext cx="6687682" cy="441140"/>
+            <a:ext cx="2484276" cy="441140"/>
             <a:chOff x="2618243" y="3483160"/>
-            <a:chExt cx="6687682" cy="441140"/>
+            <a:chExt cx="2484276" cy="441140"/>
           </a:xfrm>
         </p:grpSpPr>
         <p:sp>
@@ -30569,7 +32568,7 @@
           <p:spPr bwMode="auto">
             <a:xfrm>
               <a:off x="3052323" y="3562672"/>
-              <a:ext cx="6253602" cy="361628"/>
+              <a:ext cx="2050196" cy="361628"/>
             </a:xfrm>
             <a:prstGeom prst="rect">
               <a:avLst/>
@@ -30873,9 +32872,9 @@
         <p:grpSpPr>
           <a:xfrm>
             <a:off x="5817096" y="3446820"/>
-            <a:ext cx="6687682" cy="441140"/>
+            <a:ext cx="1791138" cy="441140"/>
             <a:chOff x="2618243" y="3483160"/>
-            <a:chExt cx="6687682" cy="441140"/>
+            <a:chExt cx="1791138" cy="441140"/>
           </a:xfrm>
         </p:grpSpPr>
         <p:sp>
@@ -30887,7 +32886,7 @@
           <p:spPr bwMode="auto">
             <a:xfrm>
               <a:off x="3052323" y="3562672"/>
-              <a:ext cx="6253602" cy="361628"/>
+              <a:ext cx="1357058" cy="361628"/>
             </a:xfrm>
             <a:prstGeom prst="rect">
               <a:avLst/>
@@ -31171,9 +33170,9 @@
         <p:grpSpPr>
           <a:xfrm>
             <a:off x="5817096" y="4013792"/>
-            <a:ext cx="6687682" cy="441140"/>
+            <a:ext cx="3636404" cy="441140"/>
             <a:chOff x="2618243" y="3483160"/>
-            <a:chExt cx="6687682" cy="441140"/>
+            <a:chExt cx="3636404" cy="441140"/>
           </a:xfrm>
         </p:grpSpPr>
         <p:sp>
@@ -31185,7 +33184,7 @@
           <p:spPr bwMode="auto">
             <a:xfrm>
               <a:off x="3052323" y="3562672"/>
-              <a:ext cx="6253602" cy="361628"/>
+              <a:ext cx="3202324" cy="361628"/>
             </a:xfrm>
             <a:prstGeom prst="rect">
               <a:avLst/>
@@ -35615,7 +37614,37 @@
                 <a:latin typeface="맑은 고딕" pitchFamily="50" charset="-127"/>
                 <a:ea typeface="맑은 고딕" pitchFamily="50" charset="-127"/>
               </a:rPr>
-              <a:t>플랫폼 이해를 바탕으로 코딩 </a:t>
+              <a:t>플랫폼 이해를 </a:t>
+            </a:r>
+            <a:r>
+              <a:rPr lang="ko-KR" altLang="en-US" sz="3200" b="1" spc="-28" dirty="0" smtClean="0">
+                <a:solidFill>
+                  <a:srgbClr val="E31837"/>
+                </a:solidFill>
+                <a:latin typeface="맑은 고딕" pitchFamily="50" charset="-127"/>
+                <a:ea typeface="맑은 고딕" pitchFamily="50" charset="-127"/>
+              </a:rPr>
+              <a:t>개발 </a:t>
+            </a:r>
+            <a:r>
+              <a:rPr lang="en-US" altLang="ko-KR" sz="3200" b="1" spc="-28" dirty="0" smtClean="0">
+                <a:solidFill>
+                  <a:srgbClr val="E31837"/>
+                </a:solidFill>
+                <a:latin typeface="맑은 고딕" pitchFamily="50" charset="-127"/>
+                <a:ea typeface="맑은 고딕" pitchFamily="50" charset="-127"/>
+              </a:rPr>
+              <a:t>Base</a:t>
+            </a:r>
+            <a:r>
+              <a:rPr lang="ko-KR" altLang="en-US" sz="3200" b="1" spc="-28" dirty="0" smtClean="0">
+                <a:solidFill>
+                  <a:srgbClr val="E31837"/>
+                </a:solidFill>
+                <a:latin typeface="맑은 고딕" pitchFamily="50" charset="-127"/>
+                <a:ea typeface="맑은 고딕" pitchFamily="50" charset="-127"/>
+              </a:rPr>
+              <a:t>로 </a:t>
             </a:r>
             <a:endParaRPr lang="en-US" altLang="ko-KR" sz="800" dirty="0">
               <a:latin typeface="+mn-ea"/>
@@ -36622,304 +38651,6 @@
           </p:sp>
         </p:grpSp>
       </p:grpSp>
-      <p:grpSp>
-        <p:nvGrpSpPr>
-          <p:cNvPr id="64" name="그룹 63"/>
-          <p:cNvGrpSpPr/>
-          <p:nvPr/>
-        </p:nvGrpSpPr>
-        <p:grpSpPr>
-          <a:xfrm>
-            <a:off x="920552" y="4022884"/>
-            <a:ext cx="6687682" cy="441140"/>
-            <a:chOff x="2618243" y="3483160"/>
-            <a:chExt cx="6687682" cy="441140"/>
-          </a:xfrm>
-        </p:grpSpPr>
-        <p:sp>
-          <p:nvSpPr>
-            <p:cNvPr id="65" name="직사각형 64"/>
-            <p:cNvSpPr/>
-            <p:nvPr/>
-          </p:nvSpPr>
-          <p:spPr bwMode="auto">
-            <a:xfrm>
-              <a:off x="3052323" y="3562672"/>
-              <a:ext cx="6253602" cy="361628"/>
-            </a:xfrm>
-            <a:prstGeom prst="rect">
-              <a:avLst/>
-            </a:prstGeom>
-            <a:noFill/>
-            <a:ln>
-              <a:noFill/>
-            </a:ln>
-          </p:spPr>
-          <p:style>
-            <a:lnRef idx="2">
-              <a:schemeClr val="accent1">
-                <a:shade val="50000"/>
-              </a:schemeClr>
-            </a:lnRef>
-            <a:fillRef idx="1">
-              <a:schemeClr val="accent1"/>
-            </a:fillRef>
-            <a:effectRef idx="0">
-              <a:schemeClr val="accent1"/>
-            </a:effectRef>
-            <a:fontRef idx="minor">
-              <a:schemeClr val="lt1"/>
-            </a:fontRef>
-          </p:style>
-          <p:txBody>
-            <a:bodyPr anchor="ctr"/>
-            <a:lstStyle/>
-            <a:p>
-              <a:pPr defTabSz="957838">
-                <a:spcBef>
-                  <a:spcPts val="275"/>
-                </a:spcBef>
-              </a:pPr>
-              <a:r>
-                <a:rPr lang="en-US" altLang="ko-KR" b="1" spc="-147" dirty="0" smtClean="0">
-                  <a:solidFill>
-                    <a:schemeClr val="tx1"/>
-                  </a:solidFill>
-                  <a:latin typeface="맑은 고딕" pitchFamily="50" charset="-127"/>
-                  <a:ea typeface="맑은 고딕" pitchFamily="50" charset="-127"/>
-                </a:rPr>
-                <a:t>Maven, Bower</a:t>
-              </a:r>
-              <a:endParaRPr lang="ko-KR" altLang="en-US" b="1" spc="-147" dirty="0">
-                <a:solidFill>
-                  <a:schemeClr val="tx1"/>
-                </a:solidFill>
-                <a:latin typeface="맑은 고딕" pitchFamily="50" charset="-127"/>
-                <a:ea typeface="맑은 고딕" pitchFamily="50" charset="-127"/>
-              </a:endParaRPr>
-            </a:p>
-          </p:txBody>
-        </p:sp>
-        <p:grpSp>
-          <p:nvGrpSpPr>
-            <p:cNvPr id="66" name="그룹 83"/>
-            <p:cNvGrpSpPr/>
-            <p:nvPr/>
-          </p:nvGrpSpPr>
-          <p:grpSpPr>
-            <a:xfrm>
-              <a:off x="2618243" y="3483160"/>
-              <a:ext cx="295142" cy="401660"/>
-              <a:chOff x="2831815" y="3965413"/>
-              <a:chExt cx="349250" cy="485449"/>
-            </a:xfrm>
-          </p:grpSpPr>
-          <p:grpSp>
-            <p:nvGrpSpPr>
-              <p:cNvPr id="68" name="그룹 84"/>
-              <p:cNvGrpSpPr/>
-              <p:nvPr/>
-            </p:nvGrpSpPr>
-            <p:grpSpPr>
-              <a:xfrm>
-                <a:off x="2844422" y="3965413"/>
-                <a:ext cx="324036" cy="485449"/>
-                <a:chOff x="2844422" y="3965413"/>
-                <a:chExt cx="324036" cy="485449"/>
-              </a:xfrm>
-            </p:grpSpPr>
-            <p:sp>
-              <p:nvSpPr>
-                <p:cNvPr id="70" name="직사각형 69"/>
-                <p:cNvSpPr/>
-                <p:nvPr/>
-              </p:nvSpPr>
-              <p:spPr bwMode="auto">
-                <a:xfrm>
-                  <a:off x="2844440" y="4126862"/>
-                  <a:ext cx="324000" cy="324000"/>
-                </a:xfrm>
-                <a:prstGeom prst="rect">
-                  <a:avLst/>
-                </a:prstGeom>
-                <a:solidFill>
-                  <a:srgbClr val="F68938"/>
-                </a:solidFill>
-                <a:ln w="76200" cmpd="sng">
-                  <a:noFill/>
-                </a:ln>
-              </p:spPr>
-              <p:style>
-                <a:lnRef idx="2">
-                  <a:schemeClr val="accent1">
-                    <a:shade val="50000"/>
-                  </a:schemeClr>
-                </a:lnRef>
-                <a:fillRef idx="1">
-                  <a:schemeClr val="accent1"/>
-                </a:fillRef>
-                <a:effectRef idx="0">
-                  <a:schemeClr val="accent1"/>
-                </a:effectRef>
-                <a:fontRef idx="minor">
-                  <a:schemeClr val="lt1"/>
-                </a:fontRef>
-              </p:style>
-              <p:txBody>
-                <a:bodyPr lIns="36000" tIns="36000" rIns="36000" bIns="36000" anchor="ctr"/>
-                <a:lstStyle/>
-                <a:p>
-                  <a:pPr algn="ctr" defTabSz="957845">
-                    <a:buClr>
-                      <a:srgbClr val="0000FF"/>
-                    </a:buClr>
-                    <a:buSzPct val="90000"/>
-                    <a:defRPr/>
-                  </a:pPr>
-                  <a:endParaRPr lang="en-US" altLang="ko-KR" b="1" spc="-147" dirty="0">
-                    <a:solidFill>
-                      <a:schemeClr val="bg1"/>
-                    </a:solidFill>
-                    <a:latin typeface="맑은 고딕" pitchFamily="50" charset="-127"/>
-                    <a:ea typeface="맑은 고딕" pitchFamily="50" charset="-127"/>
-                  </a:endParaRPr>
-                </a:p>
-              </p:txBody>
-            </p:sp>
-            <p:sp>
-              <p:nvSpPr>
-                <p:cNvPr id="71" name="원형 70"/>
-                <p:cNvSpPr/>
-                <p:nvPr/>
-              </p:nvSpPr>
-              <p:spPr bwMode="auto">
-                <a:xfrm>
-                  <a:off x="2844422" y="3965413"/>
-                  <a:ext cx="324036" cy="324036"/>
-                </a:xfrm>
-                <a:prstGeom prst="pie">
-                  <a:avLst>
-                    <a:gd name="adj1" fmla="val 0"/>
-                    <a:gd name="adj2" fmla="val 10827449"/>
-                  </a:avLst>
-                </a:prstGeom>
-                <a:gradFill flip="none" rotWithShape="1">
-                  <a:gsLst>
-                    <a:gs pos="4000">
-                      <a:schemeClr val="bg1">
-                        <a:alpha val="40000"/>
-                      </a:schemeClr>
-                    </a:gs>
-                    <a:gs pos="100000">
-                      <a:schemeClr val="bg1">
-                        <a:alpha val="0"/>
-                      </a:schemeClr>
-                    </a:gs>
-                  </a:gsLst>
-                  <a:lin ang="5400000" scaled="1"/>
-                  <a:tileRect/>
-                </a:gradFill>
-                <a:ln>
-                  <a:noFill/>
-                </a:ln>
-              </p:spPr>
-              <p:style>
-                <a:lnRef idx="2">
-                  <a:schemeClr val="accent1">
-                    <a:shade val="50000"/>
-                  </a:schemeClr>
-                </a:lnRef>
-                <a:fillRef idx="1">
-                  <a:schemeClr val="accent1"/>
-                </a:fillRef>
-                <a:effectRef idx="0">
-                  <a:schemeClr val="accent1"/>
-                </a:effectRef>
-                <a:fontRef idx="minor">
-                  <a:schemeClr val="lt1"/>
-                </a:fontRef>
-              </p:style>
-              <p:txBody>
-                <a:bodyPr rtlCol="0" anchor="ctr"/>
-                <a:lstStyle/>
-                <a:p>
-                  <a:pPr algn="ctr"/>
-                  <a:endParaRPr lang="ko-KR" altLang="en-US" b="1" dirty="0">
-                    <a:latin typeface="맑은 고딕" pitchFamily="50" charset="-127"/>
-                    <a:ea typeface="맑은 고딕" pitchFamily="50" charset="-127"/>
-                  </a:endParaRPr>
-                </a:p>
-              </p:txBody>
-            </p:sp>
-          </p:grpSp>
-          <p:sp>
-            <p:nvSpPr>
-              <p:cNvPr id="69" name="직사각형 68"/>
-              <p:cNvSpPr/>
-              <p:nvPr/>
-            </p:nvSpPr>
-            <p:spPr bwMode="auto">
-              <a:xfrm>
-                <a:off x="2831815" y="4133287"/>
-                <a:ext cx="349250" cy="311150"/>
-              </a:xfrm>
-              <a:prstGeom prst="rect">
-                <a:avLst/>
-              </a:prstGeom>
-              <a:noFill/>
-              <a:ln w="76200" cmpd="sng">
-                <a:noFill/>
-              </a:ln>
-            </p:spPr>
-            <p:style>
-              <a:lnRef idx="2">
-                <a:schemeClr val="accent1">
-                  <a:shade val="50000"/>
-                </a:schemeClr>
-              </a:lnRef>
-              <a:fillRef idx="1">
-                <a:schemeClr val="accent1"/>
-              </a:fillRef>
-              <a:effectRef idx="0">
-                <a:schemeClr val="accent1"/>
-              </a:effectRef>
-              <a:fontRef idx="minor">
-                <a:schemeClr val="lt1"/>
-              </a:fontRef>
-            </p:style>
-            <p:txBody>
-              <a:bodyPr lIns="36000" tIns="36000" rIns="36000" bIns="36000" anchor="ctr"/>
-              <a:lstStyle/>
-              <a:p>
-                <a:pPr algn="ctr" defTabSz="957845">
-                  <a:buClr>
-                    <a:srgbClr val="0000FF"/>
-                  </a:buClr>
-                  <a:buSzPct val="90000"/>
-                  <a:defRPr/>
-                </a:pPr>
-                <a:r>
-                  <a:rPr lang="en-US" altLang="ko-KR" b="1" spc="-147" dirty="0" smtClean="0">
-                    <a:solidFill>
-                      <a:schemeClr val="bg1"/>
-                    </a:solidFill>
-                    <a:latin typeface="맑은 고딕" pitchFamily="50" charset="-127"/>
-                    <a:ea typeface="맑은 고딕" pitchFamily="50" charset="-127"/>
-                  </a:rPr>
-                  <a:t>3</a:t>
-                </a:r>
-                <a:endParaRPr lang="en-US" altLang="ko-KR" b="1" spc="-147" dirty="0">
-                  <a:solidFill>
-                    <a:schemeClr val="bg1"/>
-                  </a:solidFill>
-                  <a:latin typeface="맑은 고딕" pitchFamily="50" charset="-127"/>
-                  <a:ea typeface="맑은 고딕" pitchFamily="50" charset="-127"/>
-                </a:endParaRPr>
-              </a:p>
-            </p:txBody>
-          </p:sp>
-        </p:grpSp>
-      </p:grpSp>
     </p:spTree>
     <p:extLst>
       <p:ext uri="{BB962C8B-B14F-4D97-AF65-F5344CB8AC3E}">
@@ -36959,176 +38690,390 @@
       </p:grpSpPr>
       <p:sp>
         <p:nvSpPr>
-          <p:cNvPr id="14" name="Rectangle 5"/>
-          <p:cNvSpPr txBox="1">
-            <a:spLocks noChangeArrowheads="1"/>
+          <p:cNvPr id="2" name="제목 1"/>
+          <p:cNvSpPr>
+            <a:spLocks noGrp="1"/>
           </p:cNvSpPr>
-          <p:nvPr/>
+          <p:nvPr>
+            <p:ph type="title"/>
+          </p:nvPr>
+        </p:nvSpPr>
+        <p:spPr/>
+        <p:txBody>
+          <a:bodyPr/>
+          <a:lstStyle/>
+          <a:p>
+            <a:r>
+              <a:rPr lang="en-US" altLang="ko-KR" dirty="0" smtClean="0"/>
+              <a:t>ELK </a:t>
+            </a:r>
+            <a:r>
+              <a:rPr lang="ko-KR" altLang="en-US" dirty="0" smtClean="0"/>
+              <a:t>란</a:t>
+            </a:r>
+            <a:endParaRPr lang="ko-KR" altLang="en-US" dirty="0"/>
+          </a:p>
+        </p:txBody>
+      </p:sp>
+      <p:sp>
+        <p:nvSpPr>
+          <p:cNvPr id="3" name="내용 개체 틀 2"/>
+          <p:cNvSpPr>
+            <a:spLocks noGrp="1"/>
+          </p:cNvSpPr>
+          <p:nvPr>
+            <p:ph idx="1"/>
+          </p:nvPr>
         </p:nvSpPr>
         <p:spPr>
           <a:xfrm>
-            <a:off x="259219" y="1210750"/>
-            <a:ext cx="2677557" cy="516131"/>
+            <a:off x="273050" y="3825044"/>
+            <a:ext cx="4679950" cy="2304256"/>
+          </a:xfrm>
+        </p:spPr>
+        <p:txBody>
+          <a:bodyPr/>
+          <a:lstStyle/>
+          <a:p>
+            <a:r>
+              <a:rPr lang="ko-KR" altLang="en-US" dirty="0" smtClean="0"/>
+              <a:t>기</a:t>
+            </a:r>
+            <a:r>
+              <a:rPr lang="ko-KR" altLang="en-US" dirty="0"/>
+              <a:t>능</a:t>
+            </a:r>
+            <a:endParaRPr lang="en-US" altLang="ko-KR" dirty="0" smtClean="0"/>
+          </a:p>
+          <a:p>
+            <a:pPr lvl="1"/>
+            <a:r>
+              <a:rPr lang="en-US" altLang="ko-KR" dirty="0" err="1" smtClean="0"/>
+              <a:t>Logstash</a:t>
+            </a:r>
+            <a:r>
+              <a:rPr lang="en-US" altLang="ko-KR" dirty="0" smtClean="0"/>
+              <a:t> : log data input, </a:t>
+            </a:r>
+            <a:r>
+              <a:rPr lang="en-US" altLang="ko-KR" dirty="0" smtClean="0">
+                <a:solidFill>
+                  <a:srgbClr val="00B0F0"/>
+                </a:solidFill>
+              </a:rPr>
+              <a:t>filter</a:t>
+            </a:r>
+            <a:r>
+              <a:rPr lang="en-US" altLang="ko-KR" dirty="0" smtClean="0"/>
+              <a:t>, output </a:t>
+            </a:r>
+            <a:r>
+              <a:rPr lang="ko-KR" altLang="en-US" dirty="0" smtClean="0"/>
+              <a:t>가능</a:t>
+            </a:r>
+            <a:endParaRPr lang="en-US" altLang="ko-KR" dirty="0" smtClean="0"/>
+          </a:p>
+          <a:p>
+            <a:pPr lvl="1"/>
+            <a:r>
+              <a:rPr lang="en-US" altLang="ko-KR" dirty="0" err="1" smtClean="0"/>
+              <a:t>Elasticsearch</a:t>
+            </a:r>
+            <a:r>
+              <a:rPr lang="en-US" altLang="ko-KR" dirty="0" smtClean="0"/>
+              <a:t> : </a:t>
+            </a:r>
+            <a:r>
+              <a:rPr lang="ko-KR" altLang="en-US" dirty="0" smtClean="0"/>
+              <a:t>분산</a:t>
+            </a:r>
+            <a:r>
+              <a:rPr lang="en-US" altLang="ko-KR" dirty="0"/>
+              <a:t> </a:t>
+            </a:r>
+            <a:r>
+              <a:rPr lang="ko-KR" altLang="en-US" dirty="0" smtClean="0"/>
+              <a:t>저장소</a:t>
+            </a:r>
+            <a:r>
+              <a:rPr lang="en-US" altLang="ko-KR" dirty="0" smtClean="0"/>
+              <a:t>, </a:t>
+            </a:r>
+            <a:r>
+              <a:rPr lang="ko-KR" altLang="en-US" dirty="0" err="1" smtClean="0"/>
+              <a:t>루신기반의</a:t>
+            </a:r>
+            <a:r>
+              <a:rPr lang="ko-KR" altLang="en-US" dirty="0" smtClean="0"/>
+              <a:t> 검색엔진</a:t>
+            </a:r>
+            <a:r>
+              <a:rPr lang="en-US" altLang="ko-KR" dirty="0" smtClean="0"/>
+              <a:t>, filtering </a:t>
+            </a:r>
+            <a:r>
+              <a:rPr lang="ko-KR" altLang="en-US" dirty="0" smtClean="0"/>
+              <a:t>된 </a:t>
+            </a:r>
+            <a:r>
+              <a:rPr lang="en-US" altLang="ko-KR" dirty="0" smtClean="0"/>
+              <a:t>data </a:t>
+            </a:r>
+            <a:r>
+              <a:rPr lang="ko-KR" altLang="en-US" dirty="0" smtClean="0"/>
+              <a:t>저장</a:t>
+            </a:r>
+            <a:endParaRPr lang="en-US" altLang="ko-KR" dirty="0" smtClean="0"/>
+          </a:p>
+          <a:p>
+            <a:pPr lvl="1"/>
+            <a:r>
+              <a:rPr lang="en-US" altLang="ko-KR" dirty="0" err="1" smtClean="0"/>
+              <a:t>Kibana</a:t>
+            </a:r>
+            <a:r>
+              <a:rPr lang="en-US" altLang="ko-KR" dirty="0" smtClean="0"/>
+              <a:t> : </a:t>
+            </a:r>
+            <a:r>
+              <a:rPr lang="ko-KR" altLang="en-US" dirty="0" smtClean="0"/>
+              <a:t>저장된 </a:t>
+            </a:r>
+            <a:r>
+              <a:rPr lang="en-US" altLang="ko-KR" dirty="0" smtClean="0"/>
+              <a:t>data</a:t>
+            </a:r>
+            <a:r>
+              <a:rPr lang="ko-KR" altLang="en-US" dirty="0" smtClean="0"/>
+              <a:t>를 </a:t>
+            </a:r>
+            <a:r>
+              <a:rPr lang="en-US" altLang="ko-KR" dirty="0" smtClean="0"/>
+              <a:t>dashboard</a:t>
+            </a:r>
+            <a:r>
+              <a:rPr lang="ko-KR" altLang="en-US" dirty="0" smtClean="0"/>
+              <a:t>로 화면 제공</a:t>
+            </a:r>
+            <a:endParaRPr lang="ko-KR" altLang="en-US" dirty="0"/>
+          </a:p>
+        </p:txBody>
+      </p:sp>
+      <p:sp>
+        <p:nvSpPr>
+          <p:cNvPr id="6" name="내용 개체 틀 5"/>
+          <p:cNvSpPr>
+            <a:spLocks noGrp="1"/>
+          </p:cNvSpPr>
+          <p:nvPr>
+            <p:ph idx="13"/>
+          </p:nvPr>
+        </p:nvSpPr>
+        <p:spPr>
+          <a:xfrm>
+            <a:off x="4953000" y="3825044"/>
+            <a:ext cx="4679950" cy="2520280"/>
+          </a:xfrm>
+        </p:spPr>
+        <p:txBody>
+          <a:bodyPr/>
+          <a:lstStyle/>
+          <a:p>
+            <a:r>
+              <a:rPr lang="ko-KR" altLang="en-US" dirty="0" smtClean="0"/>
+              <a:t>장점</a:t>
+            </a:r>
+            <a:endParaRPr lang="en-US" altLang="ko-KR" dirty="0" smtClean="0"/>
+          </a:p>
+          <a:p>
+            <a:pPr lvl="1"/>
+            <a:r>
+              <a:rPr lang="ko-KR" altLang="en-US" sz="1200" dirty="0" smtClean="0"/>
+              <a:t>자체 서버의 모든 로그를 </a:t>
+            </a:r>
+            <a:r>
+              <a:rPr lang="en-US" altLang="ko-KR" sz="1200" dirty="0" smtClean="0"/>
+              <a:t>100% </a:t>
+            </a:r>
+            <a:r>
+              <a:rPr lang="ko-KR" altLang="en-US" sz="1200" dirty="0" smtClean="0"/>
+              <a:t>수집 할 수 있어 데이터 신뢰성이 높음</a:t>
+            </a:r>
+            <a:r>
+              <a:rPr lang="en-US" altLang="ko-KR" sz="1200" dirty="0" smtClean="0"/>
+              <a:t>.</a:t>
+            </a:r>
+          </a:p>
+          <a:p>
+            <a:pPr lvl="1"/>
+            <a:r>
+              <a:rPr lang="ko-KR" altLang="en-US" sz="1200" dirty="0" err="1" smtClean="0"/>
+              <a:t>파라미터</a:t>
+            </a:r>
+            <a:r>
+              <a:rPr lang="ko-KR" altLang="en-US" sz="1200" dirty="0" smtClean="0"/>
+              <a:t> 별로 통계를 볼 수 있어 정확한 데이터 분석 가능</a:t>
+            </a:r>
+            <a:endParaRPr lang="en-US" altLang="ko-KR" sz="1200" dirty="0" smtClean="0"/>
+          </a:p>
+          <a:p>
+            <a:pPr lvl="1"/>
+            <a:r>
+              <a:rPr lang="ko-KR" altLang="en-US" sz="1200" dirty="0" smtClean="0"/>
+              <a:t>검색엔진이 포함되어 있어</a:t>
+            </a:r>
+            <a:r>
+              <a:rPr lang="en-US" altLang="ko-KR" sz="1200" dirty="0" smtClean="0"/>
+              <a:t>, </a:t>
+            </a:r>
+            <a:r>
+              <a:rPr lang="ko-KR" altLang="en-US" sz="1200" dirty="0" smtClean="0"/>
+              <a:t>빠르게 데이터 검색 가능</a:t>
+            </a:r>
+            <a:endParaRPr lang="en-US" altLang="ko-KR" sz="1200" dirty="0" smtClean="0"/>
+          </a:p>
+          <a:p>
+            <a:pPr lvl="1"/>
+            <a:r>
+              <a:rPr lang="ko-KR" altLang="en-US" sz="1200" dirty="0" err="1" smtClean="0"/>
+              <a:t>오픈소스</a:t>
+            </a:r>
+            <a:r>
+              <a:rPr lang="ko-KR" altLang="en-US" sz="1200" dirty="0" err="1"/>
+              <a:t>로</a:t>
+            </a:r>
+            <a:r>
+              <a:rPr lang="ko-KR" altLang="en-US" sz="1200" dirty="0" smtClean="0"/>
+              <a:t> </a:t>
+            </a:r>
+            <a:r>
+              <a:rPr lang="ko-KR" altLang="en-US" sz="1200" dirty="0" err="1" smtClean="0"/>
+              <a:t>고가용성</a:t>
+            </a:r>
+            <a:endParaRPr lang="ko-KR" altLang="en-US" dirty="0"/>
+          </a:p>
+        </p:txBody>
+      </p:sp>
+      <p:sp>
+        <p:nvSpPr>
+          <p:cNvPr id="7" name="내용 개체 틀 6"/>
+          <p:cNvSpPr>
+            <a:spLocks noGrp="1"/>
+          </p:cNvSpPr>
+          <p:nvPr>
+            <p:ph idx="14"/>
+          </p:nvPr>
+        </p:nvSpPr>
+        <p:spPr/>
+        <p:txBody>
+          <a:bodyPr/>
+          <a:lstStyle/>
+          <a:p>
+            <a:r>
+              <a:rPr lang="en-US" altLang="ko-KR" dirty="0"/>
+              <a:t>3</a:t>
+            </a:r>
+            <a:r>
+              <a:rPr lang="ko-KR" altLang="en-US" dirty="0"/>
+              <a:t>가지 </a:t>
+            </a:r>
+            <a:r>
+              <a:rPr lang="ko-KR" altLang="en-US" dirty="0" err="1"/>
+              <a:t>오픈소스</a:t>
+            </a:r>
+            <a:r>
+              <a:rPr lang="ko-KR" altLang="en-US" dirty="0"/>
+              <a:t> 소프트웨어 조합 </a:t>
+            </a:r>
+            <a:r>
+              <a:rPr lang="en-US" altLang="ko-KR" dirty="0"/>
+              <a:t>(</a:t>
+            </a:r>
+            <a:r>
+              <a:rPr lang="en-US" altLang="ko-KR" dirty="0" err="1"/>
+              <a:t>ElasticSearch</a:t>
+            </a:r>
+            <a:r>
+              <a:rPr lang="en-US" altLang="ko-KR" dirty="0"/>
+              <a:t>, </a:t>
+            </a:r>
+            <a:r>
+              <a:rPr lang="en-US" altLang="ko-KR" dirty="0" err="1"/>
+              <a:t>Logstash</a:t>
+            </a:r>
+            <a:r>
+              <a:rPr lang="en-US" altLang="ko-KR" dirty="0"/>
+              <a:t>, </a:t>
+            </a:r>
+            <a:r>
+              <a:rPr lang="en-US" altLang="ko-KR" dirty="0" err="1"/>
+              <a:t>Kibana</a:t>
+            </a:r>
+            <a:r>
+              <a:rPr lang="en-US" altLang="ko-KR" dirty="0"/>
+              <a:t>)</a:t>
+            </a:r>
+            <a:endParaRPr lang="ko-KR" altLang="en-US" dirty="0"/>
+          </a:p>
+          <a:p>
+            <a:endParaRPr lang="ko-KR" altLang="en-US" dirty="0"/>
+          </a:p>
+        </p:txBody>
+      </p:sp>
+      <p:pic>
+        <p:nvPicPr>
+          <p:cNvPr id="1026" name="Picture 2"/>
+          <p:cNvPicPr>
+            <a:picLocks noChangeAspect="1" noChangeArrowheads="1"/>
+          </p:cNvPicPr>
+          <p:nvPr/>
+        </p:nvPicPr>
+        <p:blipFill>
+          <a:blip r:embed="rId2">
+            <a:extLst>
+              <a:ext uri="{28A0092B-C50C-407E-A947-70E740481C1C}">
+                <a14:useLocalDpi xmlns:a14="http://schemas.microsoft.com/office/drawing/2010/main" val="0"/>
+              </a:ext>
+            </a:extLst>
+          </a:blip>
+          <a:srcRect/>
+          <a:stretch>
+            <a:fillRect/>
+          </a:stretch>
+        </p:blipFill>
+        <p:spPr bwMode="auto">
+          <a:xfrm>
+            <a:off x="560512" y="1440793"/>
+            <a:ext cx="8591550" cy="2266950"/>
           </a:xfrm>
           <a:prstGeom prst="rect">
             <a:avLst/>
           </a:prstGeom>
           <a:noFill/>
-          <a:ln w="9525">
+          <a:ln>
             <a:noFill/>
-            <a:miter lim="800000"/>
-            <a:headEnd/>
-            <a:tailEnd/>
           </a:ln>
+          <a:extLst>
+            <a:ext uri="{909E8E84-426E-40DD-AFC4-6F175D3DCCD1}">
+              <a14:hiddenFill xmlns:a14="http://schemas.microsoft.com/office/drawing/2010/main">
+                <a:solidFill>
+                  <a:schemeClr val="accent1"/>
+                </a:solidFill>
+              </a14:hiddenFill>
+            </a:ext>
+            <a:ext uri="{91240B29-F687-4F45-9708-019B960494DF}">
+              <a14:hiddenLine xmlns:a14="http://schemas.microsoft.com/office/drawing/2010/main" w="9525">
+                <a:solidFill>
+                  <a:schemeClr val="tx1"/>
+                </a:solidFill>
+                <a:miter lim="800000"/>
+                <a:headEnd/>
+                <a:tailEnd/>
+              </a14:hiddenLine>
+            </a:ext>
+          </a:extLst>
         </p:spPr>
-        <p:txBody>
-          <a:bodyPr lIns="0" tIns="0" rIns="0" bIns="0" anchor="ctr" anchorCtr="0">
-            <a:scene3d>
-              <a:camera prst="orthographicFront"/>
-              <a:lightRig rig="brightRoom" dir="tl"/>
-            </a:scene3d>
-            <a:sp3d prstMaterial="flat">
-              <a:bevelT w="0" h="0" prst="artDeco"/>
-              <a:extrusionClr>
-                <a:schemeClr val="bg1"/>
-              </a:extrusionClr>
-              <a:contourClr>
-                <a:schemeClr val="bg1"/>
-              </a:contourClr>
-            </a:sp3d>
-          </a:bodyPr>
-          <a:lstStyle/>
-          <a:p>
-            <a:pPr algn="r" defTabSz="839573">
-              <a:tabLst>
-                <a:tab pos="2666831" algn="l"/>
-              </a:tabLst>
-              <a:defRPr/>
-            </a:pPr>
-            <a:r>
-              <a:rPr lang="en-US" altLang="ko-KR" sz="3200" b="1" spc="-28" dirty="0" smtClean="0">
-                <a:solidFill>
-                  <a:srgbClr val="E31837"/>
-                </a:solidFill>
-                <a:latin typeface="맑은 고딕" pitchFamily="50" charset="-127"/>
-                <a:ea typeface="맑은 고딕" pitchFamily="50" charset="-127"/>
-              </a:rPr>
-              <a:t>R&amp;R ?</a:t>
-            </a:r>
-            <a:endParaRPr lang="en-US" altLang="ko-KR" sz="800" dirty="0">
-              <a:latin typeface="+mn-ea"/>
-              <a:cs typeface="Times New Roman" panose="02020603050405020304" pitchFamily="18" charset="0"/>
-            </a:endParaRPr>
-          </a:p>
-        </p:txBody>
-      </p:sp>
-      <p:grpSp>
-        <p:nvGrpSpPr>
-          <p:cNvPr id="22" name="그룹 45"/>
-          <p:cNvGrpSpPr/>
-          <p:nvPr/>
-        </p:nvGrpSpPr>
-        <p:grpSpPr>
-          <a:xfrm>
-            <a:off x="344488" y="944724"/>
-            <a:ext cx="4435440" cy="49761"/>
-            <a:chOff x="5166680" y="1836415"/>
-            <a:chExt cx="4788000" cy="54864"/>
-          </a:xfrm>
-        </p:grpSpPr>
-        <p:sp>
-          <p:nvSpPr>
-            <p:cNvPr id="23" name="직사각형 22"/>
-            <p:cNvSpPr/>
-            <p:nvPr/>
-          </p:nvSpPr>
-          <p:spPr>
-            <a:xfrm>
-              <a:off x="5166680" y="1871433"/>
-              <a:ext cx="4788000" cy="19846"/>
-            </a:xfrm>
-            <a:prstGeom prst="rect">
-              <a:avLst/>
-            </a:prstGeom>
-            <a:solidFill>
-              <a:srgbClr val="F68938"/>
-            </a:solidFill>
-            <a:ln>
-              <a:noFill/>
-            </a:ln>
-          </p:spPr>
-          <p:style>
-            <a:lnRef idx="2">
-              <a:schemeClr val="accent1">
-                <a:shade val="50000"/>
-              </a:schemeClr>
-            </a:lnRef>
-            <a:fillRef idx="1">
-              <a:schemeClr val="accent1"/>
-            </a:fillRef>
-            <a:effectRef idx="0">
-              <a:schemeClr val="accent1"/>
-            </a:effectRef>
-            <a:fontRef idx="minor">
-              <a:schemeClr val="lt1"/>
-            </a:fontRef>
-          </p:style>
-          <p:txBody>
-            <a:bodyPr rtlCol="0" anchor="ctr"/>
-            <a:lstStyle/>
-            <a:p>
-              <a:pPr algn="ctr" defTabSz="839480"/>
-              <a:endParaRPr lang="ko-KR" altLang="en-US" dirty="0"/>
-            </a:p>
-          </p:txBody>
-        </p:sp>
-        <p:sp>
-          <p:nvSpPr>
-            <p:cNvPr id="24" name="직사각형 23"/>
-            <p:cNvSpPr/>
-            <p:nvPr/>
-          </p:nvSpPr>
-          <p:spPr>
-            <a:xfrm>
-              <a:off x="5166680" y="1836415"/>
-              <a:ext cx="1321292" cy="45819"/>
-            </a:xfrm>
-            <a:prstGeom prst="rect">
-              <a:avLst/>
-            </a:prstGeom>
-            <a:solidFill>
-              <a:srgbClr val="DE0000"/>
-            </a:solidFill>
-            <a:ln>
-              <a:noFill/>
-            </a:ln>
-          </p:spPr>
-          <p:style>
-            <a:lnRef idx="2">
-              <a:schemeClr val="accent1">
-                <a:shade val="50000"/>
-              </a:schemeClr>
-            </a:lnRef>
-            <a:fillRef idx="1">
-              <a:schemeClr val="accent1"/>
-            </a:fillRef>
-            <a:effectRef idx="0">
-              <a:schemeClr val="accent1"/>
-            </a:effectRef>
-            <a:fontRef idx="minor">
-              <a:schemeClr val="lt1"/>
-            </a:fontRef>
-          </p:style>
-          <p:txBody>
-            <a:bodyPr rtlCol="0" anchor="ctr"/>
-            <a:lstStyle/>
-            <a:p>
-              <a:pPr algn="ctr" defTabSz="839480"/>
-              <a:endParaRPr lang="ko-KR" altLang="en-US" sz="1700" dirty="0"/>
-            </a:p>
-          </p:txBody>
-        </p:sp>
-      </p:grpSp>
+      </p:pic>
     </p:spTree>
     <p:extLst>
       <p:ext uri="{BB962C8B-B14F-4D97-AF65-F5344CB8AC3E}">
@@ -37166,6 +39111,1849 @@
           <a:chExt cx="0" cy="0"/>
         </a:xfrm>
       </p:grpSpPr>
+      <p:sp>
+        <p:nvSpPr>
+          <p:cNvPr id="2" name="제목 1"/>
+          <p:cNvSpPr>
+            <a:spLocks noGrp="1"/>
+          </p:cNvSpPr>
+          <p:nvPr>
+            <p:ph type="title"/>
+          </p:nvPr>
+        </p:nvSpPr>
+        <p:spPr/>
+        <p:txBody>
+          <a:bodyPr/>
+          <a:lstStyle/>
+          <a:p>
+            <a:r>
+              <a:rPr lang="en-US" altLang="ko-KR" dirty="0" smtClean="0"/>
+              <a:t>ELK </a:t>
+            </a:r>
+            <a:r>
+              <a:rPr lang="ko-KR" altLang="en-US" dirty="0" smtClean="0"/>
+              <a:t>실습</a:t>
+            </a:r>
+            <a:endParaRPr lang="ko-KR" altLang="en-US" dirty="0"/>
+          </a:p>
+        </p:txBody>
+      </p:sp>
+      <p:sp>
+        <p:nvSpPr>
+          <p:cNvPr id="5" name="내용 개체 틀 4"/>
+          <p:cNvSpPr>
+            <a:spLocks noGrp="1"/>
+          </p:cNvSpPr>
+          <p:nvPr>
+            <p:ph idx="1"/>
+          </p:nvPr>
+        </p:nvSpPr>
+        <p:spPr/>
+        <p:txBody>
+          <a:bodyPr/>
+          <a:lstStyle/>
+          <a:p>
+            <a:r>
+              <a:rPr lang="ko-KR" altLang="en-US" dirty="0"/>
+              <a:t>사전 작업</a:t>
+            </a:r>
+            <a:endParaRPr lang="en-US" altLang="ko-KR" dirty="0"/>
+          </a:p>
+          <a:p>
+            <a:pPr lvl="1"/>
+            <a:r>
+              <a:rPr lang="en-US" altLang="ko-KR" sz="1200" dirty="0"/>
+              <a:t>ELK </a:t>
+            </a:r>
+            <a:r>
+              <a:rPr lang="ko-KR" altLang="en-US" sz="1200" dirty="0"/>
+              <a:t>를 설치하기 위해 최소 </a:t>
+            </a:r>
+            <a:r>
+              <a:rPr lang="en-US" altLang="ko-KR" sz="1200" dirty="0"/>
+              <a:t>4G</a:t>
+            </a:r>
+            <a:r>
+              <a:rPr lang="ko-KR" altLang="en-US" sz="1200" dirty="0"/>
+              <a:t> 메모리 필요</a:t>
+            </a:r>
+            <a:endParaRPr lang="en-US" altLang="ko-KR" sz="1200" dirty="0"/>
+          </a:p>
+          <a:p>
+            <a:pPr marL="914400" lvl="2" indent="0">
+              <a:buNone/>
+            </a:pPr>
+            <a:r>
+              <a:rPr lang="en-US" altLang="ko-KR" sz="1050" dirty="0" smtClean="0">
+                <a:solidFill>
+                  <a:srgbClr val="FF0000"/>
+                </a:solidFill>
+              </a:rPr>
+              <a:t>(</a:t>
+            </a:r>
+            <a:r>
+              <a:rPr lang="ko-KR" altLang="en-US" sz="1050" dirty="0" smtClean="0">
+                <a:solidFill>
+                  <a:srgbClr val="FF0000"/>
+                </a:solidFill>
+              </a:rPr>
+              <a:t>현재 </a:t>
+            </a:r>
+            <a:r>
+              <a:rPr lang="en-US" altLang="ko-KR" sz="1050" dirty="0">
+                <a:solidFill>
+                  <a:srgbClr val="FF0000"/>
+                </a:solidFill>
+              </a:rPr>
+              <a:t>4G</a:t>
+            </a:r>
+            <a:r>
+              <a:rPr lang="ko-KR" altLang="en-US" sz="1050" dirty="0">
+                <a:solidFill>
+                  <a:srgbClr val="FF0000"/>
+                </a:solidFill>
+              </a:rPr>
+              <a:t> 메모리 노트북으로 인해 </a:t>
+            </a:r>
+            <a:r>
+              <a:rPr lang="en-US" altLang="ko-KR" sz="1050" dirty="0">
+                <a:solidFill>
+                  <a:srgbClr val="FF0000"/>
+                </a:solidFill>
+              </a:rPr>
+              <a:t>Cloud Computer </a:t>
+            </a:r>
+            <a:r>
+              <a:rPr lang="ko-KR" altLang="en-US" sz="1050" dirty="0" smtClean="0">
+                <a:solidFill>
+                  <a:srgbClr val="FF0000"/>
+                </a:solidFill>
+              </a:rPr>
+              <a:t>할당</a:t>
+            </a:r>
+            <a:r>
+              <a:rPr lang="en-US" altLang="ko-KR" sz="1050" dirty="0" smtClean="0">
+                <a:solidFill>
+                  <a:srgbClr val="FF0000"/>
+                </a:solidFill>
+              </a:rPr>
+              <a:t>)</a:t>
+            </a:r>
+            <a:endParaRPr lang="en-US" altLang="ko-KR" sz="1050" dirty="0">
+              <a:solidFill>
+                <a:srgbClr val="FF0000"/>
+              </a:solidFill>
+            </a:endParaRPr>
+          </a:p>
+          <a:p>
+            <a:pPr lvl="1"/>
+            <a:r>
+              <a:rPr lang="en-US" altLang="ko-KR" sz="1200" dirty="0">
+                <a:solidFill>
+                  <a:prstClr val="black"/>
+                </a:solidFill>
+              </a:rPr>
+              <a:t>Nginx </a:t>
+            </a:r>
+            <a:r>
+              <a:rPr lang="ko-KR" altLang="en-US" sz="1200" dirty="0">
+                <a:solidFill>
+                  <a:prstClr val="black"/>
+                </a:solidFill>
+              </a:rPr>
+              <a:t>설치 </a:t>
+            </a:r>
+            <a:r>
+              <a:rPr lang="en-US" altLang="ko-KR" sz="1000" dirty="0"/>
+              <a:t>(</a:t>
+            </a:r>
+            <a:r>
+              <a:rPr lang="en-US" altLang="ko-KR" sz="1200" dirty="0">
+                <a:solidFill>
+                  <a:prstClr val="black"/>
+                </a:solidFill>
+              </a:rPr>
+              <a:t>Apache </a:t>
+            </a:r>
+            <a:r>
+              <a:rPr lang="ko-KR" altLang="en-US" sz="1200" dirty="0">
+                <a:solidFill>
+                  <a:prstClr val="black"/>
+                </a:solidFill>
+              </a:rPr>
+              <a:t>와 같은 </a:t>
+            </a:r>
+            <a:r>
+              <a:rPr lang="en-US" altLang="ko-KR" sz="1200" dirty="0">
+                <a:solidFill>
+                  <a:prstClr val="black"/>
+                </a:solidFill>
+              </a:rPr>
+              <a:t>was)</a:t>
+            </a:r>
+          </a:p>
+          <a:p>
+            <a:pPr lvl="1"/>
+            <a:endParaRPr lang="en-US" altLang="ko-KR" sz="1200" dirty="0">
+              <a:solidFill>
+                <a:prstClr val="black"/>
+              </a:solidFill>
+            </a:endParaRPr>
+          </a:p>
+          <a:p>
+            <a:pPr lvl="1"/>
+            <a:endParaRPr lang="en-US" altLang="ko-KR" sz="1200" dirty="0">
+              <a:solidFill>
+                <a:prstClr val="black"/>
+              </a:solidFill>
+            </a:endParaRPr>
+          </a:p>
+          <a:p>
+            <a:pPr lvl="1"/>
+            <a:endParaRPr lang="en-US" altLang="ko-KR" sz="1200" dirty="0">
+              <a:solidFill>
+                <a:prstClr val="black"/>
+              </a:solidFill>
+            </a:endParaRPr>
+          </a:p>
+          <a:p>
+            <a:pPr lvl="1"/>
+            <a:r>
+              <a:rPr lang="en-US" altLang="ko-KR" sz="1200" dirty="0">
+                <a:solidFill>
+                  <a:prstClr val="black"/>
+                </a:solidFill>
+              </a:rPr>
+              <a:t>JDK </a:t>
+            </a:r>
+            <a:r>
+              <a:rPr lang="ko-KR" altLang="en-US" sz="1200" dirty="0">
+                <a:solidFill>
+                  <a:prstClr val="black"/>
+                </a:solidFill>
+              </a:rPr>
+              <a:t>설치 </a:t>
+            </a:r>
+            <a:r>
+              <a:rPr lang="en-US" altLang="ko-KR" sz="1200" dirty="0">
+                <a:solidFill>
+                  <a:prstClr val="black"/>
+                </a:solidFill>
+              </a:rPr>
+              <a:t>(java version 1.8 </a:t>
+            </a:r>
+            <a:r>
+              <a:rPr lang="ko-KR" altLang="en-US" sz="1200" dirty="0">
+                <a:solidFill>
+                  <a:prstClr val="black"/>
+                </a:solidFill>
+              </a:rPr>
+              <a:t>이상 권장</a:t>
+            </a:r>
+            <a:r>
+              <a:rPr lang="en-US" altLang="ko-KR" sz="1200" dirty="0" smtClean="0">
+                <a:solidFill>
+                  <a:prstClr val="black"/>
+                </a:solidFill>
+              </a:rPr>
+              <a:t>)</a:t>
+            </a:r>
+          </a:p>
+          <a:p>
+            <a:pPr lvl="1"/>
+            <a:endParaRPr lang="en-US" altLang="ko-KR" sz="1200" dirty="0">
+              <a:solidFill>
+                <a:prstClr val="black"/>
+              </a:solidFill>
+            </a:endParaRPr>
+          </a:p>
+          <a:p>
+            <a:pPr lvl="1"/>
+            <a:endParaRPr lang="en-US" altLang="ko-KR" sz="1200" dirty="0" smtClean="0">
+              <a:solidFill>
+                <a:prstClr val="black"/>
+              </a:solidFill>
+            </a:endParaRPr>
+          </a:p>
+          <a:p>
+            <a:pPr lvl="1"/>
+            <a:r>
+              <a:rPr lang="ko-KR" altLang="en-US" sz="1200" dirty="0" smtClean="0">
+                <a:solidFill>
+                  <a:prstClr val="black"/>
+                </a:solidFill>
+              </a:rPr>
+              <a:t>포트 설정</a:t>
+            </a:r>
+            <a:endParaRPr lang="en-US" altLang="ko-KR" sz="1200" dirty="0" smtClean="0">
+              <a:solidFill>
+                <a:prstClr val="black"/>
+              </a:solidFill>
+            </a:endParaRPr>
+          </a:p>
+          <a:p>
+            <a:pPr lvl="2"/>
+            <a:r>
+              <a:rPr lang="ko-KR" altLang="en-US" sz="1200" dirty="0" smtClean="0">
+                <a:solidFill>
+                  <a:prstClr val="black"/>
+                </a:solidFill>
+              </a:rPr>
+              <a:t>외부 접근 권한 추가 </a:t>
+            </a:r>
+            <a:r>
+              <a:rPr lang="en-US" altLang="ko-KR" sz="1200" dirty="0" smtClean="0">
+                <a:solidFill>
+                  <a:prstClr val="black"/>
+                </a:solidFill>
+              </a:rPr>
+              <a:t>http (80)</a:t>
+            </a:r>
+            <a:endParaRPr lang="en-US" altLang="ko-KR" sz="1200" dirty="0">
+              <a:solidFill>
+                <a:prstClr val="black"/>
+              </a:solidFill>
+            </a:endParaRPr>
+          </a:p>
+          <a:p>
+            <a:pPr lvl="1"/>
+            <a:endParaRPr lang="en-US" altLang="ko-KR" sz="1200" dirty="0">
+              <a:solidFill>
+                <a:prstClr val="black"/>
+              </a:solidFill>
+            </a:endParaRPr>
+          </a:p>
+          <a:p>
+            <a:endParaRPr lang="ko-KR" altLang="en-US" dirty="0"/>
+          </a:p>
+        </p:txBody>
+      </p:sp>
+      <p:sp>
+        <p:nvSpPr>
+          <p:cNvPr id="6" name="내용 개체 틀 5"/>
+          <p:cNvSpPr>
+            <a:spLocks noGrp="1"/>
+          </p:cNvSpPr>
+          <p:nvPr>
+            <p:ph idx="13"/>
+          </p:nvPr>
+        </p:nvSpPr>
+        <p:spPr>
+          <a:xfrm>
+            <a:off x="4953000" y="1520825"/>
+            <a:ext cx="4679950" cy="468015"/>
+          </a:xfrm>
+        </p:spPr>
+        <p:txBody>
+          <a:bodyPr/>
+          <a:lstStyle/>
+          <a:p>
+            <a:r>
+              <a:rPr lang="en-US" altLang="ko-KR" dirty="0" err="1" smtClean="0"/>
+              <a:t>Elasticsearch</a:t>
+            </a:r>
+            <a:r>
+              <a:rPr lang="en-US" altLang="ko-KR" dirty="0" smtClean="0"/>
+              <a:t> </a:t>
+            </a:r>
+            <a:r>
+              <a:rPr lang="ko-KR" altLang="en-US" dirty="0" smtClean="0"/>
+              <a:t>설치 및 실행</a:t>
+            </a:r>
+            <a:endParaRPr lang="en-US" altLang="ko-KR" dirty="0" smtClean="0"/>
+          </a:p>
+        </p:txBody>
+      </p:sp>
+      <p:sp>
+        <p:nvSpPr>
+          <p:cNvPr id="9" name="내용 개체 틀 8"/>
+          <p:cNvSpPr>
+            <a:spLocks noGrp="1"/>
+          </p:cNvSpPr>
+          <p:nvPr>
+            <p:ph idx="14"/>
+          </p:nvPr>
+        </p:nvSpPr>
+        <p:spPr/>
+        <p:txBody>
+          <a:bodyPr/>
+          <a:lstStyle/>
+          <a:p>
+            <a:r>
+              <a:rPr lang="ko-KR" altLang="en-US" dirty="0"/>
+              <a:t>간단하게 실습을 하면서 </a:t>
+            </a:r>
+            <a:r>
+              <a:rPr lang="en-US" altLang="ko-KR" dirty="0"/>
+              <a:t>ELK</a:t>
+            </a:r>
+            <a:r>
+              <a:rPr lang="ko-KR" altLang="en-US" dirty="0"/>
+              <a:t> 활용 및 가능성을 </a:t>
+            </a:r>
+            <a:r>
+              <a:rPr lang="ko-KR" altLang="en-US" dirty="0" smtClean="0"/>
+              <a:t>파악</a:t>
+            </a:r>
+            <a:endParaRPr lang="ko-KR" altLang="en-US" dirty="0"/>
+          </a:p>
+        </p:txBody>
+      </p:sp>
+      <p:sp>
+        <p:nvSpPr>
+          <p:cNvPr id="7" name="Rectangle 4"/>
+          <p:cNvSpPr>
+            <a:spLocks noChangeArrowheads="1"/>
+          </p:cNvSpPr>
+          <p:nvPr/>
+        </p:nvSpPr>
+        <p:spPr bwMode="auto">
+          <a:xfrm>
+            <a:off x="632520" y="2837460"/>
+            <a:ext cx="4148893" cy="861774"/>
+          </a:xfrm>
+          <a:prstGeom prst="rect">
+            <a:avLst/>
+          </a:prstGeom>
+          <a:solidFill>
+            <a:srgbClr val="EEFEFE"/>
+          </a:solidFill>
+          <a:ln>
+            <a:noFill/>
+          </a:ln>
+          <a:effectLst/>
+          <a:extLst>
+            <a:ext uri="{91240B29-F687-4F45-9708-019B960494DF}">
+              <a14:hiddenLine xmlns:a14="http://schemas.microsoft.com/office/drawing/2010/main" w="9525">
+                <a:solidFill>
+                  <a:schemeClr val="tx1"/>
+                </a:solidFill>
+                <a:miter lim="800000"/>
+                <a:headEnd/>
+                <a:tailEnd/>
+              </a14:hiddenLine>
+            </a:ext>
+            <a:ext uri="{AF507438-7753-43E0-B8FC-AC1667EBCBE1}">
+              <a14:hiddenEffects xmlns:a14="http://schemas.microsoft.com/office/drawing/2010/main">
+                <a:effectLst>
+                  <a:outerShdw dist="35921" dir="2700000" algn="ctr" rotWithShape="0">
+                    <a:schemeClr val="bg2"/>
+                  </a:outerShdw>
+                </a:effectLst>
+              </a14:hiddenEffects>
+            </a:ext>
+          </a:extLst>
+        </p:spPr>
+        <p:txBody>
+          <a:bodyPr vert="horz" wrap="none" lIns="91440" tIns="45720" rIns="91440" bIns="45720" numCol="1" anchor="ctr" anchorCtr="0" compatLnSpc="1">
+            <a:prstTxWarp prst="textNoShape">
+              <a:avLst/>
+            </a:prstTxWarp>
+            <a:spAutoFit/>
+          </a:bodyPr>
+          <a:lstStyle/>
+          <a:p>
+            <a:pPr marL="0" marR="0" lvl="0" indent="0" algn="l" defTabSz="914400" rtl="0" eaLnBrk="1" fontAlgn="base" latinLnBrk="1" hangingPunct="1">
+              <a:lnSpc>
+                <a:spcPct val="100000"/>
+              </a:lnSpc>
+              <a:spcBef>
+                <a:spcPct val="0"/>
+              </a:spcBef>
+              <a:spcAft>
+                <a:spcPct val="0"/>
+              </a:spcAft>
+              <a:buClrTx/>
+              <a:buSzTx/>
+              <a:buFontTx/>
+              <a:buNone/>
+              <a:tabLst/>
+            </a:pPr>
+            <a:r>
+              <a:rPr kumimoji="1" lang="ko-KR" altLang="ko-KR" sz="1000" b="0" i="0" u="none" strike="noStrike" cap="none" normalizeH="0" baseline="0" dirty="0" smtClean="0">
+                <a:ln>
+                  <a:noFill/>
+                </a:ln>
+                <a:solidFill>
+                  <a:srgbClr val="000000"/>
+                </a:solidFill>
+                <a:effectLst/>
+                <a:latin typeface="Arial Unicode MS" pitchFamily="50" charset="-127"/>
+                <a:ea typeface="굴림" pitchFamily="50" charset="-127"/>
+                <a:cs typeface="굴림" pitchFamily="50" charset="-127"/>
+              </a:rPr>
+              <a:t>sudo yum install nginx -y </a:t>
+            </a:r>
+            <a:endParaRPr kumimoji="1" lang="en-US" altLang="ko-KR" sz="1000" b="0" i="0" u="none" strike="noStrike" cap="none" normalizeH="0" baseline="0" dirty="0" smtClean="0">
+              <a:ln>
+                <a:noFill/>
+              </a:ln>
+              <a:solidFill>
+                <a:srgbClr val="000000"/>
+              </a:solidFill>
+              <a:effectLst/>
+              <a:latin typeface="Arial Unicode MS" pitchFamily="50" charset="-127"/>
+              <a:ea typeface="굴림" pitchFamily="50" charset="-127"/>
+              <a:cs typeface="굴림" pitchFamily="50" charset="-127"/>
+            </a:endParaRPr>
+          </a:p>
+          <a:p>
+            <a:pPr marL="0" marR="0" lvl="0" indent="0" algn="l" defTabSz="914400" rtl="0" eaLnBrk="1" fontAlgn="base" latinLnBrk="1" hangingPunct="1">
+              <a:lnSpc>
+                <a:spcPct val="100000"/>
+              </a:lnSpc>
+              <a:spcBef>
+                <a:spcPct val="0"/>
+              </a:spcBef>
+              <a:spcAft>
+                <a:spcPct val="0"/>
+              </a:spcAft>
+              <a:buClrTx/>
+              <a:buSzTx/>
+              <a:buFontTx/>
+              <a:buNone/>
+              <a:tabLst/>
+            </a:pPr>
+            <a:r>
+              <a:rPr kumimoji="1" lang="ko-KR" altLang="ko-KR" sz="1000" b="0" i="0" u="none" strike="noStrike" cap="none" normalizeH="0" baseline="0" dirty="0" smtClean="0">
+                <a:ln>
+                  <a:noFill/>
+                </a:ln>
+                <a:solidFill>
+                  <a:srgbClr val="000000"/>
+                </a:solidFill>
+                <a:effectLst/>
+                <a:latin typeface="Arial Unicode MS" pitchFamily="50" charset="-127"/>
+                <a:ea typeface="굴림" pitchFamily="50" charset="-127"/>
+                <a:cs typeface="굴림" pitchFamily="50" charset="-127"/>
+              </a:rPr>
+              <a:t>sudo service nginx start </a:t>
+            </a:r>
+            <a:endParaRPr kumimoji="1" lang="en-US" altLang="ko-KR" sz="1000" b="0" i="0" u="none" strike="noStrike" cap="none" normalizeH="0" baseline="0" dirty="0" smtClean="0">
+              <a:ln>
+                <a:noFill/>
+              </a:ln>
+              <a:solidFill>
+                <a:srgbClr val="000000"/>
+              </a:solidFill>
+              <a:effectLst/>
+              <a:latin typeface="Arial Unicode MS" pitchFamily="50" charset="-127"/>
+              <a:ea typeface="굴림" pitchFamily="50" charset="-127"/>
+              <a:cs typeface="굴림" pitchFamily="50" charset="-127"/>
+            </a:endParaRPr>
+          </a:p>
+          <a:p>
+            <a:pPr marL="0" marR="0" lvl="0" indent="0" algn="l" defTabSz="914400" rtl="0" eaLnBrk="1" fontAlgn="base" latinLnBrk="1" hangingPunct="1">
+              <a:lnSpc>
+                <a:spcPct val="100000"/>
+              </a:lnSpc>
+              <a:spcBef>
+                <a:spcPct val="0"/>
+              </a:spcBef>
+              <a:spcAft>
+                <a:spcPct val="0"/>
+              </a:spcAft>
+              <a:buClrTx/>
+              <a:buSzTx/>
+              <a:buFontTx/>
+              <a:buNone/>
+              <a:tabLst/>
+            </a:pPr>
+            <a:r>
+              <a:rPr kumimoji="1" lang="ko-KR" altLang="ko-KR" sz="1000" b="0" i="0" u="none" strike="noStrike" cap="none" normalizeH="0" baseline="0" dirty="0" smtClean="0">
+                <a:ln>
+                  <a:noFill/>
+                </a:ln>
+                <a:solidFill>
+                  <a:srgbClr val="000000"/>
+                </a:solidFill>
+                <a:effectLst/>
+                <a:latin typeface="Arial Unicode MS" pitchFamily="50" charset="-127"/>
+                <a:ea typeface="굴림" pitchFamily="50" charset="-127"/>
+                <a:cs typeface="굴림" pitchFamily="50" charset="-127"/>
+              </a:rPr>
+              <a:t>curl -i http://localhost </a:t>
+            </a:r>
+            <a:endParaRPr kumimoji="1" lang="en-US" altLang="ko-KR" sz="1000" b="0" i="0" u="none" strike="noStrike" cap="none" normalizeH="0" baseline="0" dirty="0" smtClean="0">
+              <a:ln>
+                <a:noFill/>
+              </a:ln>
+              <a:solidFill>
+                <a:srgbClr val="000000"/>
+              </a:solidFill>
+              <a:effectLst/>
+              <a:latin typeface="Arial Unicode MS" pitchFamily="50" charset="-127"/>
+              <a:ea typeface="굴림" pitchFamily="50" charset="-127"/>
+              <a:cs typeface="굴림" pitchFamily="50" charset="-127"/>
+            </a:endParaRPr>
+          </a:p>
+          <a:p>
+            <a:pPr marL="0" marR="0" lvl="0" indent="0" algn="l" defTabSz="914400" rtl="0" eaLnBrk="1" fontAlgn="base" latinLnBrk="1" hangingPunct="1">
+              <a:lnSpc>
+                <a:spcPct val="100000"/>
+              </a:lnSpc>
+              <a:spcBef>
+                <a:spcPct val="0"/>
+              </a:spcBef>
+              <a:spcAft>
+                <a:spcPct val="0"/>
+              </a:spcAft>
+              <a:buClrTx/>
+              <a:buSzTx/>
+              <a:buFontTx/>
+              <a:buNone/>
+              <a:tabLst/>
+            </a:pPr>
+            <a:r>
+              <a:rPr kumimoji="1" lang="ko-KR" altLang="ko-KR" sz="1000" b="0" i="0" u="none" strike="noStrike" cap="none" normalizeH="0" baseline="0" dirty="0" smtClean="0">
+                <a:ln>
+                  <a:noFill/>
+                </a:ln>
+                <a:solidFill>
+                  <a:srgbClr val="000000"/>
+                </a:solidFill>
+                <a:effectLst/>
+                <a:latin typeface="Arial Unicode MS" pitchFamily="50" charset="-127"/>
+                <a:ea typeface="굴림" pitchFamily="50" charset="-127"/>
+                <a:cs typeface="굴림" pitchFamily="50" charset="-127"/>
+              </a:rPr>
+              <a:t>sudo chown -R ec2-user:ec2-user /var/log/nginx /usr/share/nginx/html </a:t>
+            </a:r>
+            <a:endParaRPr kumimoji="1" lang="en-US" altLang="ko-KR" sz="1000" b="0" i="0" u="none" strike="noStrike" cap="none" normalizeH="0" baseline="0" dirty="0" smtClean="0">
+              <a:ln>
+                <a:noFill/>
+              </a:ln>
+              <a:solidFill>
+                <a:srgbClr val="000000"/>
+              </a:solidFill>
+              <a:effectLst/>
+              <a:latin typeface="Arial Unicode MS" pitchFamily="50" charset="-127"/>
+              <a:ea typeface="굴림" pitchFamily="50" charset="-127"/>
+              <a:cs typeface="굴림" pitchFamily="50" charset="-127"/>
+            </a:endParaRPr>
+          </a:p>
+          <a:p>
+            <a:pPr marL="0" marR="0" lvl="0" indent="0" algn="l" defTabSz="914400" rtl="0" eaLnBrk="1" fontAlgn="base" latinLnBrk="1" hangingPunct="1">
+              <a:lnSpc>
+                <a:spcPct val="100000"/>
+              </a:lnSpc>
+              <a:spcBef>
+                <a:spcPct val="0"/>
+              </a:spcBef>
+              <a:spcAft>
+                <a:spcPct val="0"/>
+              </a:spcAft>
+              <a:buClrTx/>
+              <a:buSzTx/>
+              <a:buFontTx/>
+              <a:buNone/>
+              <a:tabLst/>
+            </a:pPr>
+            <a:r>
+              <a:rPr kumimoji="1" lang="ko-KR" altLang="ko-KR" sz="1000" b="0" i="0" u="none" strike="noStrike" cap="none" normalizeH="0" baseline="0" dirty="0" smtClean="0">
+                <a:ln>
+                  <a:noFill/>
+                </a:ln>
+                <a:solidFill>
+                  <a:srgbClr val="000000"/>
+                </a:solidFill>
+                <a:effectLst/>
+                <a:latin typeface="Arial Unicode MS" pitchFamily="50" charset="-127"/>
+                <a:ea typeface="굴림" pitchFamily="50" charset="-127"/>
+                <a:cs typeface="굴림" pitchFamily="50" charset="-127"/>
+              </a:rPr>
+              <a:t>echo "&lt;h1&gt;Hello World&lt;/h1&gt;" &gt; /usr/share/nginx/html/hello.html</a:t>
+            </a:r>
+            <a:r>
+              <a:rPr kumimoji="1" lang="ko-KR" altLang="ko-KR" sz="600" b="0" i="0" u="none" strike="noStrike" cap="none" normalizeH="0" baseline="0" dirty="0" smtClean="0">
+                <a:ln>
+                  <a:noFill/>
+                </a:ln>
+                <a:solidFill>
+                  <a:schemeClr val="tx1"/>
+                </a:solidFill>
+                <a:effectLst/>
+                <a:latin typeface="굴림" pitchFamily="50" charset="-127"/>
+                <a:ea typeface="굴림" pitchFamily="50" charset="-127"/>
+                <a:cs typeface="굴림" pitchFamily="50" charset="-127"/>
+              </a:rPr>
+              <a:t> </a:t>
+            </a:r>
+            <a:endParaRPr kumimoji="1" lang="ko-KR" altLang="ko-KR" sz="1800" b="0" i="0" u="none" strike="noStrike" cap="none" normalizeH="0" baseline="0" dirty="0" smtClean="0">
+              <a:ln>
+                <a:noFill/>
+              </a:ln>
+              <a:solidFill>
+                <a:schemeClr val="tx1"/>
+              </a:solidFill>
+              <a:effectLst/>
+              <a:latin typeface="굴림" pitchFamily="50" charset="-127"/>
+              <a:ea typeface="굴림" pitchFamily="50" charset="-127"/>
+              <a:cs typeface="굴림" pitchFamily="50" charset="-127"/>
+            </a:endParaRPr>
+          </a:p>
+        </p:txBody>
+      </p:sp>
+      <p:sp>
+        <p:nvSpPr>
+          <p:cNvPr id="8" name="Rectangle 5"/>
+          <p:cNvSpPr>
+            <a:spLocks noChangeArrowheads="1"/>
+          </p:cNvSpPr>
+          <p:nvPr/>
+        </p:nvSpPr>
+        <p:spPr bwMode="auto">
+          <a:xfrm>
+            <a:off x="632520" y="4145014"/>
+            <a:ext cx="3145413" cy="400110"/>
+          </a:xfrm>
+          <a:prstGeom prst="rect">
+            <a:avLst/>
+          </a:prstGeom>
+          <a:solidFill>
+            <a:srgbClr val="EEFEFE"/>
+          </a:solidFill>
+          <a:ln>
+            <a:noFill/>
+          </a:ln>
+          <a:effectLst/>
+          <a:extLst>
+            <a:ext uri="{91240B29-F687-4F45-9708-019B960494DF}">
+              <a14:hiddenLine xmlns:a14="http://schemas.microsoft.com/office/drawing/2010/main" w="9525">
+                <a:solidFill>
+                  <a:schemeClr val="tx1"/>
+                </a:solidFill>
+                <a:miter lim="800000"/>
+                <a:headEnd/>
+                <a:tailEnd/>
+              </a14:hiddenLine>
+            </a:ext>
+            <a:ext uri="{AF507438-7753-43E0-B8FC-AC1667EBCBE1}">
+              <a14:hiddenEffects xmlns:a14="http://schemas.microsoft.com/office/drawing/2010/main">
+                <a:effectLst>
+                  <a:outerShdw dist="35921" dir="2700000" algn="ctr" rotWithShape="0">
+                    <a:schemeClr val="bg2"/>
+                  </a:outerShdw>
+                </a:effectLst>
+              </a14:hiddenEffects>
+            </a:ext>
+          </a:extLst>
+        </p:spPr>
+        <p:txBody>
+          <a:bodyPr vert="horz" wrap="none" lIns="91440" tIns="45720" rIns="91440" bIns="45720" numCol="1" anchor="ctr" anchorCtr="0" compatLnSpc="1">
+            <a:prstTxWarp prst="textNoShape">
+              <a:avLst/>
+            </a:prstTxWarp>
+            <a:spAutoFit/>
+          </a:bodyPr>
+          <a:lstStyle/>
+          <a:p>
+            <a:pPr marL="0" marR="0" lvl="0" indent="0" algn="l" defTabSz="914400" rtl="0" eaLnBrk="1" fontAlgn="base" latinLnBrk="1" hangingPunct="1">
+              <a:lnSpc>
+                <a:spcPct val="100000"/>
+              </a:lnSpc>
+              <a:spcBef>
+                <a:spcPct val="0"/>
+              </a:spcBef>
+              <a:spcAft>
+                <a:spcPct val="0"/>
+              </a:spcAft>
+              <a:buClrTx/>
+              <a:buSzTx/>
+              <a:buFontTx/>
+              <a:buNone/>
+              <a:tabLst/>
+            </a:pPr>
+            <a:r>
+              <a:rPr kumimoji="1" lang="ko-KR" altLang="ko-KR" sz="1000" b="0" i="0" u="none" strike="noStrike" cap="none" normalizeH="0" baseline="0" dirty="0" smtClean="0">
+                <a:ln>
+                  <a:noFill/>
+                </a:ln>
+                <a:solidFill>
+                  <a:srgbClr val="000000"/>
+                </a:solidFill>
+                <a:effectLst/>
+                <a:latin typeface="Arial Unicode MS" pitchFamily="50" charset="-127"/>
+                <a:ea typeface="굴림" pitchFamily="50" charset="-127"/>
+                <a:cs typeface="굴림" pitchFamily="50" charset="-127"/>
+              </a:rPr>
+              <a:t>sudo yum remove java-1.7.0-openjdk.x86_64 -y </a:t>
+            </a:r>
+            <a:endParaRPr kumimoji="1" lang="en-US" altLang="ko-KR" sz="1000" b="0" i="0" u="none" strike="noStrike" cap="none" normalizeH="0" baseline="0" dirty="0" smtClean="0">
+              <a:ln>
+                <a:noFill/>
+              </a:ln>
+              <a:solidFill>
+                <a:srgbClr val="000000"/>
+              </a:solidFill>
+              <a:effectLst/>
+              <a:latin typeface="Arial Unicode MS" pitchFamily="50" charset="-127"/>
+              <a:ea typeface="굴림" pitchFamily="50" charset="-127"/>
+              <a:cs typeface="굴림" pitchFamily="50" charset="-127"/>
+            </a:endParaRPr>
+          </a:p>
+          <a:p>
+            <a:pPr marL="0" marR="0" lvl="0" indent="0" algn="l" defTabSz="914400" rtl="0" eaLnBrk="1" fontAlgn="base" latinLnBrk="1" hangingPunct="1">
+              <a:lnSpc>
+                <a:spcPct val="100000"/>
+              </a:lnSpc>
+              <a:spcBef>
+                <a:spcPct val="0"/>
+              </a:spcBef>
+              <a:spcAft>
+                <a:spcPct val="0"/>
+              </a:spcAft>
+              <a:buClrTx/>
+              <a:buSzTx/>
+              <a:buFontTx/>
+              <a:buNone/>
+              <a:tabLst/>
+            </a:pPr>
+            <a:r>
+              <a:rPr kumimoji="1" lang="ko-KR" altLang="ko-KR" sz="1000" b="0" i="0" u="none" strike="noStrike" cap="none" normalizeH="0" baseline="0" dirty="0" smtClean="0">
+                <a:ln>
+                  <a:noFill/>
+                </a:ln>
+                <a:solidFill>
+                  <a:srgbClr val="000000"/>
+                </a:solidFill>
+                <a:effectLst/>
+                <a:latin typeface="Arial Unicode MS" pitchFamily="50" charset="-127"/>
+                <a:ea typeface="굴림" pitchFamily="50" charset="-127"/>
+                <a:cs typeface="굴림" pitchFamily="50" charset="-127"/>
+              </a:rPr>
+              <a:t>sudo yum install java-1.8.0-openjdk-devel.x86_64 -y</a:t>
+            </a:r>
+            <a:r>
+              <a:rPr kumimoji="1" lang="ko-KR" altLang="ko-KR" sz="600" b="0" i="0" u="none" strike="noStrike" cap="none" normalizeH="0" baseline="0" dirty="0" smtClean="0">
+                <a:ln>
+                  <a:noFill/>
+                </a:ln>
+                <a:solidFill>
+                  <a:schemeClr val="tx1"/>
+                </a:solidFill>
+                <a:effectLst/>
+                <a:latin typeface="굴림" pitchFamily="50" charset="-127"/>
+                <a:ea typeface="굴림" pitchFamily="50" charset="-127"/>
+                <a:cs typeface="굴림" pitchFamily="50" charset="-127"/>
+              </a:rPr>
+              <a:t> </a:t>
+            </a:r>
+            <a:endParaRPr kumimoji="1" lang="ko-KR" altLang="ko-KR" sz="1800" b="0" i="0" u="none" strike="noStrike" cap="none" normalizeH="0" baseline="0" dirty="0" smtClean="0">
+              <a:ln>
+                <a:noFill/>
+              </a:ln>
+              <a:solidFill>
+                <a:schemeClr val="tx1"/>
+              </a:solidFill>
+              <a:effectLst/>
+              <a:latin typeface="굴림" pitchFamily="50" charset="-127"/>
+              <a:ea typeface="굴림" pitchFamily="50" charset="-127"/>
+              <a:cs typeface="굴림" pitchFamily="50" charset="-127"/>
+            </a:endParaRPr>
+          </a:p>
+        </p:txBody>
+      </p:sp>
+      <p:sp>
+        <p:nvSpPr>
+          <p:cNvPr id="10" name="Rectangle 6"/>
+          <p:cNvSpPr>
+            <a:spLocks noChangeArrowheads="1"/>
+          </p:cNvSpPr>
+          <p:nvPr/>
+        </p:nvSpPr>
+        <p:spPr bwMode="auto">
+          <a:xfrm>
+            <a:off x="4989004" y="1988840"/>
+            <a:ext cx="4536504" cy="1323439"/>
+          </a:xfrm>
+          <a:prstGeom prst="rect">
+            <a:avLst/>
+          </a:prstGeom>
+          <a:solidFill>
+            <a:srgbClr val="EEFEFE"/>
+          </a:solidFill>
+          <a:ln>
+            <a:noFill/>
+          </a:ln>
+          <a:effectLst/>
+          <a:extLst>
+            <a:ext uri="{91240B29-F687-4F45-9708-019B960494DF}">
+              <a14:hiddenLine xmlns:a14="http://schemas.microsoft.com/office/drawing/2010/main" w="9525">
+                <a:solidFill>
+                  <a:schemeClr val="tx1"/>
+                </a:solidFill>
+                <a:miter lim="800000"/>
+                <a:headEnd/>
+                <a:tailEnd/>
+              </a14:hiddenLine>
+            </a:ext>
+            <a:ext uri="{AF507438-7753-43E0-B8FC-AC1667EBCBE1}">
+              <a14:hiddenEffects xmlns:a14="http://schemas.microsoft.com/office/drawing/2010/main">
+                <a:effectLst>
+                  <a:outerShdw dist="35921" dir="2700000" algn="ctr" rotWithShape="0">
+                    <a:schemeClr val="bg2"/>
+                  </a:outerShdw>
+                </a:effectLst>
+              </a14:hiddenEffects>
+            </a:ext>
+          </a:extLst>
+        </p:spPr>
+        <p:txBody>
+          <a:bodyPr vert="horz" wrap="square" lIns="91440" tIns="45720" rIns="91440" bIns="45720" numCol="1" anchor="ctr" anchorCtr="0" compatLnSpc="1">
+            <a:prstTxWarp prst="textNoShape">
+              <a:avLst/>
+            </a:prstTxWarp>
+            <a:spAutoFit/>
+          </a:bodyPr>
+          <a:lstStyle/>
+          <a:p>
+            <a:pPr marL="0" marR="0" lvl="0" indent="0" algn="l" defTabSz="914400" rtl="0" eaLnBrk="1" fontAlgn="base" latinLnBrk="1" hangingPunct="1">
+              <a:lnSpc>
+                <a:spcPct val="100000"/>
+              </a:lnSpc>
+              <a:spcBef>
+                <a:spcPct val="0"/>
+              </a:spcBef>
+              <a:spcAft>
+                <a:spcPct val="0"/>
+              </a:spcAft>
+              <a:buClrTx/>
+              <a:buSzTx/>
+              <a:buFontTx/>
+              <a:buNone/>
+              <a:tabLst/>
+            </a:pPr>
+            <a:r>
+              <a:rPr kumimoji="1" lang="ko-KR" altLang="ko-KR" sz="1000" b="0" i="0" u="none" strike="noStrike" cap="none" normalizeH="0" baseline="0" dirty="0" smtClean="0">
+                <a:ln>
+                  <a:noFill/>
+                </a:ln>
+                <a:solidFill>
+                  <a:srgbClr val="000000"/>
+                </a:solidFill>
+                <a:effectLst/>
+                <a:latin typeface="Arial Unicode MS" pitchFamily="50" charset="-127"/>
+                <a:ea typeface="굴림" pitchFamily="50" charset="-127"/>
+                <a:cs typeface="굴림" pitchFamily="50" charset="-127"/>
+              </a:rPr>
+              <a:t>mkdir ~/local </a:t>
+            </a:r>
+            <a:endParaRPr kumimoji="1" lang="en-US" altLang="ko-KR" sz="1000" b="0" i="0" u="none" strike="noStrike" cap="none" normalizeH="0" baseline="0" dirty="0" smtClean="0">
+              <a:ln>
+                <a:noFill/>
+              </a:ln>
+              <a:solidFill>
+                <a:srgbClr val="000000"/>
+              </a:solidFill>
+              <a:effectLst/>
+              <a:latin typeface="Arial Unicode MS" pitchFamily="50" charset="-127"/>
+              <a:ea typeface="굴림" pitchFamily="50" charset="-127"/>
+              <a:cs typeface="굴림" pitchFamily="50" charset="-127"/>
+            </a:endParaRPr>
+          </a:p>
+          <a:p>
+            <a:pPr marL="0" marR="0" lvl="0" indent="0" algn="l" defTabSz="914400" rtl="0" eaLnBrk="1" fontAlgn="base" latinLnBrk="1" hangingPunct="1">
+              <a:lnSpc>
+                <a:spcPct val="100000"/>
+              </a:lnSpc>
+              <a:spcBef>
+                <a:spcPct val="0"/>
+              </a:spcBef>
+              <a:spcAft>
+                <a:spcPct val="0"/>
+              </a:spcAft>
+              <a:buClrTx/>
+              <a:buSzTx/>
+              <a:buFontTx/>
+              <a:buNone/>
+              <a:tabLst/>
+            </a:pPr>
+            <a:r>
+              <a:rPr kumimoji="1" lang="ko-KR" altLang="ko-KR" sz="1000" b="0" i="0" u="none" strike="noStrike" cap="none" normalizeH="0" baseline="0" dirty="0" smtClean="0">
+                <a:ln>
+                  <a:noFill/>
+                </a:ln>
+                <a:solidFill>
+                  <a:srgbClr val="000000"/>
+                </a:solidFill>
+                <a:effectLst/>
+                <a:latin typeface="Arial Unicode MS" pitchFamily="50" charset="-127"/>
+                <a:ea typeface="굴림" pitchFamily="50" charset="-127"/>
+                <a:cs typeface="굴림" pitchFamily="50" charset="-127"/>
+              </a:rPr>
+              <a:t>cd ~/local </a:t>
+            </a:r>
+            <a:endParaRPr kumimoji="1" lang="en-US" altLang="ko-KR" sz="1000" b="0" i="0" u="none" strike="noStrike" cap="none" normalizeH="0" baseline="0" dirty="0" smtClean="0">
+              <a:ln>
+                <a:noFill/>
+              </a:ln>
+              <a:solidFill>
+                <a:srgbClr val="000000"/>
+              </a:solidFill>
+              <a:effectLst/>
+              <a:latin typeface="Arial Unicode MS" pitchFamily="50" charset="-127"/>
+              <a:ea typeface="굴림" pitchFamily="50" charset="-127"/>
+              <a:cs typeface="굴림" pitchFamily="50" charset="-127"/>
+            </a:endParaRPr>
+          </a:p>
+          <a:p>
+            <a:pPr marL="0" marR="0" lvl="0" indent="0" algn="l" defTabSz="914400" rtl="0" eaLnBrk="1" fontAlgn="base" latinLnBrk="1" hangingPunct="1">
+              <a:lnSpc>
+                <a:spcPct val="100000"/>
+              </a:lnSpc>
+              <a:spcBef>
+                <a:spcPct val="0"/>
+              </a:spcBef>
+              <a:spcAft>
+                <a:spcPct val="0"/>
+              </a:spcAft>
+              <a:buClrTx/>
+              <a:buSzTx/>
+              <a:buFontTx/>
+              <a:buNone/>
+              <a:tabLst/>
+            </a:pPr>
+            <a:r>
+              <a:rPr kumimoji="1" lang="ko-KR" altLang="ko-KR" sz="1000" b="0" i="0" u="none" strike="noStrike" cap="none" normalizeH="0" baseline="0" dirty="0" smtClean="0">
+                <a:ln>
+                  <a:noFill/>
+                </a:ln>
+                <a:solidFill>
+                  <a:srgbClr val="000000"/>
+                </a:solidFill>
+                <a:effectLst/>
+                <a:latin typeface="Arial Unicode MS" pitchFamily="50" charset="-127"/>
+                <a:ea typeface="굴림" pitchFamily="50" charset="-127"/>
+                <a:cs typeface="굴림" pitchFamily="50" charset="-127"/>
+              </a:rPr>
+              <a:t>wget</a:t>
+            </a:r>
+            <a:r>
+              <a:rPr kumimoji="1" lang="en-US" altLang="ko-KR" sz="1000" b="0" i="0" u="none" strike="noStrike" cap="none" normalizeH="0" dirty="0" smtClean="0">
+                <a:ln>
+                  <a:noFill/>
+                </a:ln>
+                <a:solidFill>
+                  <a:srgbClr val="000000"/>
+                </a:solidFill>
+                <a:effectLst/>
+                <a:latin typeface="Arial Unicode MS" pitchFamily="50" charset="-127"/>
+                <a:ea typeface="굴림" pitchFamily="50" charset="-127"/>
+                <a:cs typeface="굴림" pitchFamily="50" charset="-127"/>
+              </a:rPr>
+              <a:t> </a:t>
+            </a:r>
+            <a:r>
+              <a:rPr kumimoji="1" lang="ko-KR" altLang="ko-KR" sz="1000" b="0" i="0" u="none" strike="noStrike" cap="none" normalizeH="0" baseline="0" dirty="0" smtClean="0">
+                <a:ln>
+                  <a:noFill/>
+                </a:ln>
+                <a:solidFill>
+                  <a:srgbClr val="000000"/>
+                </a:solidFill>
+                <a:effectLst/>
+                <a:latin typeface="Arial Unicode MS" pitchFamily="50" charset="-127"/>
+                <a:ea typeface="굴림" pitchFamily="50" charset="-127"/>
+                <a:cs typeface="굴림" pitchFamily="50" charset="-127"/>
+              </a:rPr>
+              <a:t>https://artifacts.elastic.co/downloads/elasticsearch/elasticsearch-5.3.0.tar.gz </a:t>
+            </a:r>
+            <a:endParaRPr kumimoji="1" lang="en-US" altLang="ko-KR" sz="1000" b="0" i="0" u="none" strike="noStrike" cap="none" normalizeH="0" baseline="0" dirty="0" smtClean="0">
+              <a:ln>
+                <a:noFill/>
+              </a:ln>
+              <a:solidFill>
+                <a:srgbClr val="000000"/>
+              </a:solidFill>
+              <a:effectLst/>
+              <a:latin typeface="Arial Unicode MS" pitchFamily="50" charset="-127"/>
+              <a:ea typeface="굴림" pitchFamily="50" charset="-127"/>
+              <a:cs typeface="굴림" pitchFamily="50" charset="-127"/>
+            </a:endParaRPr>
+          </a:p>
+          <a:p>
+            <a:pPr marL="0" marR="0" lvl="0" indent="0" algn="l" defTabSz="914400" rtl="0" eaLnBrk="1" fontAlgn="base" latinLnBrk="1" hangingPunct="1">
+              <a:lnSpc>
+                <a:spcPct val="100000"/>
+              </a:lnSpc>
+              <a:spcBef>
+                <a:spcPct val="0"/>
+              </a:spcBef>
+              <a:spcAft>
+                <a:spcPct val="0"/>
+              </a:spcAft>
+              <a:buClrTx/>
+              <a:buSzTx/>
+              <a:buFontTx/>
+              <a:buNone/>
+              <a:tabLst/>
+            </a:pPr>
+            <a:r>
+              <a:rPr kumimoji="1" lang="ko-KR" altLang="ko-KR" sz="1000" b="0" i="0" u="none" strike="noStrike" cap="none" normalizeH="0" baseline="0" dirty="0" smtClean="0">
+                <a:ln>
+                  <a:noFill/>
+                </a:ln>
+                <a:solidFill>
+                  <a:srgbClr val="000000"/>
+                </a:solidFill>
+                <a:effectLst/>
+                <a:latin typeface="Arial Unicode MS" pitchFamily="50" charset="-127"/>
+                <a:ea typeface="굴림" pitchFamily="50" charset="-127"/>
+                <a:cs typeface="굴림" pitchFamily="50" charset="-127"/>
+              </a:rPr>
+              <a:t>tar xvfz elasticsearch-5.3.0.tar.gz </a:t>
+            </a:r>
+            <a:endParaRPr kumimoji="1" lang="en-US" altLang="ko-KR" sz="1000" b="0" i="0" u="none" strike="noStrike" cap="none" normalizeH="0" baseline="0" dirty="0" smtClean="0">
+              <a:ln>
+                <a:noFill/>
+              </a:ln>
+              <a:solidFill>
+                <a:srgbClr val="000000"/>
+              </a:solidFill>
+              <a:effectLst/>
+              <a:latin typeface="Arial Unicode MS" pitchFamily="50" charset="-127"/>
+              <a:ea typeface="굴림" pitchFamily="50" charset="-127"/>
+              <a:cs typeface="굴림" pitchFamily="50" charset="-127"/>
+            </a:endParaRPr>
+          </a:p>
+          <a:p>
+            <a:pPr marL="0" marR="0" lvl="0" indent="0" algn="l" defTabSz="914400" rtl="0" eaLnBrk="1" fontAlgn="base" latinLnBrk="1" hangingPunct="1">
+              <a:lnSpc>
+                <a:spcPct val="100000"/>
+              </a:lnSpc>
+              <a:spcBef>
+                <a:spcPct val="0"/>
+              </a:spcBef>
+              <a:spcAft>
+                <a:spcPct val="0"/>
+              </a:spcAft>
+              <a:buClrTx/>
+              <a:buSzTx/>
+              <a:buFontTx/>
+              <a:buNone/>
+              <a:tabLst/>
+            </a:pPr>
+            <a:r>
+              <a:rPr kumimoji="1" lang="ko-KR" altLang="ko-KR" sz="1000" b="0" i="0" u="none" strike="noStrike" cap="none" normalizeH="0" baseline="0" dirty="0" smtClean="0">
+                <a:ln>
+                  <a:noFill/>
+                </a:ln>
+                <a:solidFill>
+                  <a:srgbClr val="000000"/>
+                </a:solidFill>
+                <a:effectLst/>
+                <a:latin typeface="Arial Unicode MS" pitchFamily="50" charset="-127"/>
+                <a:ea typeface="굴림" pitchFamily="50" charset="-127"/>
+                <a:cs typeface="굴림" pitchFamily="50" charset="-127"/>
+              </a:rPr>
+              <a:t>ln -s elasticsearch-5.3.0 elasticsearch </a:t>
+            </a:r>
+            <a:endParaRPr kumimoji="1" lang="en-US" altLang="ko-KR" sz="1000" b="0" i="0" u="none" strike="noStrike" cap="none" normalizeH="0" baseline="0" dirty="0" smtClean="0">
+              <a:ln>
+                <a:noFill/>
+              </a:ln>
+              <a:solidFill>
+                <a:srgbClr val="000000"/>
+              </a:solidFill>
+              <a:effectLst/>
+              <a:latin typeface="Arial Unicode MS" pitchFamily="50" charset="-127"/>
+              <a:ea typeface="굴림" pitchFamily="50" charset="-127"/>
+              <a:cs typeface="굴림" pitchFamily="50" charset="-127"/>
+            </a:endParaRPr>
+          </a:p>
+          <a:p>
+            <a:pPr marL="0" marR="0" lvl="0" indent="0" algn="l" defTabSz="914400" rtl="0" eaLnBrk="1" fontAlgn="base" latinLnBrk="1" hangingPunct="1">
+              <a:lnSpc>
+                <a:spcPct val="100000"/>
+              </a:lnSpc>
+              <a:spcBef>
+                <a:spcPct val="0"/>
+              </a:spcBef>
+              <a:spcAft>
+                <a:spcPct val="0"/>
+              </a:spcAft>
+              <a:buClrTx/>
+              <a:buSzTx/>
+              <a:buFontTx/>
+              <a:buNone/>
+              <a:tabLst/>
+            </a:pPr>
+            <a:r>
+              <a:rPr kumimoji="1" lang="ko-KR" altLang="ko-KR" sz="1000" b="0" i="0" u="none" strike="noStrike" cap="none" normalizeH="0" baseline="0" dirty="0" smtClean="0">
+                <a:ln>
+                  <a:noFill/>
+                </a:ln>
+                <a:solidFill>
+                  <a:srgbClr val="000000"/>
+                </a:solidFill>
+                <a:effectLst/>
+                <a:latin typeface="Arial Unicode MS" pitchFamily="50" charset="-127"/>
+                <a:ea typeface="굴림" pitchFamily="50" charset="-127"/>
+                <a:cs typeface="굴림" pitchFamily="50" charset="-127"/>
+              </a:rPr>
+              <a:t>cd elasticsearch bin/elasticsearch -d # 데몬(백그라운드)</a:t>
+            </a:r>
+            <a:r>
+              <a:rPr kumimoji="1" lang="ko-KR" altLang="ko-KR" sz="1000" b="0" i="0" u="none" strike="noStrike" cap="none" normalizeH="0" baseline="0" dirty="0" err="1" smtClean="0">
+                <a:ln>
+                  <a:noFill/>
+                </a:ln>
+                <a:solidFill>
+                  <a:srgbClr val="000000"/>
+                </a:solidFill>
+                <a:effectLst/>
+                <a:latin typeface="Arial Unicode MS" pitchFamily="50" charset="-127"/>
+                <a:ea typeface="굴림" pitchFamily="50" charset="-127"/>
+                <a:cs typeface="굴림" pitchFamily="50" charset="-127"/>
+              </a:rPr>
+              <a:t>로</a:t>
+            </a:r>
+            <a:r>
+              <a:rPr kumimoji="1" lang="ko-KR" altLang="ko-KR" sz="1000" b="0" i="0" u="none" strike="noStrike" cap="none" normalizeH="0" baseline="0" dirty="0" smtClean="0">
+                <a:ln>
+                  <a:noFill/>
+                </a:ln>
+                <a:solidFill>
+                  <a:srgbClr val="000000"/>
+                </a:solidFill>
+                <a:effectLst/>
+                <a:latin typeface="Arial Unicode MS" pitchFamily="50" charset="-127"/>
+                <a:ea typeface="굴림" pitchFamily="50" charset="-127"/>
+                <a:cs typeface="굴림" pitchFamily="50" charset="-127"/>
+              </a:rPr>
+              <a:t> 실행. 옵션 -d를 빼면 터미널 접속해 있는 동안만 실행</a:t>
+            </a:r>
+            <a:r>
+              <a:rPr kumimoji="1" lang="ko-KR" altLang="ko-KR" sz="600" b="0" i="0" u="none" strike="noStrike" cap="none" normalizeH="0" baseline="0" dirty="0" smtClean="0">
+                <a:ln>
+                  <a:noFill/>
+                </a:ln>
+                <a:solidFill>
+                  <a:schemeClr val="tx1"/>
+                </a:solidFill>
+                <a:effectLst/>
+                <a:latin typeface="굴림" pitchFamily="50" charset="-127"/>
+                <a:ea typeface="굴림" pitchFamily="50" charset="-127"/>
+                <a:cs typeface="굴림" pitchFamily="50" charset="-127"/>
+              </a:rPr>
+              <a:t> </a:t>
+            </a:r>
+            <a:endParaRPr kumimoji="1" lang="ko-KR" altLang="ko-KR" sz="1800" b="0" i="0" u="none" strike="noStrike" cap="none" normalizeH="0" baseline="0" dirty="0" smtClean="0">
+              <a:ln>
+                <a:noFill/>
+              </a:ln>
+              <a:solidFill>
+                <a:schemeClr val="tx1"/>
+              </a:solidFill>
+              <a:effectLst/>
+              <a:latin typeface="굴림" pitchFamily="50" charset="-127"/>
+              <a:ea typeface="굴림" pitchFamily="50" charset="-127"/>
+              <a:cs typeface="굴림" pitchFamily="50" charset="-127"/>
+            </a:endParaRPr>
+          </a:p>
+        </p:txBody>
+      </p:sp>
+      <p:sp>
+        <p:nvSpPr>
+          <p:cNvPr id="13" name="내용 개체 틀 5"/>
+          <p:cNvSpPr txBox="1">
+            <a:spLocks/>
+          </p:cNvSpPr>
+          <p:nvPr/>
+        </p:nvSpPr>
+        <p:spPr>
+          <a:xfrm>
+            <a:off x="4953000" y="3392996"/>
+            <a:ext cx="4679950" cy="468015"/>
+          </a:xfrm>
+          <a:prstGeom prst="rect">
+            <a:avLst/>
+          </a:prstGeom>
+        </p:spPr>
+        <p:txBody>
+          <a:bodyPr/>
+          <a:lstStyle>
+            <a:lvl1pPr marL="342900" indent="-342900" algn="l" defTabSz="914400" rtl="0" eaLnBrk="1" latinLnBrk="1" hangingPunct="1">
+              <a:lnSpc>
+                <a:spcPct val="150000"/>
+              </a:lnSpc>
+              <a:spcBef>
+                <a:spcPct val="20000"/>
+              </a:spcBef>
+              <a:buFont typeface="맑은 고딕" panose="020B0503020000020004" pitchFamily="50" charset="-127"/>
+              <a:buChar char="■"/>
+              <a:defRPr lang="ko-KR" altLang="en-US" sz="1500" b="1" kern="1200" dirty="0" smtClean="0">
+                <a:solidFill>
+                  <a:schemeClr val="tx1"/>
+                </a:solidFill>
+                <a:latin typeface="+mn-lt"/>
+                <a:ea typeface="+mn-ea"/>
+                <a:cs typeface="+mn-cs"/>
+              </a:defRPr>
+            </a:lvl1pPr>
+            <a:lvl2pPr marL="742950" indent="-285750" algn="l" defTabSz="914400" rtl="0" eaLnBrk="1" latinLnBrk="1" hangingPunct="1">
+              <a:lnSpc>
+                <a:spcPct val="150000"/>
+              </a:lnSpc>
+              <a:spcBef>
+                <a:spcPct val="20000"/>
+              </a:spcBef>
+              <a:buFont typeface="Wingdings" panose="05000000000000000000" pitchFamily="2" charset="2"/>
+              <a:buChar char="l"/>
+              <a:defRPr sz="1300" b="1" kern="1200">
+                <a:solidFill>
+                  <a:schemeClr val="tx1"/>
+                </a:solidFill>
+                <a:latin typeface="+mn-lt"/>
+                <a:ea typeface="+mn-ea"/>
+                <a:cs typeface="+mn-cs"/>
+              </a:defRPr>
+            </a:lvl2pPr>
+            <a:lvl3pPr marL="1143000" indent="-228600" algn="l" defTabSz="914400" rtl="0" eaLnBrk="1" latinLnBrk="1" hangingPunct="1">
+              <a:lnSpc>
+                <a:spcPct val="150000"/>
+              </a:lnSpc>
+              <a:spcBef>
+                <a:spcPct val="20000"/>
+              </a:spcBef>
+              <a:buFont typeface="맑은 고딕" panose="020B0503020000020004" pitchFamily="50" charset="-127"/>
+              <a:buChar char="–"/>
+              <a:defRPr sz="1300" b="1" kern="1200">
+                <a:solidFill>
+                  <a:schemeClr val="tx1"/>
+                </a:solidFill>
+                <a:latin typeface="+mn-lt"/>
+                <a:ea typeface="+mn-ea"/>
+                <a:cs typeface="+mn-cs"/>
+              </a:defRPr>
+            </a:lvl3pPr>
+            <a:lvl4pPr marL="1600200" indent="-228600" algn="l" defTabSz="914400" rtl="0" eaLnBrk="1" latinLnBrk="1" hangingPunct="1">
+              <a:spcBef>
+                <a:spcPct val="20000"/>
+              </a:spcBef>
+              <a:buFont typeface="Arial" pitchFamily="34" charset="0"/>
+              <a:buChar char="–"/>
+              <a:defRPr sz="1500" b="1" kern="1200">
+                <a:solidFill>
+                  <a:schemeClr val="tx1"/>
+                </a:solidFill>
+                <a:latin typeface="+mn-lt"/>
+                <a:ea typeface="+mn-ea"/>
+                <a:cs typeface="+mn-cs"/>
+              </a:defRPr>
+            </a:lvl4pPr>
+            <a:lvl5pPr marL="2057400" indent="-228600" algn="l" defTabSz="914400" rtl="0" eaLnBrk="1" latinLnBrk="1" hangingPunct="1">
+              <a:spcBef>
+                <a:spcPct val="20000"/>
+              </a:spcBef>
+              <a:buFont typeface="Arial" pitchFamily="34" charset="0"/>
+              <a:buChar char="»"/>
+              <a:defRPr sz="1500" b="1" kern="1200">
+                <a:solidFill>
+                  <a:schemeClr val="tx1"/>
+                </a:solidFill>
+                <a:latin typeface="+mn-lt"/>
+                <a:ea typeface="+mn-ea"/>
+                <a:cs typeface="+mn-cs"/>
+              </a:defRPr>
+            </a:lvl5pPr>
+            <a:lvl6pPr marL="2514600" indent="-228600" algn="l" defTabSz="914400" rtl="0" eaLnBrk="1" latinLnBrk="1" hangingPunct="1">
+              <a:spcBef>
+                <a:spcPct val="20000"/>
+              </a:spcBef>
+              <a:buFont typeface="Arial" pitchFamily="34" charset="0"/>
+              <a:buChar char="•"/>
+              <a:defRPr sz="2000" kern="1200">
+                <a:solidFill>
+                  <a:schemeClr val="tx1"/>
+                </a:solidFill>
+                <a:latin typeface="+mn-lt"/>
+                <a:ea typeface="+mn-ea"/>
+                <a:cs typeface="+mn-cs"/>
+              </a:defRPr>
+            </a:lvl6pPr>
+            <a:lvl7pPr marL="2971800" indent="-228600" algn="l" defTabSz="914400" rtl="0" eaLnBrk="1" latinLnBrk="1" hangingPunct="1">
+              <a:spcBef>
+                <a:spcPct val="20000"/>
+              </a:spcBef>
+              <a:buFont typeface="Arial" pitchFamily="34" charset="0"/>
+              <a:buChar char="•"/>
+              <a:defRPr sz="2000" kern="1200">
+                <a:solidFill>
+                  <a:schemeClr val="tx1"/>
+                </a:solidFill>
+                <a:latin typeface="+mn-lt"/>
+                <a:ea typeface="+mn-ea"/>
+                <a:cs typeface="+mn-cs"/>
+              </a:defRPr>
+            </a:lvl7pPr>
+            <a:lvl8pPr marL="3429000" indent="-228600" algn="l" defTabSz="914400" rtl="0" eaLnBrk="1" latinLnBrk="1" hangingPunct="1">
+              <a:spcBef>
+                <a:spcPct val="20000"/>
+              </a:spcBef>
+              <a:buFont typeface="Arial" pitchFamily="34" charset="0"/>
+              <a:buChar char="•"/>
+              <a:defRPr sz="2000" kern="1200">
+                <a:solidFill>
+                  <a:schemeClr val="tx1"/>
+                </a:solidFill>
+                <a:latin typeface="+mn-lt"/>
+                <a:ea typeface="+mn-ea"/>
+                <a:cs typeface="+mn-cs"/>
+              </a:defRPr>
+            </a:lvl8pPr>
+            <a:lvl9pPr marL="3886200" indent="-228600" algn="l" defTabSz="914400" rtl="0" eaLnBrk="1" latinLnBrk="1" hangingPunct="1">
+              <a:spcBef>
+                <a:spcPct val="20000"/>
+              </a:spcBef>
+              <a:buFont typeface="Arial" pitchFamily="34" charset="0"/>
+              <a:buChar char="•"/>
+              <a:defRPr sz="2000" kern="1200">
+                <a:solidFill>
+                  <a:schemeClr val="tx1"/>
+                </a:solidFill>
+                <a:latin typeface="+mn-lt"/>
+                <a:ea typeface="+mn-ea"/>
+                <a:cs typeface="+mn-cs"/>
+              </a:defRPr>
+            </a:lvl9pPr>
+          </a:lstStyle>
+          <a:p>
+            <a:r>
+              <a:rPr lang="en-US" altLang="ko-KR" dirty="0" err="1" smtClean="0"/>
+              <a:t>Kibana</a:t>
+            </a:r>
+            <a:r>
+              <a:rPr lang="en-US" altLang="ko-KR" dirty="0" smtClean="0"/>
+              <a:t> </a:t>
+            </a:r>
+            <a:r>
+              <a:rPr lang="ko-KR" altLang="en-US" dirty="0" smtClean="0"/>
+              <a:t>설치 및 실행</a:t>
+            </a:r>
+            <a:endParaRPr lang="ko-KR" altLang="en-US" dirty="0"/>
+          </a:p>
+        </p:txBody>
+      </p:sp>
+      <p:sp>
+        <p:nvSpPr>
+          <p:cNvPr id="11" name="Rectangle 7"/>
+          <p:cNvSpPr>
+            <a:spLocks noChangeArrowheads="1"/>
+          </p:cNvSpPr>
+          <p:nvPr/>
+        </p:nvSpPr>
+        <p:spPr bwMode="auto">
+          <a:xfrm>
+            <a:off x="4989004" y="3869757"/>
+            <a:ext cx="4536504" cy="1323439"/>
+          </a:xfrm>
+          <a:prstGeom prst="rect">
+            <a:avLst/>
+          </a:prstGeom>
+          <a:solidFill>
+            <a:srgbClr val="EEFEFE"/>
+          </a:solidFill>
+          <a:ln>
+            <a:noFill/>
+          </a:ln>
+          <a:effectLst/>
+          <a:extLst>
+            <a:ext uri="{91240B29-F687-4F45-9708-019B960494DF}">
+              <a14:hiddenLine xmlns:a14="http://schemas.microsoft.com/office/drawing/2010/main" w="9525">
+                <a:solidFill>
+                  <a:schemeClr val="tx1"/>
+                </a:solidFill>
+                <a:miter lim="800000"/>
+                <a:headEnd/>
+                <a:tailEnd/>
+              </a14:hiddenLine>
+            </a:ext>
+            <a:ext uri="{AF507438-7753-43E0-B8FC-AC1667EBCBE1}">
+              <a14:hiddenEffects xmlns:a14="http://schemas.microsoft.com/office/drawing/2010/main">
+                <a:effectLst>
+                  <a:outerShdw dist="35921" dir="2700000" algn="ctr" rotWithShape="0">
+                    <a:schemeClr val="bg2"/>
+                  </a:outerShdw>
+                </a:effectLst>
+              </a14:hiddenEffects>
+            </a:ext>
+          </a:extLst>
+        </p:spPr>
+        <p:txBody>
+          <a:bodyPr vert="horz" wrap="square" lIns="91440" tIns="45720" rIns="91440" bIns="45720" numCol="1" anchor="ctr" anchorCtr="0" compatLnSpc="1">
+            <a:prstTxWarp prst="textNoShape">
+              <a:avLst/>
+            </a:prstTxWarp>
+            <a:spAutoFit/>
+          </a:bodyPr>
+          <a:lstStyle/>
+          <a:p>
+            <a:pPr marL="0" marR="0" lvl="0" indent="0" algn="l" defTabSz="914400" rtl="0" eaLnBrk="1" fontAlgn="base" latinLnBrk="1" hangingPunct="1">
+              <a:lnSpc>
+                <a:spcPct val="100000"/>
+              </a:lnSpc>
+              <a:spcBef>
+                <a:spcPct val="0"/>
+              </a:spcBef>
+              <a:spcAft>
+                <a:spcPct val="0"/>
+              </a:spcAft>
+              <a:buClrTx/>
+              <a:buSzTx/>
+              <a:buFontTx/>
+              <a:buNone/>
+              <a:tabLst/>
+            </a:pPr>
+            <a:r>
+              <a:rPr kumimoji="1" lang="ko-KR" altLang="ko-KR" sz="1000" b="0" i="0" u="none" strike="noStrike" cap="none" normalizeH="0" baseline="0" dirty="0" smtClean="0">
+                <a:ln>
+                  <a:noFill/>
+                </a:ln>
+                <a:solidFill>
+                  <a:srgbClr val="000000"/>
+                </a:solidFill>
+                <a:effectLst/>
+                <a:latin typeface="Arial Unicode MS" pitchFamily="50" charset="-127"/>
+                <a:ea typeface="굴림" pitchFamily="50" charset="-127"/>
+                <a:cs typeface="굴림" pitchFamily="50" charset="-127"/>
+              </a:rPr>
+              <a:t>cd ~/local </a:t>
+            </a:r>
+            <a:endParaRPr kumimoji="1" lang="en-US" altLang="ko-KR" sz="1000" b="0" i="0" u="none" strike="noStrike" cap="none" normalizeH="0" baseline="0" dirty="0" smtClean="0">
+              <a:ln>
+                <a:noFill/>
+              </a:ln>
+              <a:solidFill>
+                <a:srgbClr val="000000"/>
+              </a:solidFill>
+              <a:effectLst/>
+              <a:latin typeface="Arial Unicode MS" pitchFamily="50" charset="-127"/>
+              <a:ea typeface="굴림" pitchFamily="50" charset="-127"/>
+              <a:cs typeface="굴림" pitchFamily="50" charset="-127"/>
+            </a:endParaRPr>
+          </a:p>
+          <a:p>
+            <a:pPr marL="0" marR="0" lvl="0" indent="0" algn="l" defTabSz="914400" rtl="0" eaLnBrk="1" fontAlgn="base" latinLnBrk="1" hangingPunct="1">
+              <a:lnSpc>
+                <a:spcPct val="100000"/>
+              </a:lnSpc>
+              <a:spcBef>
+                <a:spcPct val="0"/>
+              </a:spcBef>
+              <a:spcAft>
+                <a:spcPct val="0"/>
+              </a:spcAft>
+              <a:buClrTx/>
+              <a:buSzTx/>
+              <a:buFontTx/>
+              <a:buNone/>
+              <a:tabLst/>
+            </a:pPr>
+            <a:r>
+              <a:rPr kumimoji="1" lang="ko-KR" altLang="ko-KR" sz="1000" b="0" i="0" u="none" strike="noStrike" cap="none" normalizeH="0" baseline="0" dirty="0" smtClean="0">
+                <a:ln>
+                  <a:noFill/>
+                </a:ln>
+                <a:solidFill>
+                  <a:srgbClr val="000000"/>
+                </a:solidFill>
+                <a:effectLst/>
+                <a:latin typeface="Arial Unicode MS" pitchFamily="50" charset="-127"/>
+                <a:ea typeface="굴림" pitchFamily="50" charset="-127"/>
+                <a:cs typeface="굴림" pitchFamily="50" charset="-127"/>
+              </a:rPr>
+              <a:t>wget https://artifacts.elastic.co/downloads/kibana/kibana-5.3.0-linux-x86_64.tar.gz </a:t>
+            </a:r>
+            <a:endParaRPr kumimoji="1" lang="en-US" altLang="ko-KR" sz="1000" b="0" i="0" u="none" strike="noStrike" cap="none" normalizeH="0" baseline="0" dirty="0" smtClean="0">
+              <a:ln>
+                <a:noFill/>
+              </a:ln>
+              <a:solidFill>
+                <a:srgbClr val="000000"/>
+              </a:solidFill>
+              <a:effectLst/>
+              <a:latin typeface="Arial Unicode MS" pitchFamily="50" charset="-127"/>
+              <a:ea typeface="굴림" pitchFamily="50" charset="-127"/>
+              <a:cs typeface="굴림" pitchFamily="50" charset="-127"/>
+            </a:endParaRPr>
+          </a:p>
+          <a:p>
+            <a:pPr marL="0" marR="0" lvl="0" indent="0" algn="l" defTabSz="914400" rtl="0" eaLnBrk="1" fontAlgn="base" latinLnBrk="1" hangingPunct="1">
+              <a:lnSpc>
+                <a:spcPct val="100000"/>
+              </a:lnSpc>
+              <a:spcBef>
+                <a:spcPct val="0"/>
+              </a:spcBef>
+              <a:spcAft>
+                <a:spcPct val="0"/>
+              </a:spcAft>
+              <a:buClrTx/>
+              <a:buSzTx/>
+              <a:buFontTx/>
+              <a:buNone/>
+              <a:tabLst/>
+            </a:pPr>
+            <a:r>
+              <a:rPr kumimoji="1" lang="ko-KR" altLang="ko-KR" sz="1000" b="0" i="0" u="none" strike="noStrike" cap="none" normalizeH="0" baseline="0" dirty="0" smtClean="0">
+                <a:ln>
+                  <a:noFill/>
+                </a:ln>
+                <a:solidFill>
+                  <a:srgbClr val="000000"/>
+                </a:solidFill>
+                <a:effectLst/>
+                <a:latin typeface="Arial Unicode MS" pitchFamily="50" charset="-127"/>
+                <a:ea typeface="굴림" pitchFamily="50" charset="-127"/>
+                <a:cs typeface="굴림" pitchFamily="50" charset="-127"/>
+              </a:rPr>
+              <a:t>tar xvfz kibana-5.3.0-linux-x86_64.tar.gz </a:t>
+            </a:r>
+            <a:endParaRPr kumimoji="1" lang="en-US" altLang="ko-KR" sz="1000" b="0" i="0" u="none" strike="noStrike" cap="none" normalizeH="0" baseline="0" dirty="0" smtClean="0">
+              <a:ln>
+                <a:noFill/>
+              </a:ln>
+              <a:solidFill>
+                <a:srgbClr val="000000"/>
+              </a:solidFill>
+              <a:effectLst/>
+              <a:latin typeface="Arial Unicode MS" pitchFamily="50" charset="-127"/>
+              <a:ea typeface="굴림" pitchFamily="50" charset="-127"/>
+              <a:cs typeface="굴림" pitchFamily="50" charset="-127"/>
+            </a:endParaRPr>
+          </a:p>
+          <a:p>
+            <a:pPr marL="0" marR="0" lvl="0" indent="0" algn="l" defTabSz="914400" rtl="0" eaLnBrk="1" fontAlgn="base" latinLnBrk="1" hangingPunct="1">
+              <a:lnSpc>
+                <a:spcPct val="100000"/>
+              </a:lnSpc>
+              <a:spcBef>
+                <a:spcPct val="0"/>
+              </a:spcBef>
+              <a:spcAft>
+                <a:spcPct val="0"/>
+              </a:spcAft>
+              <a:buClrTx/>
+              <a:buSzTx/>
+              <a:buFontTx/>
+              <a:buNone/>
+              <a:tabLst/>
+            </a:pPr>
+            <a:r>
+              <a:rPr kumimoji="1" lang="ko-KR" altLang="ko-KR" sz="1000" b="0" i="0" u="none" strike="noStrike" cap="none" normalizeH="0" baseline="0" dirty="0" smtClean="0">
+                <a:ln>
+                  <a:noFill/>
+                </a:ln>
+                <a:solidFill>
+                  <a:srgbClr val="000000"/>
+                </a:solidFill>
+                <a:effectLst/>
+                <a:latin typeface="Arial Unicode MS" pitchFamily="50" charset="-127"/>
+                <a:ea typeface="굴림" pitchFamily="50" charset="-127"/>
+                <a:cs typeface="굴림" pitchFamily="50" charset="-127"/>
+              </a:rPr>
+              <a:t>ln -s kibana-5.3.0-linux-x86_64 kibana </a:t>
+            </a:r>
+            <a:endParaRPr kumimoji="1" lang="en-US" altLang="ko-KR" sz="1000" b="0" i="0" u="none" strike="noStrike" cap="none" normalizeH="0" baseline="0" dirty="0" smtClean="0">
+              <a:ln>
+                <a:noFill/>
+              </a:ln>
+              <a:solidFill>
+                <a:srgbClr val="000000"/>
+              </a:solidFill>
+              <a:effectLst/>
+              <a:latin typeface="Arial Unicode MS" pitchFamily="50" charset="-127"/>
+              <a:ea typeface="굴림" pitchFamily="50" charset="-127"/>
+              <a:cs typeface="굴림" pitchFamily="50" charset="-127"/>
+            </a:endParaRPr>
+          </a:p>
+          <a:p>
+            <a:pPr marL="0" marR="0" lvl="0" indent="0" algn="l" defTabSz="914400" rtl="0" eaLnBrk="1" fontAlgn="base" latinLnBrk="1" hangingPunct="1">
+              <a:lnSpc>
+                <a:spcPct val="100000"/>
+              </a:lnSpc>
+              <a:spcBef>
+                <a:spcPct val="0"/>
+              </a:spcBef>
+              <a:spcAft>
+                <a:spcPct val="0"/>
+              </a:spcAft>
+              <a:buClrTx/>
+              <a:buSzTx/>
+              <a:buFontTx/>
+              <a:buNone/>
+              <a:tabLst/>
+            </a:pPr>
+            <a:r>
+              <a:rPr kumimoji="1" lang="ko-KR" altLang="ko-KR" sz="1000" b="0" i="0" u="none" strike="noStrike" cap="none" normalizeH="0" baseline="0" dirty="0" smtClean="0">
+                <a:ln>
+                  <a:noFill/>
+                </a:ln>
+                <a:solidFill>
+                  <a:srgbClr val="000000"/>
+                </a:solidFill>
+                <a:effectLst/>
+                <a:latin typeface="Arial Unicode MS" pitchFamily="50" charset="-127"/>
+                <a:ea typeface="굴림" pitchFamily="50" charset="-127"/>
+                <a:cs typeface="굴림" pitchFamily="50" charset="-127"/>
+              </a:rPr>
+              <a:t>cd kibana</a:t>
+            </a:r>
+            <a:endParaRPr kumimoji="1" lang="en-US" altLang="ko-KR" sz="1000" b="0" i="0" u="none" strike="noStrike" cap="none" normalizeH="0" baseline="0" dirty="0" smtClean="0">
+              <a:ln>
+                <a:noFill/>
+              </a:ln>
+              <a:solidFill>
+                <a:srgbClr val="000000"/>
+              </a:solidFill>
+              <a:effectLst/>
+              <a:latin typeface="Arial Unicode MS" pitchFamily="50" charset="-127"/>
+              <a:ea typeface="굴림" pitchFamily="50" charset="-127"/>
+              <a:cs typeface="굴림" pitchFamily="50" charset="-127"/>
+            </a:endParaRPr>
+          </a:p>
+          <a:p>
+            <a:pPr marL="0" marR="0" lvl="0" indent="0" algn="l" defTabSz="914400" rtl="0" eaLnBrk="1" fontAlgn="base" latinLnBrk="1" hangingPunct="1">
+              <a:lnSpc>
+                <a:spcPct val="100000"/>
+              </a:lnSpc>
+              <a:spcBef>
+                <a:spcPct val="0"/>
+              </a:spcBef>
+              <a:spcAft>
+                <a:spcPct val="0"/>
+              </a:spcAft>
+              <a:buClrTx/>
+              <a:buSzTx/>
+              <a:buFontTx/>
+              <a:buNone/>
+              <a:tabLst/>
+            </a:pPr>
+            <a:r>
+              <a:rPr kumimoji="1" lang="en-US" altLang="ko-KR" sz="1000" dirty="0" smtClean="0">
+                <a:solidFill>
+                  <a:srgbClr val="000000"/>
+                </a:solidFill>
+                <a:latin typeface="Arial Unicode MS" pitchFamily="50" charset="-127"/>
+                <a:ea typeface="굴림" pitchFamily="50" charset="-127"/>
+                <a:cs typeface="굴림" pitchFamily="50" charset="-127"/>
+              </a:rPr>
+              <a:t>bin/</a:t>
+            </a:r>
+            <a:r>
+              <a:rPr kumimoji="1" lang="en-US" altLang="ko-KR" sz="1000" dirty="0" err="1" smtClean="0">
+                <a:solidFill>
+                  <a:srgbClr val="000000"/>
+                </a:solidFill>
+                <a:latin typeface="Arial Unicode MS" pitchFamily="50" charset="-127"/>
+                <a:ea typeface="굴림" pitchFamily="50" charset="-127"/>
+                <a:cs typeface="굴림" pitchFamily="50" charset="-127"/>
+              </a:rPr>
+              <a:t>kibana</a:t>
+            </a:r>
+            <a:endParaRPr kumimoji="1" lang="en-US" altLang="ko-KR" sz="1000" dirty="0">
+              <a:solidFill>
+                <a:srgbClr val="000000"/>
+              </a:solidFill>
+              <a:latin typeface="Arial Unicode MS" pitchFamily="50" charset="-127"/>
+              <a:ea typeface="굴림" pitchFamily="50" charset="-127"/>
+              <a:cs typeface="굴림" pitchFamily="50" charset="-127"/>
+            </a:endParaRPr>
+          </a:p>
+          <a:p>
+            <a:pPr marL="0" marR="0" lvl="0" indent="0" algn="l" defTabSz="914400" rtl="0" eaLnBrk="1" fontAlgn="base" latinLnBrk="1" hangingPunct="1">
+              <a:lnSpc>
+                <a:spcPct val="100000"/>
+              </a:lnSpc>
+              <a:spcBef>
+                <a:spcPct val="0"/>
+              </a:spcBef>
+              <a:spcAft>
+                <a:spcPct val="0"/>
+              </a:spcAft>
+              <a:buClrTx/>
+              <a:buSzTx/>
+              <a:buFontTx/>
+              <a:buNone/>
+              <a:tabLst/>
+            </a:pPr>
+            <a:r>
+              <a:rPr kumimoji="1" lang="en-US" altLang="ko-KR" sz="1000" b="0" i="0" u="none" strike="noStrike" cap="none" normalizeH="0" baseline="0" dirty="0" err="1" smtClean="0">
+                <a:ln>
+                  <a:noFill/>
+                </a:ln>
+                <a:solidFill>
+                  <a:srgbClr val="000000"/>
+                </a:solidFill>
+                <a:effectLst/>
+                <a:latin typeface="Arial Unicode MS" pitchFamily="50" charset="-127"/>
+                <a:ea typeface="굴림" pitchFamily="50" charset="-127"/>
+                <a:cs typeface="굴림" pitchFamily="50" charset="-127"/>
+              </a:rPr>
+              <a:t>nohup</a:t>
+            </a:r>
+            <a:r>
+              <a:rPr kumimoji="1" lang="en-US" altLang="ko-KR" sz="1000" b="0" i="0" u="none" strike="noStrike" cap="none" normalizeH="0" dirty="0" smtClean="0">
+                <a:ln>
+                  <a:noFill/>
+                </a:ln>
+                <a:solidFill>
+                  <a:srgbClr val="000000"/>
+                </a:solidFill>
+                <a:effectLst/>
+                <a:latin typeface="Arial Unicode MS" pitchFamily="50" charset="-127"/>
+                <a:ea typeface="굴림" pitchFamily="50" charset="-127"/>
+                <a:cs typeface="굴림" pitchFamily="50" charset="-127"/>
+              </a:rPr>
+              <a:t> bin/</a:t>
+            </a:r>
+            <a:r>
+              <a:rPr kumimoji="1" lang="en-US" altLang="ko-KR" sz="1000" b="0" i="0" u="none" strike="noStrike" cap="none" normalizeH="0" dirty="0" err="1" smtClean="0">
+                <a:ln>
+                  <a:noFill/>
+                </a:ln>
+                <a:solidFill>
+                  <a:srgbClr val="000000"/>
+                </a:solidFill>
+                <a:effectLst/>
+                <a:latin typeface="Arial Unicode MS" pitchFamily="50" charset="-127"/>
+                <a:ea typeface="굴림" pitchFamily="50" charset="-127"/>
+                <a:cs typeface="굴림" pitchFamily="50" charset="-127"/>
+              </a:rPr>
+              <a:t>kibana</a:t>
+            </a:r>
+            <a:r>
+              <a:rPr kumimoji="1" lang="en-US" altLang="ko-KR" sz="1000" b="0" i="0" u="none" strike="noStrike" cap="none" normalizeH="0" dirty="0" smtClean="0">
+                <a:ln>
+                  <a:noFill/>
+                </a:ln>
+                <a:solidFill>
+                  <a:srgbClr val="000000"/>
+                </a:solidFill>
+                <a:effectLst/>
+                <a:latin typeface="Arial Unicode MS" pitchFamily="50" charset="-127"/>
+                <a:ea typeface="굴림" pitchFamily="50" charset="-127"/>
+                <a:cs typeface="굴림" pitchFamily="50" charset="-127"/>
+              </a:rPr>
+              <a:t> &amp;</a:t>
+            </a:r>
+            <a:endParaRPr kumimoji="1" lang="en-US" altLang="ko-KR" sz="1000" b="0" i="0" u="none" strike="noStrike" cap="none" normalizeH="0" baseline="0" dirty="0" smtClean="0">
+              <a:ln>
+                <a:noFill/>
+              </a:ln>
+              <a:solidFill>
+                <a:srgbClr val="000000"/>
+              </a:solidFill>
+              <a:effectLst/>
+              <a:latin typeface="Arial Unicode MS" pitchFamily="50" charset="-127"/>
+              <a:ea typeface="굴림" pitchFamily="50" charset="-127"/>
+              <a:cs typeface="굴림" pitchFamily="50" charset="-127"/>
+            </a:endParaRPr>
+          </a:p>
+        </p:txBody>
+      </p:sp>
     </p:spTree>
     <p:extLst>
       <p:ext uri="{BB962C8B-B14F-4D97-AF65-F5344CB8AC3E}">
@@ -37196,219 +40984,1253 @@
           <a:chExt cx="0" cy="0"/>
         </a:xfrm>
       </p:grpSpPr>
-      <p:pic>
-        <p:nvPicPr>
-          <p:cNvPr id="46" name="Picture 3" descr="C:\Users\Administrator\Desktop\1324324-01.png"/>
-          <p:cNvPicPr>
-            <a:picLocks noChangeAspect="1" noChangeArrowheads="1"/>
-          </p:cNvPicPr>
-          <p:nvPr/>
-        </p:nvPicPr>
-        <p:blipFill>
-          <a:blip r:embed="rId2" cstate="print">
-            <a:lum bright="48000" contrast="-69000"/>
-          </a:blip>
-          <a:srcRect/>
-          <a:stretch>
-            <a:fillRect/>
-          </a:stretch>
-        </p:blipFill>
-        <p:spPr bwMode="auto">
-          <a:xfrm>
-            <a:off x="3020220" y="3584552"/>
-            <a:ext cx="3865562" cy="2807883"/>
-          </a:xfrm>
-          <a:prstGeom prst="rect">
-            <a:avLst/>
-          </a:prstGeom>
-          <a:noFill/>
-        </p:spPr>
-      </p:pic>
       <p:sp>
         <p:nvSpPr>
-          <p:cNvPr id="47" name="TextBox 46"/>
-          <p:cNvSpPr txBox="1"/>
-          <p:nvPr/>
+          <p:cNvPr id="2" name="제목 1"/>
+          <p:cNvSpPr>
+            <a:spLocks noGrp="1"/>
+          </p:cNvSpPr>
+          <p:nvPr>
+            <p:ph type="title"/>
+          </p:nvPr>
         </p:nvSpPr>
-        <p:spPr>
-          <a:xfrm>
-            <a:off x="2273300" y="1350009"/>
-            <a:ext cx="5359400" cy="1177292"/>
-          </a:xfrm>
-          <a:prstGeom prst="rect">
-            <a:avLst/>
-          </a:prstGeom>
-          <a:noFill/>
-          <a:ln w="9525">
-            <a:noFill/>
-            <a:miter lim="800000"/>
-            <a:headEnd/>
-            <a:tailEnd/>
-          </a:ln>
-        </p:spPr>
+        <p:spPr/>
         <p:txBody>
-          <a:bodyPr lIns="0" tIns="0" rIns="0" bIns="0" anchor="ctr" anchorCtr="0">
-            <a:scene3d>
-              <a:camera prst="orthographicFront"/>
-              <a:lightRig rig="brightRoom" dir="tl"/>
-            </a:scene3d>
-            <a:sp3d prstMaterial="flat">
-              <a:bevelT w="0" h="0" prst="artDeco"/>
-              <a:extrusionClr>
-                <a:schemeClr val="bg1"/>
-              </a:extrusionClr>
-              <a:contourClr>
-                <a:schemeClr val="bg1"/>
-              </a:contourClr>
-            </a:sp3d>
-          </a:bodyPr>
-          <a:lstStyle>
-            <a:defPPr>
-              <a:defRPr lang="ko-KR"/>
-            </a:defPPr>
-            <a:lvl1pPr defTabSz="914269">
-              <a:tabLst>
-                <a:tab pos="2904096" algn="l"/>
-              </a:tabLst>
-              <a:defRPr sz="5200" spc="-30">
-                <a:gradFill flip="none" rotWithShape="1">
-                  <a:gsLst>
-                    <a:gs pos="0">
-                      <a:srgbClr val="F58025"/>
-                    </a:gs>
-                    <a:gs pos="45000">
-                      <a:srgbClr val="F58025"/>
-                    </a:gs>
-                    <a:gs pos="71000">
-                      <a:srgbClr val="E62B34"/>
-                    </a:gs>
-                    <a:gs pos="100000">
-                      <a:srgbClr val="E31837"/>
-                    </a:gs>
-                  </a:gsLst>
-                  <a:lin ang="0" scaled="1"/>
-                  <a:tileRect/>
-                </a:gradFill>
-                <a:latin typeface="나눔고딕 ExtraBold" panose="020D0904000000000000" pitchFamily="50" charset="-127"/>
-                <a:ea typeface="나눔고딕 ExtraBold" panose="020D0904000000000000" pitchFamily="50" charset="-127"/>
-              </a:defRPr>
-            </a:lvl1pPr>
-          </a:lstStyle>
+          <a:bodyPr/>
+          <a:lstStyle/>
           <a:p>
-            <a:pPr algn="ctr"/>
             <a:r>
-              <a:rPr lang="ko-KR" altLang="en-US" sz="5800" b="1" dirty="0" smtClean="0">
-                <a:solidFill>
-                  <a:srgbClr val="F68938"/>
-                </a:solidFill>
-                <a:latin typeface="맑은 고딕" panose="020B0503020000020004" pitchFamily="50" charset="-127"/>
-                <a:ea typeface="맑은 고딕" panose="020B0503020000020004" pitchFamily="50" charset="-127"/>
-              </a:rPr>
-              <a:t>감사합니다</a:t>
+              <a:rPr lang="en-US" altLang="ko-KR" dirty="0"/>
+              <a:t>ELK </a:t>
+            </a:r>
+            <a:r>
+              <a:rPr lang="ko-KR" altLang="en-US" dirty="0"/>
+              <a:t>실습</a:t>
             </a:r>
           </a:p>
         </p:txBody>
       </p:sp>
       <p:sp>
         <p:nvSpPr>
-          <p:cNvPr id="48" name="직사각형 47"/>
-          <p:cNvSpPr/>
-          <p:nvPr/>
+          <p:cNvPr id="3" name="내용 개체 틀 2"/>
+          <p:cNvSpPr>
+            <a:spLocks noGrp="1"/>
+          </p:cNvSpPr>
+          <p:nvPr>
+            <p:ph idx="1"/>
+          </p:nvPr>
         </p:nvSpPr>
         <p:spPr>
           <a:xfrm>
-            <a:off x="1713000" y="2817819"/>
-            <a:ext cx="6480000" cy="18000"/>
+            <a:off x="273050" y="1520825"/>
+            <a:ext cx="4679950" cy="468015"/>
+          </a:xfrm>
+        </p:spPr>
+        <p:txBody>
+          <a:bodyPr/>
+          <a:lstStyle/>
+          <a:p>
+            <a:r>
+              <a:rPr lang="en-US" altLang="ko-KR" dirty="0" err="1" smtClean="0"/>
+              <a:t>Logstash</a:t>
+            </a:r>
+            <a:r>
+              <a:rPr lang="en-US" altLang="ko-KR" dirty="0" smtClean="0"/>
+              <a:t> </a:t>
+            </a:r>
+            <a:r>
+              <a:rPr lang="ko-KR" altLang="en-US" dirty="0" smtClean="0"/>
+              <a:t>설치</a:t>
+            </a:r>
+            <a:endParaRPr lang="ko-KR" altLang="en-US" dirty="0"/>
+          </a:p>
+        </p:txBody>
+      </p:sp>
+      <p:sp>
+        <p:nvSpPr>
+          <p:cNvPr id="4" name="내용 개체 틀 3"/>
+          <p:cNvSpPr>
+            <a:spLocks noGrp="1"/>
+          </p:cNvSpPr>
+          <p:nvPr>
+            <p:ph idx="13"/>
+          </p:nvPr>
+        </p:nvSpPr>
+        <p:spPr/>
+        <p:txBody>
+          <a:bodyPr/>
+          <a:lstStyle/>
+          <a:p>
+            <a:r>
+              <a:rPr lang="en-US" altLang="ko-KR" dirty="0" err="1"/>
+              <a:t>Logstash</a:t>
+            </a:r>
+            <a:r>
+              <a:rPr lang="en-US" altLang="ko-KR" dirty="0"/>
+              <a:t> </a:t>
+            </a:r>
+            <a:r>
+              <a:rPr lang="ko-KR" altLang="en-US" dirty="0" smtClean="0"/>
+              <a:t>설정</a:t>
+            </a:r>
+            <a:endParaRPr lang="ko-KR" altLang="en-US" dirty="0"/>
+          </a:p>
+        </p:txBody>
+      </p:sp>
+      <p:sp>
+        <p:nvSpPr>
+          <p:cNvPr id="5" name="내용 개체 틀 4"/>
+          <p:cNvSpPr>
+            <a:spLocks noGrp="1"/>
+          </p:cNvSpPr>
+          <p:nvPr>
+            <p:ph idx="14"/>
+          </p:nvPr>
+        </p:nvSpPr>
+        <p:spPr/>
+        <p:txBody>
+          <a:bodyPr/>
+          <a:lstStyle/>
+          <a:p>
+            <a:r>
+              <a:rPr lang="ko-KR" altLang="en-US" dirty="0"/>
+              <a:t>간단하게 실습을 하면서 </a:t>
+            </a:r>
+            <a:r>
+              <a:rPr lang="en-US" altLang="ko-KR" dirty="0"/>
+              <a:t>ELK</a:t>
+            </a:r>
+            <a:r>
+              <a:rPr lang="ko-KR" altLang="en-US" dirty="0"/>
+              <a:t> 활용 및 가능성을 파악</a:t>
+            </a:r>
+          </a:p>
+          <a:p>
+            <a:endParaRPr lang="ko-KR" altLang="en-US" dirty="0"/>
+          </a:p>
+        </p:txBody>
+      </p:sp>
+      <p:sp>
+        <p:nvSpPr>
+          <p:cNvPr id="6" name="Rectangle 1"/>
+          <p:cNvSpPr>
+            <a:spLocks noChangeArrowheads="1"/>
+          </p:cNvSpPr>
+          <p:nvPr/>
+        </p:nvSpPr>
+        <p:spPr bwMode="auto">
+          <a:xfrm>
+            <a:off x="488504" y="2027166"/>
+            <a:ext cx="4229043" cy="861774"/>
           </a:xfrm>
           <a:prstGeom prst="rect">
             <a:avLst/>
           </a:prstGeom>
           <a:solidFill>
-            <a:srgbClr val="F68938"/>
+            <a:srgbClr val="EEFEFE"/>
           </a:solidFill>
           <a:ln>
             <a:noFill/>
           </a:ln>
+          <a:effectLst/>
+          <a:extLst>
+            <a:ext uri="{91240B29-F687-4F45-9708-019B960494DF}">
+              <a14:hiddenLine xmlns:a14="http://schemas.microsoft.com/office/drawing/2010/main" w="9525">
+                <a:solidFill>
+                  <a:schemeClr val="tx1"/>
+                </a:solidFill>
+                <a:miter lim="800000"/>
+                <a:headEnd/>
+                <a:tailEnd/>
+              </a14:hiddenLine>
+            </a:ext>
+            <a:ext uri="{AF507438-7753-43E0-B8FC-AC1667EBCBE1}">
+              <a14:hiddenEffects xmlns:a14="http://schemas.microsoft.com/office/drawing/2010/main">
+                <a:effectLst>
+                  <a:outerShdw dist="35921" dir="2700000" algn="ctr" rotWithShape="0">
+                    <a:schemeClr val="bg2"/>
+                  </a:outerShdw>
+                </a:effectLst>
+              </a14:hiddenEffects>
+            </a:ext>
+          </a:extLst>
         </p:spPr>
-        <p:style>
-          <a:lnRef idx="2">
-            <a:schemeClr val="accent1">
-              <a:shade val="50000"/>
-            </a:schemeClr>
-          </a:lnRef>
-          <a:fillRef idx="1">
-            <a:schemeClr val="accent1"/>
-          </a:fillRef>
-          <a:effectRef idx="0">
-            <a:schemeClr val="accent1"/>
-          </a:effectRef>
-          <a:fontRef idx="minor">
-            <a:schemeClr val="lt1"/>
-          </a:fontRef>
-        </p:style>
         <p:txBody>
-          <a:bodyPr rtlCol="0" anchor="ctr"/>
+          <a:bodyPr vert="horz" wrap="none" lIns="91440" tIns="45720" rIns="91440" bIns="45720" numCol="1" anchor="ctr" anchorCtr="0" compatLnSpc="1">
+            <a:prstTxWarp prst="textNoShape">
+              <a:avLst/>
+            </a:prstTxWarp>
+            <a:spAutoFit/>
+          </a:bodyPr>
           <a:lstStyle/>
           <a:p>
-            <a:pPr algn="ctr" defTabSz="839480"/>
-            <a:endParaRPr lang="ko-KR" altLang="en-US" sz="1700" dirty="0">
+            <a:pPr marL="0" marR="0" lvl="0" indent="0" algn="l" defTabSz="914400" rtl="0" eaLnBrk="1" fontAlgn="base" latinLnBrk="1" hangingPunct="1">
+              <a:lnSpc>
+                <a:spcPct val="100000"/>
+              </a:lnSpc>
+              <a:spcBef>
+                <a:spcPct val="0"/>
+              </a:spcBef>
+              <a:spcAft>
+                <a:spcPct val="0"/>
+              </a:spcAft>
+              <a:buClrTx/>
+              <a:buSzTx/>
+              <a:buFontTx/>
+              <a:buNone/>
+              <a:tabLst/>
+            </a:pPr>
+            <a:r>
+              <a:rPr kumimoji="1" lang="ko-KR" altLang="ko-KR" sz="1000" b="0" i="0" u="none" strike="noStrike" cap="none" normalizeH="0" baseline="0" dirty="0" smtClean="0">
+                <a:ln>
+                  <a:noFill/>
+                </a:ln>
+                <a:solidFill>
+                  <a:srgbClr val="000000"/>
+                </a:solidFill>
+                <a:effectLst/>
+                <a:latin typeface="Arial Unicode MS" pitchFamily="50" charset="-127"/>
+                <a:ea typeface="굴림" pitchFamily="50" charset="-127"/>
+                <a:cs typeface="굴림" pitchFamily="50" charset="-127"/>
+              </a:rPr>
+              <a:t>cd ~/local </a:t>
+            </a:r>
+            <a:endParaRPr kumimoji="1" lang="en-US" altLang="ko-KR" sz="1000" b="0" i="0" u="none" strike="noStrike" cap="none" normalizeH="0" baseline="0" dirty="0" smtClean="0">
+              <a:ln>
+                <a:noFill/>
+              </a:ln>
               <a:solidFill>
-                <a:prstClr val="white"/>
+                <a:srgbClr val="000000"/>
               </a:solidFill>
-              <a:latin typeface="맑은 고딕" panose="020B0503020000020004" pitchFamily="50" charset="-127"/>
-              <a:ea typeface="맑은 고딕" panose="020B0503020000020004" pitchFamily="50" charset="-127"/>
+              <a:effectLst/>
+              <a:latin typeface="Arial Unicode MS" pitchFamily="50" charset="-127"/>
+              <a:ea typeface="굴림" pitchFamily="50" charset="-127"/>
+              <a:cs typeface="굴림" pitchFamily="50" charset="-127"/>
+            </a:endParaRPr>
+          </a:p>
+          <a:p>
+            <a:pPr marL="0" marR="0" lvl="0" indent="0" algn="l" defTabSz="914400" rtl="0" eaLnBrk="1" fontAlgn="base" latinLnBrk="1" hangingPunct="1">
+              <a:lnSpc>
+                <a:spcPct val="100000"/>
+              </a:lnSpc>
+              <a:spcBef>
+                <a:spcPct val="0"/>
+              </a:spcBef>
+              <a:spcAft>
+                <a:spcPct val="0"/>
+              </a:spcAft>
+              <a:buClrTx/>
+              <a:buSzTx/>
+              <a:buFontTx/>
+              <a:buNone/>
+              <a:tabLst/>
+            </a:pPr>
+            <a:r>
+              <a:rPr kumimoji="1" lang="ko-KR" altLang="ko-KR" sz="1000" b="0" i="0" u="none" strike="noStrike" cap="none" normalizeH="0" baseline="0" dirty="0" smtClean="0">
+                <a:ln>
+                  <a:noFill/>
+                </a:ln>
+                <a:solidFill>
+                  <a:srgbClr val="000000"/>
+                </a:solidFill>
+                <a:effectLst/>
+                <a:latin typeface="Arial Unicode MS" pitchFamily="50" charset="-127"/>
+                <a:ea typeface="굴림" pitchFamily="50" charset="-127"/>
+                <a:cs typeface="굴림" pitchFamily="50" charset="-127"/>
+              </a:rPr>
+              <a:t>wget </a:t>
+            </a:r>
+            <a:r>
+              <a:rPr kumimoji="1" lang="ko-KR" altLang="ko-KR" sz="1000" b="0" i="0" u="none" strike="noStrike" cap="none" normalizeH="0" baseline="0" dirty="0" smtClean="0">
+                <a:ln>
+                  <a:noFill/>
+                </a:ln>
+                <a:solidFill>
+                  <a:srgbClr val="000000"/>
+                </a:solidFill>
+                <a:effectLst/>
+                <a:latin typeface="Arial Unicode MS" pitchFamily="50" charset="-127"/>
+                <a:ea typeface="굴림" pitchFamily="50" charset="-127"/>
+                <a:cs typeface="굴림" pitchFamily="50" charset="-127"/>
+                <a:hlinkClick r:id="rId2"/>
+              </a:rPr>
+              <a:t>https://artifacts.elastic.co/downloads/logstash/logstash-5.3.0.tar.gz</a:t>
+            </a:r>
+            <a:endParaRPr kumimoji="1" lang="en-US" altLang="ko-KR" sz="1000" b="0" i="0" u="none" strike="noStrike" cap="none" normalizeH="0" baseline="0" dirty="0" smtClean="0">
+              <a:ln>
+                <a:noFill/>
+              </a:ln>
+              <a:solidFill>
+                <a:srgbClr val="000000"/>
+              </a:solidFill>
+              <a:effectLst/>
+              <a:latin typeface="Arial Unicode MS" pitchFamily="50" charset="-127"/>
+              <a:ea typeface="굴림" pitchFamily="50" charset="-127"/>
+              <a:cs typeface="굴림" pitchFamily="50" charset="-127"/>
+            </a:endParaRPr>
+          </a:p>
+          <a:p>
+            <a:pPr marL="0" marR="0" lvl="0" indent="0" algn="l" defTabSz="914400" rtl="0" eaLnBrk="1" fontAlgn="base" latinLnBrk="1" hangingPunct="1">
+              <a:lnSpc>
+                <a:spcPct val="100000"/>
+              </a:lnSpc>
+              <a:spcBef>
+                <a:spcPct val="0"/>
+              </a:spcBef>
+              <a:spcAft>
+                <a:spcPct val="0"/>
+              </a:spcAft>
+              <a:buClrTx/>
+              <a:buSzTx/>
+              <a:buFontTx/>
+              <a:buNone/>
+              <a:tabLst/>
+            </a:pPr>
+            <a:r>
+              <a:rPr kumimoji="1" lang="ko-KR" altLang="ko-KR" sz="1000" b="0" i="0" u="none" strike="noStrike" cap="none" normalizeH="0" baseline="0" dirty="0" smtClean="0">
+                <a:ln>
+                  <a:noFill/>
+                </a:ln>
+                <a:solidFill>
+                  <a:srgbClr val="000000"/>
+                </a:solidFill>
+                <a:effectLst/>
+                <a:latin typeface="Arial Unicode MS" pitchFamily="50" charset="-127"/>
+                <a:ea typeface="굴림" pitchFamily="50" charset="-127"/>
+                <a:cs typeface="굴림" pitchFamily="50" charset="-127"/>
+              </a:rPr>
+              <a:t>tar xvfz logstash-5.3.0.tar.gz </a:t>
+            </a:r>
+            <a:endParaRPr kumimoji="1" lang="en-US" altLang="ko-KR" sz="1000" b="0" i="0" u="none" strike="noStrike" cap="none" normalizeH="0" baseline="0" dirty="0" smtClean="0">
+              <a:ln>
+                <a:noFill/>
+              </a:ln>
+              <a:solidFill>
+                <a:srgbClr val="000000"/>
+              </a:solidFill>
+              <a:effectLst/>
+              <a:latin typeface="Arial Unicode MS" pitchFamily="50" charset="-127"/>
+              <a:ea typeface="굴림" pitchFamily="50" charset="-127"/>
+              <a:cs typeface="굴림" pitchFamily="50" charset="-127"/>
+            </a:endParaRPr>
+          </a:p>
+          <a:p>
+            <a:pPr marL="0" marR="0" lvl="0" indent="0" algn="l" defTabSz="914400" rtl="0" eaLnBrk="1" fontAlgn="base" latinLnBrk="1" hangingPunct="1">
+              <a:lnSpc>
+                <a:spcPct val="100000"/>
+              </a:lnSpc>
+              <a:spcBef>
+                <a:spcPct val="0"/>
+              </a:spcBef>
+              <a:spcAft>
+                <a:spcPct val="0"/>
+              </a:spcAft>
+              <a:buClrTx/>
+              <a:buSzTx/>
+              <a:buFontTx/>
+              <a:buNone/>
+              <a:tabLst/>
+            </a:pPr>
+            <a:r>
+              <a:rPr kumimoji="1" lang="ko-KR" altLang="ko-KR" sz="1000" b="0" i="0" u="none" strike="noStrike" cap="none" normalizeH="0" baseline="0" dirty="0" smtClean="0">
+                <a:ln>
+                  <a:noFill/>
+                </a:ln>
+                <a:solidFill>
+                  <a:srgbClr val="000000"/>
+                </a:solidFill>
+                <a:effectLst/>
+                <a:latin typeface="Arial Unicode MS" pitchFamily="50" charset="-127"/>
+                <a:ea typeface="굴림" pitchFamily="50" charset="-127"/>
+                <a:cs typeface="굴림" pitchFamily="50" charset="-127"/>
+              </a:rPr>
+              <a:t>ln -s logstash-5.3.0 logstash </a:t>
+            </a:r>
+            <a:endParaRPr kumimoji="1" lang="en-US" altLang="ko-KR" sz="1000" b="0" i="0" u="none" strike="noStrike" cap="none" normalizeH="0" baseline="0" dirty="0" smtClean="0">
+              <a:ln>
+                <a:noFill/>
+              </a:ln>
+              <a:solidFill>
+                <a:srgbClr val="000000"/>
+              </a:solidFill>
+              <a:effectLst/>
+              <a:latin typeface="Arial Unicode MS" pitchFamily="50" charset="-127"/>
+              <a:ea typeface="굴림" pitchFamily="50" charset="-127"/>
+              <a:cs typeface="굴림" pitchFamily="50" charset="-127"/>
+            </a:endParaRPr>
+          </a:p>
+          <a:p>
+            <a:pPr marL="0" marR="0" lvl="0" indent="0" algn="l" defTabSz="914400" rtl="0" eaLnBrk="1" fontAlgn="base" latinLnBrk="1" hangingPunct="1">
+              <a:lnSpc>
+                <a:spcPct val="100000"/>
+              </a:lnSpc>
+              <a:spcBef>
+                <a:spcPct val="0"/>
+              </a:spcBef>
+              <a:spcAft>
+                <a:spcPct val="0"/>
+              </a:spcAft>
+              <a:buClrTx/>
+              <a:buSzTx/>
+              <a:buFontTx/>
+              <a:buNone/>
+              <a:tabLst/>
+            </a:pPr>
+            <a:r>
+              <a:rPr kumimoji="1" lang="ko-KR" altLang="ko-KR" sz="1000" b="0" i="0" u="none" strike="noStrike" cap="none" normalizeH="0" baseline="0" dirty="0" smtClean="0">
+                <a:ln>
+                  <a:noFill/>
+                </a:ln>
+                <a:solidFill>
+                  <a:srgbClr val="000000"/>
+                </a:solidFill>
+                <a:effectLst/>
+                <a:latin typeface="Arial Unicode MS" pitchFamily="50" charset="-127"/>
+                <a:ea typeface="굴림" pitchFamily="50" charset="-127"/>
+                <a:cs typeface="굴림" pitchFamily="50" charset="-127"/>
+              </a:rPr>
+              <a:t>cd logstash</a:t>
+            </a:r>
+            <a:r>
+              <a:rPr kumimoji="1" lang="ko-KR" altLang="ko-KR" sz="600" b="0" i="0" u="none" strike="noStrike" cap="none" normalizeH="0" baseline="0" dirty="0" smtClean="0">
+                <a:ln>
+                  <a:noFill/>
+                </a:ln>
+                <a:solidFill>
+                  <a:schemeClr val="tx1"/>
+                </a:solidFill>
+                <a:effectLst/>
+                <a:latin typeface="굴림" pitchFamily="50" charset="-127"/>
+                <a:ea typeface="굴림" pitchFamily="50" charset="-127"/>
+                <a:cs typeface="굴림" pitchFamily="50" charset="-127"/>
+              </a:rPr>
+              <a:t> </a:t>
+            </a:r>
+            <a:endParaRPr kumimoji="1" lang="ko-KR" altLang="ko-KR" sz="1800" b="0" i="0" u="none" strike="noStrike" cap="none" normalizeH="0" baseline="0" dirty="0" smtClean="0">
+              <a:ln>
+                <a:noFill/>
+              </a:ln>
+              <a:solidFill>
+                <a:schemeClr val="tx1"/>
+              </a:solidFill>
+              <a:effectLst/>
+              <a:latin typeface="굴림" pitchFamily="50" charset="-127"/>
+              <a:ea typeface="굴림" pitchFamily="50" charset="-127"/>
+              <a:cs typeface="굴림" pitchFamily="50" charset="-127"/>
             </a:endParaRPr>
           </a:p>
         </p:txBody>
       </p:sp>
       <p:sp>
         <p:nvSpPr>
-          <p:cNvPr id="49" name="직사각형 48"/>
-          <p:cNvSpPr/>
+          <p:cNvPr id="7" name="내용 개체 틀 2"/>
+          <p:cNvSpPr txBox="1">
+            <a:spLocks/>
+          </p:cNvSpPr>
           <p:nvPr/>
         </p:nvSpPr>
         <p:spPr>
           <a:xfrm>
-            <a:off x="3153001" y="2786058"/>
-            <a:ext cx="3600000" cy="41556"/>
+            <a:off x="273050" y="3176972"/>
+            <a:ext cx="4679950" cy="468015"/>
+          </a:xfrm>
+          <a:prstGeom prst="rect">
+            <a:avLst/>
+          </a:prstGeom>
+        </p:spPr>
+        <p:txBody>
+          <a:bodyPr/>
+          <a:lstStyle>
+            <a:lvl1pPr marL="342900" indent="-342900" algn="l" defTabSz="914400" rtl="0" eaLnBrk="1" latinLnBrk="1" hangingPunct="1">
+              <a:lnSpc>
+                <a:spcPct val="150000"/>
+              </a:lnSpc>
+              <a:spcBef>
+                <a:spcPct val="20000"/>
+              </a:spcBef>
+              <a:buFont typeface="맑은 고딕" panose="020B0503020000020004" pitchFamily="50" charset="-127"/>
+              <a:buChar char="■"/>
+              <a:defRPr sz="1500" b="1" kern="1200">
+                <a:solidFill>
+                  <a:schemeClr val="tx1"/>
+                </a:solidFill>
+                <a:latin typeface="+mn-lt"/>
+                <a:ea typeface="+mn-ea"/>
+                <a:cs typeface="+mn-cs"/>
+              </a:defRPr>
+            </a:lvl1pPr>
+            <a:lvl2pPr marL="742950" indent="-285750" algn="l" defTabSz="914400" rtl="0" eaLnBrk="1" latinLnBrk="1" hangingPunct="1">
+              <a:lnSpc>
+                <a:spcPct val="150000"/>
+              </a:lnSpc>
+              <a:spcBef>
+                <a:spcPct val="20000"/>
+              </a:spcBef>
+              <a:buFont typeface="Wingdings" panose="05000000000000000000" pitchFamily="2" charset="2"/>
+              <a:buChar char="l"/>
+              <a:defRPr sz="1300" b="1" kern="1200">
+                <a:solidFill>
+                  <a:schemeClr val="tx1"/>
+                </a:solidFill>
+                <a:latin typeface="+mn-lt"/>
+                <a:ea typeface="+mn-ea"/>
+                <a:cs typeface="+mn-cs"/>
+              </a:defRPr>
+            </a:lvl2pPr>
+            <a:lvl3pPr marL="1143000" indent="-228600" algn="l" defTabSz="914400" rtl="0" eaLnBrk="1" latinLnBrk="1" hangingPunct="1">
+              <a:lnSpc>
+                <a:spcPct val="150000"/>
+              </a:lnSpc>
+              <a:spcBef>
+                <a:spcPct val="20000"/>
+              </a:spcBef>
+              <a:buFont typeface="맑은 고딕" panose="020B0503020000020004" pitchFamily="50" charset="-127"/>
+              <a:buChar char="–"/>
+              <a:defRPr sz="1300" b="1" kern="1200">
+                <a:solidFill>
+                  <a:schemeClr val="tx1"/>
+                </a:solidFill>
+                <a:latin typeface="+mn-lt"/>
+                <a:ea typeface="+mn-ea"/>
+                <a:cs typeface="+mn-cs"/>
+              </a:defRPr>
+            </a:lvl3pPr>
+            <a:lvl4pPr marL="1600200" indent="-228600" algn="l" defTabSz="914400" rtl="0" eaLnBrk="1" latinLnBrk="1" hangingPunct="1">
+              <a:spcBef>
+                <a:spcPct val="20000"/>
+              </a:spcBef>
+              <a:buFont typeface="Arial" pitchFamily="34" charset="0"/>
+              <a:buChar char="–"/>
+              <a:defRPr sz="1500" b="1" kern="1200">
+                <a:solidFill>
+                  <a:schemeClr val="tx1"/>
+                </a:solidFill>
+                <a:latin typeface="+mn-lt"/>
+                <a:ea typeface="+mn-ea"/>
+                <a:cs typeface="+mn-cs"/>
+              </a:defRPr>
+            </a:lvl4pPr>
+            <a:lvl5pPr marL="2057400" indent="-228600" algn="l" defTabSz="914400" rtl="0" eaLnBrk="1" latinLnBrk="1" hangingPunct="1">
+              <a:spcBef>
+                <a:spcPct val="20000"/>
+              </a:spcBef>
+              <a:buFont typeface="Arial" pitchFamily="34" charset="0"/>
+              <a:buChar char="»"/>
+              <a:defRPr sz="1500" b="1" kern="1200">
+                <a:solidFill>
+                  <a:schemeClr val="tx1"/>
+                </a:solidFill>
+                <a:latin typeface="+mn-lt"/>
+                <a:ea typeface="+mn-ea"/>
+                <a:cs typeface="+mn-cs"/>
+              </a:defRPr>
+            </a:lvl5pPr>
+            <a:lvl6pPr marL="2514600" indent="-228600" algn="l" defTabSz="914400" rtl="0" eaLnBrk="1" latinLnBrk="1" hangingPunct="1">
+              <a:spcBef>
+                <a:spcPct val="20000"/>
+              </a:spcBef>
+              <a:buFont typeface="Arial" pitchFamily="34" charset="0"/>
+              <a:buChar char="•"/>
+              <a:defRPr sz="2000" kern="1200">
+                <a:solidFill>
+                  <a:schemeClr val="tx1"/>
+                </a:solidFill>
+                <a:latin typeface="+mn-lt"/>
+                <a:ea typeface="+mn-ea"/>
+                <a:cs typeface="+mn-cs"/>
+              </a:defRPr>
+            </a:lvl6pPr>
+            <a:lvl7pPr marL="2971800" indent="-228600" algn="l" defTabSz="914400" rtl="0" eaLnBrk="1" latinLnBrk="1" hangingPunct="1">
+              <a:spcBef>
+                <a:spcPct val="20000"/>
+              </a:spcBef>
+              <a:buFont typeface="Arial" pitchFamily="34" charset="0"/>
+              <a:buChar char="•"/>
+              <a:defRPr sz="2000" kern="1200">
+                <a:solidFill>
+                  <a:schemeClr val="tx1"/>
+                </a:solidFill>
+                <a:latin typeface="+mn-lt"/>
+                <a:ea typeface="+mn-ea"/>
+                <a:cs typeface="+mn-cs"/>
+              </a:defRPr>
+            </a:lvl7pPr>
+            <a:lvl8pPr marL="3429000" indent="-228600" algn="l" defTabSz="914400" rtl="0" eaLnBrk="1" latinLnBrk="1" hangingPunct="1">
+              <a:spcBef>
+                <a:spcPct val="20000"/>
+              </a:spcBef>
+              <a:buFont typeface="Arial" pitchFamily="34" charset="0"/>
+              <a:buChar char="•"/>
+              <a:defRPr sz="2000" kern="1200">
+                <a:solidFill>
+                  <a:schemeClr val="tx1"/>
+                </a:solidFill>
+                <a:latin typeface="+mn-lt"/>
+                <a:ea typeface="+mn-ea"/>
+                <a:cs typeface="+mn-cs"/>
+              </a:defRPr>
+            </a:lvl8pPr>
+            <a:lvl9pPr marL="3886200" indent="-228600" algn="l" defTabSz="914400" rtl="0" eaLnBrk="1" latinLnBrk="1" hangingPunct="1">
+              <a:spcBef>
+                <a:spcPct val="20000"/>
+              </a:spcBef>
+              <a:buFont typeface="Arial" pitchFamily="34" charset="0"/>
+              <a:buChar char="•"/>
+              <a:defRPr sz="2000" kern="1200">
+                <a:solidFill>
+                  <a:schemeClr val="tx1"/>
+                </a:solidFill>
+                <a:latin typeface="+mn-lt"/>
+                <a:ea typeface="+mn-ea"/>
+                <a:cs typeface="+mn-cs"/>
+              </a:defRPr>
+            </a:lvl9pPr>
+          </a:lstStyle>
+          <a:p>
+            <a:endParaRPr lang="ko-KR" altLang="en-US" dirty="0"/>
+          </a:p>
+        </p:txBody>
+      </p:sp>
+      <p:sp>
+        <p:nvSpPr>
+          <p:cNvPr id="9" name="Rectangle 3"/>
+          <p:cNvSpPr>
+            <a:spLocks noChangeArrowheads="1"/>
+          </p:cNvSpPr>
+          <p:nvPr/>
+        </p:nvSpPr>
+        <p:spPr bwMode="auto">
+          <a:xfrm>
+            <a:off x="5097016" y="2079136"/>
+            <a:ext cx="4041491" cy="2970044"/>
           </a:xfrm>
           <a:prstGeom prst="rect">
             <a:avLst/>
           </a:prstGeom>
           <a:solidFill>
-            <a:srgbClr val="DE0000"/>
+            <a:srgbClr val="EEFEFE"/>
           </a:solidFill>
           <a:ln>
             <a:noFill/>
           </a:ln>
+          <a:effectLst/>
+          <a:extLst>
+            <a:ext uri="{91240B29-F687-4F45-9708-019B960494DF}">
+              <a14:hiddenLine xmlns:a14="http://schemas.microsoft.com/office/drawing/2010/main" w="9525">
+                <a:solidFill>
+                  <a:schemeClr val="tx1"/>
+                </a:solidFill>
+                <a:miter lim="800000"/>
+                <a:headEnd/>
+                <a:tailEnd/>
+              </a14:hiddenLine>
+            </a:ext>
+            <a:ext uri="{AF507438-7753-43E0-B8FC-AC1667EBCBE1}">
+              <a14:hiddenEffects xmlns:a14="http://schemas.microsoft.com/office/drawing/2010/main">
+                <a:effectLst>
+                  <a:outerShdw dist="35921" dir="2700000" algn="ctr" rotWithShape="0">
+                    <a:schemeClr val="bg2"/>
+                  </a:outerShdw>
+                </a:effectLst>
+              </a14:hiddenEffects>
+            </a:ext>
+          </a:extLst>
         </p:spPr>
-        <p:style>
-          <a:lnRef idx="2">
-            <a:schemeClr val="accent1">
-              <a:shade val="50000"/>
-            </a:schemeClr>
-          </a:lnRef>
-          <a:fillRef idx="1">
-            <a:schemeClr val="accent1"/>
-          </a:fillRef>
-          <a:effectRef idx="0">
-            <a:schemeClr val="accent1"/>
-          </a:effectRef>
-          <a:fontRef idx="minor">
-            <a:schemeClr val="lt1"/>
-          </a:fontRef>
-        </p:style>
         <p:txBody>
-          <a:bodyPr rtlCol="0" anchor="ctr"/>
+          <a:bodyPr vert="horz" wrap="none" lIns="91440" tIns="45720" rIns="91440" bIns="45720" numCol="1" anchor="ctr" anchorCtr="0" compatLnSpc="1">
+            <a:prstTxWarp prst="textNoShape">
+              <a:avLst/>
+            </a:prstTxWarp>
+            <a:spAutoFit/>
+          </a:bodyPr>
           <a:lstStyle/>
           <a:p>
-            <a:pPr algn="ctr" defTabSz="839480"/>
-            <a:endParaRPr lang="ko-KR" altLang="en-US" sz="1700" dirty="0">
+            <a:pPr lvl="0" fontAlgn="base">
+              <a:spcBef>
+                <a:spcPct val="0"/>
+              </a:spcBef>
+              <a:spcAft>
+                <a:spcPct val="0"/>
+              </a:spcAft>
+            </a:pPr>
+            <a:r>
+              <a:rPr kumimoji="1" lang="en-US" altLang="ko-KR" sz="1100" b="1" dirty="0">
+                <a:solidFill>
+                  <a:srgbClr val="FF0000"/>
+                </a:solidFill>
+                <a:latin typeface="Arial Unicode MS" pitchFamily="50" charset="-127"/>
+                <a:ea typeface="굴림" pitchFamily="50" charset="-127"/>
+                <a:cs typeface="굴림" pitchFamily="50" charset="-127"/>
+              </a:rPr>
+              <a:t>input</a:t>
+            </a:r>
+            <a:r>
+              <a:rPr kumimoji="1" lang="en-US" altLang="ko-KR" sz="1100" dirty="0">
+                <a:solidFill>
+                  <a:srgbClr val="FF0000"/>
+                </a:solidFill>
+                <a:latin typeface="Arial Unicode MS" pitchFamily="50" charset="-127"/>
+                <a:ea typeface="굴림" pitchFamily="50" charset="-127"/>
+                <a:cs typeface="굴림" pitchFamily="50" charset="-127"/>
+              </a:rPr>
+              <a:t> </a:t>
+            </a:r>
+            <a:r>
+              <a:rPr kumimoji="1" lang="en-US" altLang="ko-KR" sz="1100" dirty="0">
+                <a:solidFill>
+                  <a:srgbClr val="000000"/>
+                </a:solidFill>
+                <a:latin typeface="Arial Unicode MS" pitchFamily="50" charset="-127"/>
+                <a:ea typeface="굴림" pitchFamily="50" charset="-127"/>
+                <a:cs typeface="굴림" pitchFamily="50" charset="-127"/>
+              </a:rPr>
+              <a:t>{</a:t>
+            </a:r>
+          </a:p>
+          <a:p>
+            <a:pPr lvl="0" fontAlgn="base">
+              <a:spcBef>
+                <a:spcPct val="0"/>
+              </a:spcBef>
+              <a:spcAft>
+                <a:spcPct val="0"/>
+              </a:spcAft>
+            </a:pPr>
+            <a:r>
+              <a:rPr kumimoji="1" lang="en-US" altLang="ko-KR" sz="1100" dirty="0">
+                <a:solidFill>
+                  <a:srgbClr val="000000"/>
+                </a:solidFill>
+                <a:latin typeface="Arial Unicode MS" pitchFamily="50" charset="-127"/>
+                <a:ea typeface="굴림" pitchFamily="50" charset="-127"/>
+                <a:cs typeface="굴림" pitchFamily="50" charset="-127"/>
+              </a:rPr>
+              <a:t>  file {</a:t>
+            </a:r>
+          </a:p>
+          <a:p>
+            <a:pPr lvl="0" fontAlgn="base">
+              <a:spcBef>
+                <a:spcPct val="0"/>
+              </a:spcBef>
+              <a:spcAft>
+                <a:spcPct val="0"/>
+              </a:spcAft>
+            </a:pPr>
+            <a:r>
+              <a:rPr kumimoji="1" lang="en-US" altLang="ko-KR" sz="1100" dirty="0">
+                <a:solidFill>
+                  <a:srgbClr val="000000"/>
+                </a:solidFill>
+                <a:latin typeface="Arial Unicode MS" pitchFamily="50" charset="-127"/>
+                <a:ea typeface="굴림" pitchFamily="50" charset="-127"/>
+                <a:cs typeface="굴림" pitchFamily="50" charset="-127"/>
+              </a:rPr>
+              <a:t>      path =&gt; "/</a:t>
+            </a:r>
+            <a:r>
+              <a:rPr kumimoji="1" lang="en-US" altLang="ko-KR" sz="1100" dirty="0" err="1">
+                <a:solidFill>
+                  <a:srgbClr val="000000"/>
+                </a:solidFill>
+                <a:latin typeface="Arial Unicode MS" pitchFamily="50" charset="-127"/>
+                <a:ea typeface="굴림" pitchFamily="50" charset="-127"/>
+                <a:cs typeface="굴림" pitchFamily="50" charset="-127"/>
+              </a:rPr>
+              <a:t>var</a:t>
+            </a:r>
+            <a:r>
+              <a:rPr kumimoji="1" lang="en-US" altLang="ko-KR" sz="1100" dirty="0">
+                <a:solidFill>
+                  <a:srgbClr val="000000"/>
+                </a:solidFill>
+                <a:latin typeface="Arial Unicode MS" pitchFamily="50" charset="-127"/>
+                <a:ea typeface="굴림" pitchFamily="50" charset="-127"/>
+                <a:cs typeface="굴림" pitchFamily="50" charset="-127"/>
+              </a:rPr>
+              <a:t>/log/</a:t>
+            </a:r>
+            <a:r>
+              <a:rPr kumimoji="1" lang="en-US" altLang="ko-KR" sz="1100" dirty="0" err="1">
+                <a:solidFill>
+                  <a:srgbClr val="000000"/>
+                </a:solidFill>
+                <a:latin typeface="Arial Unicode MS" pitchFamily="50" charset="-127"/>
+                <a:ea typeface="굴림" pitchFamily="50" charset="-127"/>
+                <a:cs typeface="굴림" pitchFamily="50" charset="-127"/>
+              </a:rPr>
+              <a:t>nginx</a:t>
+            </a:r>
+            <a:r>
+              <a:rPr kumimoji="1" lang="en-US" altLang="ko-KR" sz="1100" dirty="0">
+                <a:solidFill>
+                  <a:srgbClr val="000000"/>
+                </a:solidFill>
+                <a:latin typeface="Arial Unicode MS" pitchFamily="50" charset="-127"/>
+                <a:ea typeface="굴림" pitchFamily="50" charset="-127"/>
+                <a:cs typeface="굴림" pitchFamily="50" charset="-127"/>
+              </a:rPr>
+              <a:t>/access.log"</a:t>
+            </a:r>
+          </a:p>
+          <a:p>
+            <a:pPr lvl="0" fontAlgn="base">
+              <a:spcBef>
+                <a:spcPct val="0"/>
+              </a:spcBef>
+              <a:spcAft>
+                <a:spcPct val="0"/>
+              </a:spcAft>
+            </a:pPr>
+            <a:r>
+              <a:rPr kumimoji="1" lang="en-US" altLang="ko-KR" sz="1100" dirty="0">
+                <a:solidFill>
+                  <a:srgbClr val="000000"/>
+                </a:solidFill>
+                <a:latin typeface="Arial Unicode MS" pitchFamily="50" charset="-127"/>
+                <a:ea typeface="굴림" pitchFamily="50" charset="-127"/>
+                <a:cs typeface="굴림" pitchFamily="50" charset="-127"/>
+              </a:rPr>
+              <a:t>      </a:t>
+            </a:r>
+            <a:r>
+              <a:rPr kumimoji="1" lang="en-US" altLang="ko-KR" sz="1100" dirty="0" err="1">
+                <a:solidFill>
+                  <a:srgbClr val="000000"/>
+                </a:solidFill>
+                <a:latin typeface="Arial Unicode MS" pitchFamily="50" charset="-127"/>
+                <a:ea typeface="굴림" pitchFamily="50" charset="-127"/>
+                <a:cs typeface="굴림" pitchFamily="50" charset="-127"/>
+              </a:rPr>
+              <a:t>start_position</a:t>
+            </a:r>
+            <a:r>
+              <a:rPr kumimoji="1" lang="en-US" altLang="ko-KR" sz="1100" dirty="0">
+                <a:solidFill>
+                  <a:srgbClr val="000000"/>
+                </a:solidFill>
+                <a:latin typeface="Arial Unicode MS" pitchFamily="50" charset="-127"/>
+                <a:ea typeface="굴림" pitchFamily="50" charset="-127"/>
+                <a:cs typeface="굴림" pitchFamily="50" charset="-127"/>
+              </a:rPr>
+              <a:t> =&gt; beginning</a:t>
+            </a:r>
+          </a:p>
+          <a:p>
+            <a:pPr lvl="0" fontAlgn="base">
+              <a:spcBef>
+                <a:spcPct val="0"/>
+              </a:spcBef>
+              <a:spcAft>
+                <a:spcPct val="0"/>
+              </a:spcAft>
+            </a:pPr>
+            <a:r>
+              <a:rPr kumimoji="1" lang="en-US" altLang="ko-KR" sz="1100" dirty="0">
+                <a:solidFill>
+                  <a:srgbClr val="000000"/>
+                </a:solidFill>
+                <a:latin typeface="Arial Unicode MS" pitchFamily="50" charset="-127"/>
+                <a:ea typeface="굴림" pitchFamily="50" charset="-127"/>
+                <a:cs typeface="굴림" pitchFamily="50" charset="-127"/>
+              </a:rPr>
+              <a:t>  }</a:t>
+            </a:r>
+          </a:p>
+          <a:p>
+            <a:pPr lvl="0" fontAlgn="base">
+              <a:spcBef>
+                <a:spcPct val="0"/>
+              </a:spcBef>
+              <a:spcAft>
+                <a:spcPct val="0"/>
+              </a:spcAft>
+            </a:pPr>
+            <a:r>
+              <a:rPr kumimoji="1" lang="en-US" altLang="ko-KR" sz="1100" dirty="0">
+                <a:solidFill>
+                  <a:srgbClr val="000000"/>
+                </a:solidFill>
+                <a:latin typeface="Arial Unicode MS" pitchFamily="50" charset="-127"/>
+                <a:ea typeface="굴림" pitchFamily="50" charset="-127"/>
+                <a:cs typeface="굴림" pitchFamily="50" charset="-127"/>
+              </a:rPr>
+              <a:t>}</a:t>
+            </a:r>
+          </a:p>
+          <a:p>
+            <a:pPr lvl="0" fontAlgn="base">
+              <a:spcBef>
+                <a:spcPct val="0"/>
+              </a:spcBef>
+              <a:spcAft>
+                <a:spcPct val="0"/>
+              </a:spcAft>
+            </a:pPr>
+            <a:r>
+              <a:rPr kumimoji="1" lang="en-US" altLang="ko-KR" sz="1100" b="1" dirty="0">
+                <a:solidFill>
+                  <a:srgbClr val="FF0000"/>
+                </a:solidFill>
+                <a:latin typeface="Arial Unicode MS" pitchFamily="50" charset="-127"/>
+                <a:ea typeface="굴림" pitchFamily="50" charset="-127"/>
+                <a:cs typeface="굴림" pitchFamily="50" charset="-127"/>
+              </a:rPr>
+              <a:t>filter</a:t>
+            </a:r>
+            <a:r>
+              <a:rPr kumimoji="1" lang="en-US" altLang="ko-KR" sz="1100" dirty="0">
+                <a:solidFill>
+                  <a:srgbClr val="FF0000"/>
+                </a:solidFill>
+                <a:latin typeface="Arial Unicode MS" pitchFamily="50" charset="-127"/>
+                <a:ea typeface="굴림" pitchFamily="50" charset="-127"/>
+                <a:cs typeface="굴림" pitchFamily="50" charset="-127"/>
+              </a:rPr>
+              <a:t> </a:t>
+            </a:r>
+            <a:r>
+              <a:rPr kumimoji="1" lang="en-US" altLang="ko-KR" sz="1100" dirty="0">
+                <a:solidFill>
+                  <a:srgbClr val="000000"/>
+                </a:solidFill>
+                <a:latin typeface="Arial Unicode MS" pitchFamily="50" charset="-127"/>
+                <a:ea typeface="굴림" pitchFamily="50" charset="-127"/>
+                <a:cs typeface="굴림" pitchFamily="50" charset="-127"/>
+              </a:rPr>
+              <a:t>{</a:t>
+            </a:r>
+          </a:p>
+          <a:p>
+            <a:pPr lvl="0" fontAlgn="base">
+              <a:spcBef>
+                <a:spcPct val="0"/>
+              </a:spcBef>
+              <a:spcAft>
+                <a:spcPct val="0"/>
+              </a:spcAft>
+            </a:pPr>
+            <a:r>
+              <a:rPr kumimoji="1" lang="en-US" altLang="ko-KR" sz="1100" dirty="0">
+                <a:solidFill>
+                  <a:srgbClr val="000000"/>
+                </a:solidFill>
+                <a:latin typeface="Arial Unicode MS" pitchFamily="50" charset="-127"/>
+                <a:ea typeface="굴림" pitchFamily="50" charset="-127"/>
+                <a:cs typeface="굴림" pitchFamily="50" charset="-127"/>
+              </a:rPr>
+              <a:t>  </a:t>
+            </a:r>
+            <a:r>
+              <a:rPr kumimoji="1" lang="en-US" altLang="ko-KR" sz="1100" dirty="0" err="1">
+                <a:solidFill>
+                  <a:srgbClr val="000000"/>
+                </a:solidFill>
+                <a:latin typeface="Arial Unicode MS" pitchFamily="50" charset="-127"/>
+                <a:ea typeface="굴림" pitchFamily="50" charset="-127"/>
+                <a:cs typeface="굴림" pitchFamily="50" charset="-127"/>
+              </a:rPr>
+              <a:t>grok</a:t>
+            </a:r>
+            <a:r>
+              <a:rPr kumimoji="1" lang="en-US" altLang="ko-KR" sz="1100" dirty="0">
+                <a:solidFill>
+                  <a:srgbClr val="000000"/>
+                </a:solidFill>
+                <a:latin typeface="Arial Unicode MS" pitchFamily="50" charset="-127"/>
+                <a:ea typeface="굴림" pitchFamily="50" charset="-127"/>
+                <a:cs typeface="굴림" pitchFamily="50" charset="-127"/>
+              </a:rPr>
+              <a:t> {</a:t>
+            </a:r>
+          </a:p>
+          <a:p>
+            <a:pPr lvl="0" fontAlgn="base">
+              <a:spcBef>
+                <a:spcPct val="0"/>
+              </a:spcBef>
+              <a:spcAft>
+                <a:spcPct val="0"/>
+              </a:spcAft>
+            </a:pPr>
+            <a:r>
+              <a:rPr kumimoji="1" lang="en-US" altLang="ko-KR" sz="1100" dirty="0">
+                <a:solidFill>
+                  <a:srgbClr val="000000"/>
+                </a:solidFill>
+                <a:latin typeface="Arial Unicode MS" pitchFamily="50" charset="-127"/>
+                <a:ea typeface="굴림" pitchFamily="50" charset="-127"/>
+                <a:cs typeface="굴림" pitchFamily="50" charset="-127"/>
+              </a:rPr>
+              <a:t>      match =&gt; { "message" =&gt; "%{COMBINEDAPACHELOG}"}</a:t>
+            </a:r>
+          </a:p>
+          <a:p>
+            <a:pPr lvl="0" fontAlgn="base">
+              <a:spcBef>
+                <a:spcPct val="0"/>
+              </a:spcBef>
+              <a:spcAft>
+                <a:spcPct val="0"/>
+              </a:spcAft>
+            </a:pPr>
+            <a:r>
+              <a:rPr kumimoji="1" lang="en-US" altLang="ko-KR" sz="1100" dirty="0">
+                <a:solidFill>
+                  <a:srgbClr val="000000"/>
+                </a:solidFill>
+                <a:latin typeface="Arial Unicode MS" pitchFamily="50" charset="-127"/>
+                <a:ea typeface="굴림" pitchFamily="50" charset="-127"/>
+                <a:cs typeface="굴림" pitchFamily="50" charset="-127"/>
+              </a:rPr>
+              <a:t>  }</a:t>
+            </a:r>
+          </a:p>
+          <a:p>
+            <a:pPr lvl="0" fontAlgn="base">
+              <a:spcBef>
+                <a:spcPct val="0"/>
+              </a:spcBef>
+              <a:spcAft>
+                <a:spcPct val="0"/>
+              </a:spcAft>
+            </a:pPr>
+            <a:r>
+              <a:rPr kumimoji="1" lang="en-US" altLang="ko-KR" sz="1100" dirty="0">
+                <a:solidFill>
+                  <a:srgbClr val="000000"/>
+                </a:solidFill>
+                <a:latin typeface="Arial Unicode MS" pitchFamily="50" charset="-127"/>
+                <a:ea typeface="굴림" pitchFamily="50" charset="-127"/>
+                <a:cs typeface="굴림" pitchFamily="50" charset="-127"/>
+              </a:rPr>
+              <a:t>  </a:t>
+            </a:r>
+            <a:r>
+              <a:rPr kumimoji="1" lang="en-US" altLang="ko-KR" sz="1100" dirty="0" err="1">
+                <a:solidFill>
+                  <a:srgbClr val="000000"/>
+                </a:solidFill>
+                <a:latin typeface="Arial Unicode MS" pitchFamily="50" charset="-127"/>
+                <a:ea typeface="굴림" pitchFamily="50" charset="-127"/>
+                <a:cs typeface="굴림" pitchFamily="50" charset="-127"/>
+              </a:rPr>
+              <a:t>geoip</a:t>
+            </a:r>
+            <a:r>
+              <a:rPr kumimoji="1" lang="en-US" altLang="ko-KR" sz="1100" dirty="0">
+                <a:solidFill>
+                  <a:srgbClr val="000000"/>
+                </a:solidFill>
+                <a:latin typeface="Arial Unicode MS" pitchFamily="50" charset="-127"/>
+                <a:ea typeface="굴림" pitchFamily="50" charset="-127"/>
+                <a:cs typeface="굴림" pitchFamily="50" charset="-127"/>
+              </a:rPr>
+              <a:t> {</a:t>
+            </a:r>
+          </a:p>
+          <a:p>
+            <a:pPr lvl="0" fontAlgn="base">
+              <a:spcBef>
+                <a:spcPct val="0"/>
+              </a:spcBef>
+              <a:spcAft>
+                <a:spcPct val="0"/>
+              </a:spcAft>
+            </a:pPr>
+            <a:r>
+              <a:rPr kumimoji="1" lang="en-US" altLang="ko-KR" sz="1100" dirty="0">
+                <a:solidFill>
+                  <a:srgbClr val="000000"/>
+                </a:solidFill>
+                <a:latin typeface="Arial Unicode MS" pitchFamily="50" charset="-127"/>
+                <a:ea typeface="굴림" pitchFamily="50" charset="-127"/>
+                <a:cs typeface="굴림" pitchFamily="50" charset="-127"/>
+              </a:rPr>
+              <a:t>      source =&gt; "</a:t>
+            </a:r>
+            <a:r>
+              <a:rPr kumimoji="1" lang="en-US" altLang="ko-KR" sz="1100" dirty="0" err="1">
+                <a:solidFill>
+                  <a:srgbClr val="000000"/>
+                </a:solidFill>
+                <a:latin typeface="Arial Unicode MS" pitchFamily="50" charset="-127"/>
+                <a:ea typeface="굴림" pitchFamily="50" charset="-127"/>
+                <a:cs typeface="굴림" pitchFamily="50" charset="-127"/>
+              </a:rPr>
+              <a:t>clientip</a:t>
+            </a:r>
+            <a:r>
+              <a:rPr kumimoji="1" lang="en-US" altLang="ko-KR" sz="1100" dirty="0">
+                <a:solidFill>
+                  <a:srgbClr val="000000"/>
+                </a:solidFill>
+                <a:latin typeface="Arial Unicode MS" pitchFamily="50" charset="-127"/>
+                <a:ea typeface="굴림" pitchFamily="50" charset="-127"/>
+                <a:cs typeface="굴림" pitchFamily="50" charset="-127"/>
+              </a:rPr>
+              <a:t>"</a:t>
+            </a:r>
+          </a:p>
+          <a:p>
+            <a:pPr lvl="0" fontAlgn="base">
+              <a:spcBef>
+                <a:spcPct val="0"/>
+              </a:spcBef>
+              <a:spcAft>
+                <a:spcPct val="0"/>
+              </a:spcAft>
+            </a:pPr>
+            <a:r>
+              <a:rPr kumimoji="1" lang="en-US" altLang="ko-KR" sz="1100" dirty="0">
+                <a:solidFill>
+                  <a:srgbClr val="000000"/>
+                </a:solidFill>
+                <a:latin typeface="Arial Unicode MS" pitchFamily="50" charset="-127"/>
+                <a:ea typeface="굴림" pitchFamily="50" charset="-127"/>
+                <a:cs typeface="굴림" pitchFamily="50" charset="-127"/>
+              </a:rPr>
+              <a:t>  }</a:t>
+            </a:r>
+          </a:p>
+          <a:p>
+            <a:pPr lvl="0" fontAlgn="base">
+              <a:spcBef>
+                <a:spcPct val="0"/>
+              </a:spcBef>
+              <a:spcAft>
+                <a:spcPct val="0"/>
+              </a:spcAft>
+            </a:pPr>
+            <a:r>
+              <a:rPr kumimoji="1" lang="en-US" altLang="ko-KR" sz="1100" dirty="0">
+                <a:solidFill>
+                  <a:srgbClr val="000000"/>
+                </a:solidFill>
+                <a:latin typeface="Arial Unicode MS" pitchFamily="50" charset="-127"/>
+                <a:ea typeface="굴림" pitchFamily="50" charset="-127"/>
+                <a:cs typeface="굴림" pitchFamily="50" charset="-127"/>
+              </a:rPr>
+              <a:t>}</a:t>
+            </a:r>
+          </a:p>
+          <a:p>
+            <a:pPr lvl="0" fontAlgn="base">
+              <a:spcBef>
+                <a:spcPct val="0"/>
+              </a:spcBef>
+              <a:spcAft>
+                <a:spcPct val="0"/>
+              </a:spcAft>
+            </a:pPr>
+            <a:r>
+              <a:rPr kumimoji="1" lang="en-US" altLang="ko-KR" sz="1100" b="1" dirty="0">
+                <a:solidFill>
+                  <a:srgbClr val="FF0000"/>
+                </a:solidFill>
+                <a:latin typeface="Arial Unicode MS" pitchFamily="50" charset="-127"/>
+                <a:ea typeface="굴림" pitchFamily="50" charset="-127"/>
+                <a:cs typeface="굴림" pitchFamily="50" charset="-127"/>
+              </a:rPr>
+              <a:t>output</a:t>
+            </a:r>
+            <a:r>
+              <a:rPr kumimoji="1" lang="en-US" altLang="ko-KR" sz="1100" dirty="0">
+                <a:solidFill>
+                  <a:srgbClr val="FF0000"/>
+                </a:solidFill>
+                <a:latin typeface="Arial Unicode MS" pitchFamily="50" charset="-127"/>
+                <a:ea typeface="굴림" pitchFamily="50" charset="-127"/>
+                <a:cs typeface="굴림" pitchFamily="50" charset="-127"/>
+              </a:rPr>
+              <a:t> </a:t>
+            </a:r>
+            <a:r>
+              <a:rPr kumimoji="1" lang="en-US" altLang="ko-KR" sz="1100" dirty="0">
+                <a:solidFill>
+                  <a:srgbClr val="000000"/>
+                </a:solidFill>
+                <a:latin typeface="Arial Unicode MS" pitchFamily="50" charset="-127"/>
+                <a:ea typeface="굴림" pitchFamily="50" charset="-127"/>
+                <a:cs typeface="굴림" pitchFamily="50" charset="-127"/>
+              </a:rPr>
+              <a:t>{</a:t>
+            </a:r>
+          </a:p>
+          <a:p>
+            <a:pPr lvl="0" fontAlgn="base">
+              <a:spcBef>
+                <a:spcPct val="0"/>
+              </a:spcBef>
+              <a:spcAft>
+                <a:spcPct val="0"/>
+              </a:spcAft>
+            </a:pPr>
+            <a:r>
+              <a:rPr kumimoji="1" lang="en-US" altLang="ko-KR" sz="1100" dirty="0">
+                <a:solidFill>
+                  <a:srgbClr val="000000"/>
+                </a:solidFill>
+                <a:latin typeface="Arial Unicode MS" pitchFamily="50" charset="-127"/>
+                <a:ea typeface="굴림" pitchFamily="50" charset="-127"/>
+                <a:cs typeface="굴림" pitchFamily="50" charset="-127"/>
+              </a:rPr>
+              <a:t>  </a:t>
+            </a:r>
+            <a:r>
+              <a:rPr kumimoji="1" lang="en-US" altLang="ko-KR" sz="1100" dirty="0" err="1">
+                <a:solidFill>
+                  <a:srgbClr val="000000"/>
+                </a:solidFill>
+                <a:latin typeface="Arial Unicode MS" pitchFamily="50" charset="-127"/>
+                <a:ea typeface="굴림" pitchFamily="50" charset="-127"/>
+                <a:cs typeface="굴림" pitchFamily="50" charset="-127"/>
+              </a:rPr>
+              <a:t>elasticsearch</a:t>
+            </a:r>
+            <a:r>
+              <a:rPr kumimoji="1" lang="en-US" altLang="ko-KR" sz="1100" dirty="0">
+                <a:solidFill>
+                  <a:srgbClr val="000000"/>
+                </a:solidFill>
+                <a:latin typeface="Arial Unicode MS" pitchFamily="50" charset="-127"/>
+                <a:ea typeface="굴림" pitchFamily="50" charset="-127"/>
+                <a:cs typeface="굴림" pitchFamily="50" charset="-127"/>
+              </a:rPr>
+              <a:t> {}</a:t>
+            </a:r>
+          </a:p>
+          <a:p>
+            <a:pPr lvl="0" fontAlgn="base">
+              <a:spcBef>
+                <a:spcPct val="0"/>
+              </a:spcBef>
+              <a:spcAft>
+                <a:spcPct val="0"/>
+              </a:spcAft>
+            </a:pPr>
+            <a:r>
+              <a:rPr kumimoji="1" lang="en-US" altLang="ko-KR" sz="1100" dirty="0">
+                <a:solidFill>
+                  <a:srgbClr val="000000"/>
+                </a:solidFill>
+                <a:latin typeface="Arial Unicode MS" pitchFamily="50" charset="-127"/>
+                <a:ea typeface="굴림" pitchFamily="50" charset="-127"/>
+                <a:cs typeface="굴림" pitchFamily="50" charset="-127"/>
+              </a:rPr>
+              <a:t>}</a:t>
+            </a:r>
+            <a:endParaRPr kumimoji="1" lang="ko-KR" altLang="ko-KR" sz="2400" b="0" i="0" u="none" strike="noStrike" cap="none" normalizeH="0" baseline="0" dirty="0" smtClean="0">
+              <a:ln>
+                <a:noFill/>
+              </a:ln>
               <a:solidFill>
-                <a:prstClr val="white"/>
+                <a:schemeClr val="tx1"/>
               </a:solidFill>
-              <a:latin typeface="맑은 고딕" panose="020B0503020000020004" pitchFamily="50" charset="-127"/>
-              <a:ea typeface="맑은 고딕" panose="020B0503020000020004" pitchFamily="50" charset="-127"/>
+              <a:effectLst/>
+              <a:latin typeface="굴림" pitchFamily="50" charset="-127"/>
+              <a:ea typeface="굴림" pitchFamily="50" charset="-127"/>
+              <a:cs typeface="굴림" pitchFamily="50" charset="-127"/>
             </a:endParaRPr>
           </a:p>
         </p:txBody>
@@ -37416,20 +42238,13 @@
     </p:spTree>
     <p:extLst>
       <p:ext uri="{BB962C8B-B14F-4D97-AF65-F5344CB8AC3E}">
-        <p14:creationId xmlns:p14="http://schemas.microsoft.com/office/powerpoint/2010/main" val="2825291949"/>
+        <p14:creationId xmlns:p14="http://schemas.microsoft.com/office/powerpoint/2010/main" val="3048305890"/>
       </p:ext>
     </p:extLst>
   </p:cSld>
   <p:clrMapOvr>
     <a:masterClrMapping/>
   </p:clrMapOvr>
-  <p:timing>
-    <p:tnLst>
-      <p:par>
-        <p:cTn id="1" dur="indefinite" restart="never" nodeType="tmRoot"/>
-      </p:par>
-    </p:tnLst>
-  </p:timing>
 </p:sld>
 </file>
 
